--- a/Project_deadline.pptx
+++ b/Project_deadline.pptx
@@ -5,7 +5,7 @@
     <p:sldMasterId id="2147483673" r:id="rId1"/>
   </p:sldMasterIdLst>
   <p:notesMasterIdLst>
-    <p:notesMasterId r:id="rId13"/>
+    <p:notesMasterId r:id="rId16"/>
   </p:notesMasterIdLst>
   <p:sldIdLst>
     <p:sldId id="256" r:id="rId2"/>
@@ -14,42 +14,45 @@
     <p:sldId id="303" r:id="rId5"/>
     <p:sldId id="274" r:id="rId6"/>
     <p:sldId id="302" r:id="rId7"/>
-    <p:sldId id="304" r:id="rId8"/>
-    <p:sldId id="305" r:id="rId9"/>
-    <p:sldId id="306" r:id="rId10"/>
-    <p:sldId id="307" r:id="rId11"/>
-    <p:sldId id="308" r:id="rId12"/>
+    <p:sldId id="309" r:id="rId8"/>
+    <p:sldId id="312" r:id="rId9"/>
+    <p:sldId id="313" r:id="rId10"/>
+    <p:sldId id="304" r:id="rId11"/>
+    <p:sldId id="305" r:id="rId12"/>
+    <p:sldId id="306" r:id="rId13"/>
+    <p:sldId id="307" r:id="rId14"/>
+    <p:sldId id="308" r:id="rId15"/>
   </p:sldIdLst>
   <p:sldSz cx="9144000" cy="5143500" type="screen16x9"/>
   <p:notesSz cx="6858000" cy="9144000"/>
   <p:embeddedFontLst>
     <p:embeddedFont>
       <p:font typeface="Advent Pro" panose="02020500000000000000" charset="0"/>
-      <p:regular r:id="rId14"/>
-      <p:bold r:id="rId15"/>
+      <p:regular r:id="rId17"/>
+      <p:bold r:id="rId18"/>
     </p:embeddedFont>
     <p:embeddedFont>
       <p:font typeface="Advent Pro Medium" panose="02020500000000000000" charset="0"/>
-      <p:regular r:id="rId16"/>
-      <p:bold r:id="rId17"/>
+      <p:regular r:id="rId19"/>
+      <p:bold r:id="rId20"/>
     </p:embeddedFont>
     <p:embeddedFont>
       <p:font typeface="Nirmala UI Semilight" panose="020B0402040204020203" pitchFamily="34" charset="0"/>
-      <p:regular r:id="rId18"/>
+      <p:regular r:id="rId21"/>
     </p:embeddedFont>
     <p:embeddedFont>
       <p:font typeface="Righteous" panose="02020500000000000000" charset="0"/>
-      <p:regular r:id="rId19"/>
+      <p:regular r:id="rId22"/>
     </p:embeddedFont>
     <p:embeddedFont>
       <p:font typeface="Tahoma" panose="020B0604030504040204" pitchFamily="34" charset="0"/>
-      <p:regular r:id="rId20"/>
-      <p:bold r:id="rId21"/>
+      <p:regular r:id="rId23"/>
+      <p:bold r:id="rId24"/>
     </p:embeddedFont>
     <p:embeddedFont>
       <p:font typeface="微軟正黑體" panose="020B0604030504040204" pitchFamily="34" charset="-120"/>
-      <p:regular r:id="rId22"/>
-      <p:bold r:id="rId23"/>
+      <p:regular r:id="rId25"/>
+      <p:bold r:id="rId26"/>
     </p:embeddedFont>
   </p:embeddedFontLst>
   <p:defaultTextStyle>
@@ -10274,6 +10277,1171 @@
   <p:cSld>
     <p:spTree>
       <p:nvGrpSpPr>
+        <p:cNvPr id="1" name="Shape 3915"/>
+        <p:cNvGrpSpPr/>
+        <p:nvPr/>
+      </p:nvGrpSpPr>
+      <p:grpSpPr>
+        <a:xfrm>
+          <a:off x="0" y="0"/>
+          <a:ext cx="0" cy="0"/>
+          <a:chOff x="0" y="0"/>
+          <a:chExt cx="0" cy="0"/>
+        </a:xfrm>
+      </p:grpSpPr>
+      <p:sp>
+        <p:nvSpPr>
+          <p:cNvPr id="3916" name="Google Shape;3916;p50"/>
+          <p:cNvSpPr txBox="1">
+            <a:spLocks noGrp="1"/>
+          </p:cNvSpPr>
+          <p:nvPr>
+            <p:ph type="title"/>
+          </p:nvPr>
+        </p:nvSpPr>
+        <p:spPr>
+          <a:xfrm>
+            <a:off x="685049" y="436400"/>
+            <a:ext cx="6405037" cy="531000"/>
+          </a:xfrm>
+          <a:prstGeom prst="rect">
+            <a:avLst/>
+          </a:prstGeom>
+        </p:spPr>
+        <p:txBody>
+          <a:bodyPr spcFirstLastPara="1" wrap="square" lIns="91425" tIns="91425" rIns="91425" bIns="91425" anchor="b" anchorCtr="0">
+            <a:noAutofit/>
+          </a:bodyPr>
+          <a:lstStyle/>
+          <a:p>
+            <a:pPr marL="0" lvl="0" indent="0" algn="l" rtl="0">
+              <a:spcBef>
+                <a:spcPts val="0"/>
+              </a:spcBef>
+              <a:spcAft>
+                <a:spcPts val="0"/>
+              </a:spcAft>
+              <a:buNone/>
+            </a:pPr>
+            <a:r>
+              <a:rPr lang="en-US" sz="3600" dirty="0"/>
+              <a:t>Who did what in your team?</a:t>
+            </a:r>
+            <a:endParaRPr sz="3600" dirty="0"/>
+          </a:p>
+        </p:txBody>
+      </p:sp>
+      <p:sp>
+        <p:nvSpPr>
+          <p:cNvPr id="3917" name="Google Shape;3917;p50"/>
+          <p:cNvSpPr txBox="1">
+            <a:spLocks noGrp="1"/>
+          </p:cNvSpPr>
+          <p:nvPr>
+            <p:ph type="ctrTitle" idx="2"/>
+          </p:nvPr>
+        </p:nvSpPr>
+        <p:spPr>
+          <a:xfrm>
+            <a:off x="1101688" y="3611425"/>
+            <a:ext cx="2082300" cy="458100"/>
+          </a:xfrm>
+          <a:prstGeom prst="rect">
+            <a:avLst/>
+          </a:prstGeom>
+        </p:spPr>
+        <p:txBody>
+          <a:bodyPr spcFirstLastPara="1" wrap="square" lIns="91425" tIns="91425" rIns="91425" bIns="91425" anchor="b" anchorCtr="0">
+            <a:noAutofit/>
+          </a:bodyPr>
+          <a:lstStyle/>
+          <a:p>
+            <a:pPr marL="0" lvl="0" indent="0" algn="ctr" rtl="0">
+              <a:spcBef>
+                <a:spcPts val="0"/>
+              </a:spcBef>
+              <a:spcAft>
+                <a:spcPts val="0"/>
+              </a:spcAft>
+              <a:buNone/>
+            </a:pPr>
+            <a:r>
+              <a:rPr lang="zh-TW" altLang="en-US" b="1" dirty="0">
+                <a:latin typeface="微軟正黑體" panose="020B0604030504040204" pitchFamily="34" charset="-120"/>
+                <a:ea typeface="微軟正黑體" panose="020B0604030504040204" pitchFamily="34" charset="-120"/>
+              </a:rPr>
+              <a:t>林彤頤</a:t>
+            </a:r>
+            <a:endParaRPr b="1" dirty="0">
+              <a:latin typeface="微軟正黑體" panose="020B0604030504040204" pitchFamily="34" charset="-120"/>
+              <a:ea typeface="微軟正黑體" panose="020B0604030504040204" pitchFamily="34" charset="-120"/>
+            </a:endParaRPr>
+          </a:p>
+        </p:txBody>
+      </p:sp>
+      <p:sp>
+        <p:nvSpPr>
+          <p:cNvPr id="3918" name="Google Shape;3918;p50"/>
+          <p:cNvSpPr txBox="1">
+            <a:spLocks noGrp="1"/>
+          </p:cNvSpPr>
+          <p:nvPr>
+            <p:ph type="subTitle" idx="1"/>
+          </p:nvPr>
+        </p:nvSpPr>
+        <p:spPr>
+          <a:xfrm>
+            <a:off x="1101600" y="3933449"/>
+            <a:ext cx="2082300" cy="624300"/>
+          </a:xfrm>
+          <a:prstGeom prst="rect">
+            <a:avLst/>
+          </a:prstGeom>
+        </p:spPr>
+        <p:txBody>
+          <a:bodyPr spcFirstLastPara="1" wrap="square" lIns="91425" tIns="91425" rIns="91425" bIns="91425" anchor="t" anchorCtr="0">
+            <a:noAutofit/>
+          </a:bodyPr>
+          <a:lstStyle/>
+          <a:p>
+            <a:pPr marL="0" lvl="0" indent="0" algn="ctr" rtl="0">
+              <a:spcBef>
+                <a:spcPts val="0"/>
+              </a:spcBef>
+              <a:spcAft>
+                <a:spcPts val="0"/>
+              </a:spcAft>
+              <a:buClr>
+                <a:schemeClr val="dk1"/>
+              </a:buClr>
+              <a:buSzPts val="1100"/>
+              <a:buFont typeface="Arial"/>
+              <a:buNone/>
+            </a:pPr>
+            <a:r>
+              <a:rPr lang="zh-TW" altLang="en-US" dirty="0">
+                <a:latin typeface="微軟正黑體" panose="020B0604030504040204" pitchFamily="34" charset="-120"/>
+                <a:ea typeface="微軟正黑體" panose="020B0604030504040204" pitchFamily="34" charset="-120"/>
+              </a:rPr>
+              <a:t>主題發想</a:t>
+            </a:r>
+            <a:endParaRPr lang="en-US" altLang="zh-TW" dirty="0">
+              <a:latin typeface="微軟正黑體" panose="020B0604030504040204" pitchFamily="34" charset="-120"/>
+              <a:ea typeface="微軟正黑體" panose="020B0604030504040204" pitchFamily="34" charset="-120"/>
+            </a:endParaRPr>
+          </a:p>
+          <a:p>
+            <a:pPr marL="0" lvl="0" indent="0" algn="ctr" rtl="0">
+              <a:spcBef>
+                <a:spcPts val="0"/>
+              </a:spcBef>
+              <a:spcAft>
+                <a:spcPts val="0"/>
+              </a:spcAft>
+              <a:buClr>
+                <a:schemeClr val="dk1"/>
+              </a:buClr>
+              <a:buSzPts val="1100"/>
+              <a:buFont typeface="Arial"/>
+              <a:buNone/>
+            </a:pPr>
+            <a:r>
+              <a:rPr lang="zh-TW" altLang="en-US" dirty="0">
+                <a:latin typeface="微軟正黑體" panose="020B0604030504040204" pitchFamily="34" charset="-120"/>
+                <a:ea typeface="微軟正黑體" panose="020B0604030504040204" pitchFamily="34" charset="-120"/>
+              </a:rPr>
+              <a:t>內容提供</a:t>
+            </a:r>
+            <a:endParaRPr dirty="0">
+              <a:latin typeface="微軟正黑體" panose="020B0604030504040204" pitchFamily="34" charset="-120"/>
+              <a:ea typeface="微軟正黑體" panose="020B0604030504040204" pitchFamily="34" charset="-120"/>
+            </a:endParaRPr>
+          </a:p>
+        </p:txBody>
+      </p:sp>
+      <p:sp>
+        <p:nvSpPr>
+          <p:cNvPr id="3919" name="Google Shape;3919;p50"/>
+          <p:cNvSpPr txBox="1">
+            <a:spLocks noGrp="1"/>
+          </p:cNvSpPr>
+          <p:nvPr>
+            <p:ph type="ctrTitle" idx="3"/>
+          </p:nvPr>
+        </p:nvSpPr>
+        <p:spPr>
+          <a:xfrm>
+            <a:off x="3530888" y="3611425"/>
+            <a:ext cx="2082300" cy="458100"/>
+          </a:xfrm>
+          <a:prstGeom prst="rect">
+            <a:avLst/>
+          </a:prstGeom>
+        </p:spPr>
+        <p:txBody>
+          <a:bodyPr spcFirstLastPara="1" wrap="square" lIns="91425" tIns="91425" rIns="91425" bIns="91425" anchor="b" anchorCtr="0">
+            <a:noAutofit/>
+          </a:bodyPr>
+          <a:lstStyle/>
+          <a:p>
+            <a:pPr marL="0" lvl="0" indent="0" algn="ctr" rtl="0">
+              <a:spcBef>
+                <a:spcPts val="0"/>
+              </a:spcBef>
+              <a:spcAft>
+                <a:spcPts val="0"/>
+              </a:spcAft>
+              <a:buNone/>
+            </a:pPr>
+            <a:r>
+              <a:rPr lang="zh-TW" altLang="en-US" b="1" dirty="0">
+                <a:latin typeface="微軟正黑體" panose="020B0604030504040204" pitchFamily="34" charset="-120"/>
+                <a:ea typeface="微軟正黑體" panose="020B0604030504040204" pitchFamily="34" charset="-120"/>
+              </a:rPr>
+              <a:t>丁語婕</a:t>
+            </a:r>
+            <a:endParaRPr b="1" dirty="0">
+              <a:latin typeface="微軟正黑體" panose="020B0604030504040204" pitchFamily="34" charset="-120"/>
+              <a:ea typeface="微軟正黑體" panose="020B0604030504040204" pitchFamily="34" charset="-120"/>
+            </a:endParaRPr>
+          </a:p>
+        </p:txBody>
+      </p:sp>
+      <p:sp>
+        <p:nvSpPr>
+          <p:cNvPr id="3920" name="Google Shape;3920;p50"/>
+          <p:cNvSpPr txBox="1">
+            <a:spLocks noGrp="1"/>
+          </p:cNvSpPr>
+          <p:nvPr>
+            <p:ph type="subTitle" idx="4"/>
+          </p:nvPr>
+        </p:nvSpPr>
+        <p:spPr>
+          <a:xfrm>
+            <a:off x="3530800" y="3933449"/>
+            <a:ext cx="2082300" cy="624300"/>
+          </a:xfrm>
+          <a:prstGeom prst="rect">
+            <a:avLst/>
+          </a:prstGeom>
+        </p:spPr>
+        <p:txBody>
+          <a:bodyPr spcFirstLastPara="1" wrap="square" lIns="91425" tIns="91425" rIns="91425" bIns="91425" anchor="t" anchorCtr="0">
+            <a:noAutofit/>
+          </a:bodyPr>
+          <a:lstStyle/>
+          <a:p>
+            <a:pPr marL="0" indent="0">
+              <a:buClr>
+                <a:schemeClr val="dk1"/>
+              </a:buClr>
+              <a:buSzPts val="1100"/>
+            </a:pPr>
+            <a:r>
+              <a:rPr lang="zh-TW" altLang="en-US" dirty="0">
+                <a:latin typeface="微軟正黑體" panose="020B0604030504040204" pitchFamily="34" charset="-120"/>
+                <a:ea typeface="微軟正黑體" panose="020B0604030504040204" pitchFamily="34" charset="-120"/>
+              </a:rPr>
+              <a:t>程式構想</a:t>
+            </a:r>
+            <a:endParaRPr lang="en-US" altLang="zh-TW" dirty="0">
+              <a:latin typeface="微軟正黑體" panose="020B0604030504040204" pitchFamily="34" charset="-120"/>
+              <a:ea typeface="微軟正黑體" panose="020B0604030504040204" pitchFamily="34" charset="-120"/>
+            </a:endParaRPr>
+          </a:p>
+          <a:p>
+            <a:pPr marL="0" lvl="0" indent="0" algn="ctr" rtl="0">
+              <a:spcBef>
+                <a:spcPts val="0"/>
+              </a:spcBef>
+              <a:spcAft>
+                <a:spcPts val="0"/>
+              </a:spcAft>
+              <a:buClr>
+                <a:schemeClr val="dk1"/>
+              </a:buClr>
+              <a:buSzPts val="1100"/>
+              <a:buFont typeface="Arial"/>
+              <a:buNone/>
+            </a:pPr>
+            <a:r>
+              <a:rPr lang="zh-TW" altLang="en-US" dirty="0">
+                <a:latin typeface="微軟正黑體" panose="020B0604030504040204" pitchFamily="34" charset="-120"/>
+                <a:ea typeface="微軟正黑體" panose="020B0604030504040204" pitchFamily="34" charset="-120"/>
+              </a:rPr>
+              <a:t>資料收集</a:t>
+            </a:r>
+            <a:endParaRPr dirty="0">
+              <a:latin typeface="微軟正黑體" panose="020B0604030504040204" pitchFamily="34" charset="-120"/>
+              <a:ea typeface="微軟正黑體" panose="020B0604030504040204" pitchFamily="34" charset="-120"/>
+            </a:endParaRPr>
+          </a:p>
+        </p:txBody>
+      </p:sp>
+      <p:sp>
+        <p:nvSpPr>
+          <p:cNvPr id="3923" name="Google Shape;3923;p50"/>
+          <p:cNvSpPr txBox="1">
+            <a:spLocks noGrp="1"/>
+          </p:cNvSpPr>
+          <p:nvPr>
+            <p:ph type="ctrTitle" idx="7"/>
+          </p:nvPr>
+        </p:nvSpPr>
+        <p:spPr>
+          <a:xfrm>
+            <a:off x="1101688" y="1900750"/>
+            <a:ext cx="2082300" cy="458100"/>
+          </a:xfrm>
+          <a:prstGeom prst="rect">
+            <a:avLst/>
+          </a:prstGeom>
+        </p:spPr>
+        <p:txBody>
+          <a:bodyPr spcFirstLastPara="1" wrap="square" lIns="91425" tIns="91425" rIns="91425" bIns="91425" anchor="b" anchorCtr="0">
+            <a:noAutofit/>
+          </a:bodyPr>
+          <a:lstStyle/>
+          <a:p>
+            <a:pPr marL="0" lvl="0" indent="0" algn="ctr" rtl="0">
+              <a:spcBef>
+                <a:spcPts val="0"/>
+              </a:spcBef>
+              <a:spcAft>
+                <a:spcPts val="0"/>
+              </a:spcAft>
+              <a:buNone/>
+            </a:pPr>
+            <a:r>
+              <a:rPr lang="zh-TW" altLang="en-US" b="1" dirty="0">
+                <a:latin typeface="微軟正黑體" panose="020B0604030504040204" pitchFamily="34" charset="-120"/>
+                <a:ea typeface="微軟正黑體" panose="020B0604030504040204" pitchFamily="34" charset="-120"/>
+              </a:rPr>
+              <a:t>黃至瑜</a:t>
+            </a:r>
+            <a:endParaRPr b="1" dirty="0">
+              <a:latin typeface="微軟正黑體" panose="020B0604030504040204" pitchFamily="34" charset="-120"/>
+              <a:ea typeface="微軟正黑體" panose="020B0604030504040204" pitchFamily="34" charset="-120"/>
+            </a:endParaRPr>
+          </a:p>
+        </p:txBody>
+      </p:sp>
+      <p:sp>
+        <p:nvSpPr>
+          <p:cNvPr id="3924" name="Google Shape;3924;p50"/>
+          <p:cNvSpPr txBox="1">
+            <a:spLocks noGrp="1"/>
+          </p:cNvSpPr>
+          <p:nvPr>
+            <p:ph type="subTitle" idx="8"/>
+          </p:nvPr>
+        </p:nvSpPr>
+        <p:spPr>
+          <a:xfrm>
+            <a:off x="1101600" y="2222774"/>
+            <a:ext cx="2082300" cy="624300"/>
+          </a:xfrm>
+          <a:prstGeom prst="rect">
+            <a:avLst/>
+          </a:prstGeom>
+        </p:spPr>
+        <p:txBody>
+          <a:bodyPr spcFirstLastPara="1" wrap="square" lIns="91425" tIns="91425" rIns="91425" bIns="91425" anchor="t" anchorCtr="0">
+            <a:noAutofit/>
+          </a:bodyPr>
+          <a:lstStyle/>
+          <a:p>
+            <a:pPr marL="0" lvl="0" indent="0" algn="ctr" rtl="0">
+              <a:spcBef>
+                <a:spcPts val="0"/>
+              </a:spcBef>
+              <a:spcAft>
+                <a:spcPts val="0"/>
+              </a:spcAft>
+              <a:buClr>
+                <a:schemeClr val="dk1"/>
+              </a:buClr>
+              <a:buSzPts val="1100"/>
+              <a:buFont typeface="Arial"/>
+              <a:buNone/>
+            </a:pPr>
+            <a:r>
+              <a:rPr lang="en-US" altLang="zh-TW" dirty="0"/>
+              <a:t>PPT</a:t>
+            </a:r>
+            <a:r>
+              <a:rPr lang="zh-TW" altLang="en-US" dirty="0">
+                <a:latin typeface="微軟正黑體" panose="020B0604030504040204" pitchFamily="34" charset="-120"/>
+                <a:ea typeface="微軟正黑體" panose="020B0604030504040204" pitchFamily="34" charset="-120"/>
+              </a:rPr>
+              <a:t>製作</a:t>
+            </a:r>
+            <a:endParaRPr lang="en-US" altLang="zh-TW" dirty="0">
+              <a:latin typeface="微軟正黑體" panose="020B0604030504040204" pitchFamily="34" charset="-120"/>
+              <a:ea typeface="微軟正黑體" panose="020B0604030504040204" pitchFamily="34" charset="-120"/>
+            </a:endParaRPr>
+          </a:p>
+          <a:p>
+            <a:pPr marL="0" lvl="0" indent="0" algn="ctr" rtl="0">
+              <a:spcBef>
+                <a:spcPts val="0"/>
+              </a:spcBef>
+              <a:spcAft>
+                <a:spcPts val="0"/>
+              </a:spcAft>
+              <a:buClr>
+                <a:schemeClr val="dk1"/>
+              </a:buClr>
+              <a:buSzPts val="1100"/>
+              <a:buFont typeface="Arial"/>
+              <a:buNone/>
+            </a:pPr>
+            <a:r>
+              <a:rPr lang="zh-TW" altLang="en-US" dirty="0">
+                <a:latin typeface="微軟正黑體" panose="020B0604030504040204" pitchFamily="34" charset="-120"/>
+                <a:ea typeface="微軟正黑體" panose="020B0604030504040204" pitchFamily="34" charset="-120"/>
+              </a:rPr>
+              <a:t>統合</a:t>
+            </a:r>
+            <a:endParaRPr dirty="0">
+              <a:latin typeface="微軟正黑體" panose="020B0604030504040204" pitchFamily="34" charset="-120"/>
+              <a:ea typeface="微軟正黑體" panose="020B0604030504040204" pitchFamily="34" charset="-120"/>
+            </a:endParaRPr>
+          </a:p>
+        </p:txBody>
+      </p:sp>
+      <p:sp>
+        <p:nvSpPr>
+          <p:cNvPr id="3925" name="Google Shape;3925;p50"/>
+          <p:cNvSpPr txBox="1">
+            <a:spLocks noGrp="1"/>
+          </p:cNvSpPr>
+          <p:nvPr>
+            <p:ph type="ctrTitle" idx="9"/>
+          </p:nvPr>
+        </p:nvSpPr>
+        <p:spPr>
+          <a:xfrm>
+            <a:off x="3530888" y="1900750"/>
+            <a:ext cx="2082300" cy="458100"/>
+          </a:xfrm>
+          <a:prstGeom prst="rect">
+            <a:avLst/>
+          </a:prstGeom>
+        </p:spPr>
+        <p:txBody>
+          <a:bodyPr spcFirstLastPara="1" wrap="square" lIns="91425" tIns="91425" rIns="91425" bIns="91425" anchor="b" anchorCtr="0">
+            <a:noAutofit/>
+          </a:bodyPr>
+          <a:lstStyle/>
+          <a:p>
+            <a:pPr marL="0" lvl="0" indent="0" algn="ctr" rtl="0">
+              <a:spcBef>
+                <a:spcPts val="0"/>
+              </a:spcBef>
+              <a:spcAft>
+                <a:spcPts val="0"/>
+              </a:spcAft>
+              <a:buNone/>
+            </a:pPr>
+            <a:r>
+              <a:rPr lang="zh-TW" altLang="en-US" b="1" dirty="0">
+                <a:latin typeface="微軟正黑體" panose="020B0604030504040204" pitchFamily="34" charset="-120"/>
+                <a:ea typeface="微軟正黑體" panose="020B0604030504040204" pitchFamily="34" charset="-120"/>
+              </a:rPr>
+              <a:t>孫韻婷</a:t>
+            </a:r>
+            <a:endParaRPr b="1" dirty="0">
+              <a:latin typeface="微軟正黑體" panose="020B0604030504040204" pitchFamily="34" charset="-120"/>
+              <a:ea typeface="微軟正黑體" panose="020B0604030504040204" pitchFamily="34" charset="-120"/>
+            </a:endParaRPr>
+          </a:p>
+        </p:txBody>
+      </p:sp>
+      <p:sp>
+        <p:nvSpPr>
+          <p:cNvPr id="3926" name="Google Shape;3926;p50"/>
+          <p:cNvSpPr txBox="1">
+            <a:spLocks noGrp="1"/>
+          </p:cNvSpPr>
+          <p:nvPr>
+            <p:ph type="subTitle" idx="13"/>
+          </p:nvPr>
+        </p:nvSpPr>
+        <p:spPr>
+          <a:xfrm>
+            <a:off x="3530800" y="2222774"/>
+            <a:ext cx="2082300" cy="624300"/>
+          </a:xfrm>
+          <a:prstGeom prst="rect">
+            <a:avLst/>
+          </a:prstGeom>
+        </p:spPr>
+        <p:txBody>
+          <a:bodyPr spcFirstLastPara="1" wrap="square" lIns="91425" tIns="91425" rIns="91425" bIns="91425" anchor="t" anchorCtr="0">
+            <a:noAutofit/>
+          </a:bodyPr>
+          <a:lstStyle/>
+          <a:p>
+            <a:pPr marL="0" lvl="0" indent="0" algn="ctr" rtl="0">
+              <a:spcBef>
+                <a:spcPts val="0"/>
+              </a:spcBef>
+              <a:spcAft>
+                <a:spcPts val="0"/>
+              </a:spcAft>
+              <a:buNone/>
+            </a:pPr>
+            <a:r>
+              <a:rPr lang="zh-TW" altLang="en-US" dirty="0">
+                <a:latin typeface="微軟正黑體" panose="020B0604030504040204" pitchFamily="34" charset="-120"/>
+                <a:ea typeface="微軟正黑體" panose="020B0604030504040204" pitchFamily="34" charset="-120"/>
+              </a:rPr>
+              <a:t>內容提供</a:t>
+            </a:r>
+            <a:endParaRPr lang="en-US" altLang="zh-TW" dirty="0">
+              <a:latin typeface="微軟正黑體" panose="020B0604030504040204" pitchFamily="34" charset="-120"/>
+              <a:ea typeface="微軟正黑體" panose="020B0604030504040204" pitchFamily="34" charset="-120"/>
+            </a:endParaRPr>
+          </a:p>
+          <a:p>
+            <a:pPr marL="0" lvl="0" indent="0" algn="ctr" rtl="0">
+              <a:spcBef>
+                <a:spcPts val="0"/>
+              </a:spcBef>
+              <a:spcAft>
+                <a:spcPts val="0"/>
+              </a:spcAft>
+              <a:buNone/>
+            </a:pPr>
+            <a:r>
+              <a:rPr lang="zh-TW" altLang="en-US" dirty="0">
+                <a:latin typeface="微軟正黑體" panose="020B0604030504040204" pitchFamily="34" charset="-120"/>
+                <a:ea typeface="微軟正黑體" panose="020B0604030504040204" pitchFamily="34" charset="-120"/>
+              </a:rPr>
+              <a:t>討論</a:t>
+            </a:r>
+            <a:endParaRPr dirty="0">
+              <a:latin typeface="微軟正黑體" panose="020B0604030504040204" pitchFamily="34" charset="-120"/>
+              <a:ea typeface="微軟正黑體" panose="020B0604030504040204" pitchFamily="34" charset="-120"/>
+            </a:endParaRPr>
+          </a:p>
+        </p:txBody>
+      </p:sp>
+      <p:sp>
+        <p:nvSpPr>
+          <p:cNvPr id="3927" name="Google Shape;3927;p50"/>
+          <p:cNvSpPr txBox="1">
+            <a:spLocks noGrp="1"/>
+          </p:cNvSpPr>
+          <p:nvPr>
+            <p:ph type="ctrTitle" idx="14"/>
+          </p:nvPr>
+        </p:nvSpPr>
+        <p:spPr>
+          <a:xfrm>
+            <a:off x="5960088" y="1900750"/>
+            <a:ext cx="2082300" cy="458100"/>
+          </a:xfrm>
+          <a:prstGeom prst="rect">
+            <a:avLst/>
+          </a:prstGeom>
+        </p:spPr>
+        <p:txBody>
+          <a:bodyPr spcFirstLastPara="1" wrap="square" lIns="91425" tIns="91425" rIns="91425" bIns="91425" anchor="b" anchorCtr="0">
+            <a:noAutofit/>
+          </a:bodyPr>
+          <a:lstStyle/>
+          <a:p>
+            <a:pPr marL="0" lvl="0" indent="0" algn="ctr" rtl="0">
+              <a:spcBef>
+                <a:spcPts val="0"/>
+              </a:spcBef>
+              <a:spcAft>
+                <a:spcPts val="0"/>
+              </a:spcAft>
+              <a:buNone/>
+            </a:pPr>
+            <a:r>
+              <a:rPr lang="zh-TW" altLang="en-US" b="1" dirty="0">
+                <a:latin typeface="微軟正黑體" panose="020B0604030504040204" pitchFamily="34" charset="-120"/>
+                <a:ea typeface="微軟正黑體" panose="020B0604030504040204" pitchFamily="34" charset="-120"/>
+              </a:rPr>
+              <a:t>彭安慈</a:t>
+            </a:r>
+            <a:endParaRPr b="1" dirty="0">
+              <a:latin typeface="微軟正黑體" panose="020B0604030504040204" pitchFamily="34" charset="-120"/>
+              <a:ea typeface="微軟正黑體" panose="020B0604030504040204" pitchFamily="34" charset="-120"/>
+            </a:endParaRPr>
+          </a:p>
+        </p:txBody>
+      </p:sp>
+      <p:sp>
+        <p:nvSpPr>
+          <p:cNvPr id="3928" name="Google Shape;3928;p50"/>
+          <p:cNvSpPr txBox="1">
+            <a:spLocks noGrp="1"/>
+          </p:cNvSpPr>
+          <p:nvPr>
+            <p:ph type="subTitle" idx="15"/>
+          </p:nvPr>
+        </p:nvSpPr>
+        <p:spPr>
+          <a:xfrm>
+            <a:off x="5960000" y="2222773"/>
+            <a:ext cx="2082300" cy="764051"/>
+          </a:xfrm>
+          <a:prstGeom prst="rect">
+            <a:avLst/>
+          </a:prstGeom>
+        </p:spPr>
+        <p:txBody>
+          <a:bodyPr spcFirstLastPara="1" wrap="square" lIns="91425" tIns="91425" rIns="91425" bIns="91425" anchor="t" anchorCtr="0">
+            <a:noAutofit/>
+          </a:bodyPr>
+          <a:lstStyle/>
+          <a:p>
+            <a:pPr marL="0" lvl="0" indent="0" algn="ctr" rtl="0">
+              <a:spcBef>
+                <a:spcPts val="0"/>
+              </a:spcBef>
+              <a:spcAft>
+                <a:spcPts val="0"/>
+              </a:spcAft>
+              <a:buClr>
+                <a:schemeClr val="dk1"/>
+              </a:buClr>
+              <a:buSzPts val="1100"/>
+              <a:buFont typeface="Arial"/>
+              <a:buNone/>
+            </a:pPr>
+            <a:r>
+              <a:rPr lang="zh-TW" altLang="en-US" dirty="0">
+                <a:latin typeface="微軟正黑體" panose="020B0604030504040204" pitchFamily="34" charset="-120"/>
+                <a:ea typeface="微軟正黑體" panose="020B0604030504040204" pitchFamily="34" charset="-120"/>
+              </a:rPr>
+              <a:t>程式構想</a:t>
+            </a:r>
+            <a:endParaRPr lang="en-US" altLang="zh-TW" dirty="0">
+              <a:latin typeface="微軟正黑體" panose="020B0604030504040204" pitchFamily="34" charset="-120"/>
+              <a:ea typeface="微軟正黑體" panose="020B0604030504040204" pitchFamily="34" charset="-120"/>
+            </a:endParaRPr>
+          </a:p>
+          <a:p>
+            <a:pPr marL="0" lvl="0" indent="0" algn="ctr" rtl="0">
+              <a:spcBef>
+                <a:spcPts val="0"/>
+              </a:spcBef>
+              <a:spcAft>
+                <a:spcPts val="0"/>
+              </a:spcAft>
+              <a:buClr>
+                <a:schemeClr val="dk1"/>
+              </a:buClr>
+              <a:buSzPts val="1100"/>
+              <a:buFont typeface="Arial"/>
+              <a:buNone/>
+            </a:pPr>
+            <a:r>
+              <a:rPr lang="zh-TW" altLang="en-US" dirty="0">
+                <a:latin typeface="微軟正黑體" panose="020B0604030504040204" pitchFamily="34" charset="-120"/>
+                <a:ea typeface="微軟正黑體" panose="020B0604030504040204" pitchFamily="34" charset="-120"/>
+              </a:rPr>
+              <a:t>內容提供</a:t>
+            </a:r>
+            <a:endParaRPr lang="en-US" altLang="zh-TW" dirty="0">
+              <a:latin typeface="微軟正黑體" panose="020B0604030504040204" pitchFamily="34" charset="-120"/>
+              <a:ea typeface="微軟正黑體" panose="020B0604030504040204" pitchFamily="34" charset="-120"/>
+            </a:endParaRPr>
+          </a:p>
+          <a:p>
+            <a:pPr marL="0" lvl="0" indent="0" algn="ctr" rtl="0">
+              <a:spcBef>
+                <a:spcPts val="0"/>
+              </a:spcBef>
+              <a:spcAft>
+                <a:spcPts val="0"/>
+              </a:spcAft>
+              <a:buClr>
+                <a:schemeClr val="dk1"/>
+              </a:buClr>
+              <a:buSzPts val="1100"/>
+              <a:buFont typeface="Arial"/>
+              <a:buNone/>
+            </a:pPr>
+            <a:r>
+              <a:rPr lang="zh-TW" altLang="en-US" dirty="0">
+                <a:latin typeface="微軟正黑體" panose="020B0604030504040204" pitchFamily="34" charset="-120"/>
+                <a:ea typeface="微軟正黑體" panose="020B0604030504040204" pitchFamily="34" charset="-120"/>
+              </a:rPr>
+              <a:t>討論</a:t>
+            </a:r>
+            <a:endParaRPr dirty="0">
+              <a:latin typeface="微軟正黑體" panose="020B0604030504040204" pitchFamily="34" charset="-120"/>
+              <a:ea typeface="微軟正黑體" panose="020B0604030504040204" pitchFamily="34" charset="-120"/>
+            </a:endParaRPr>
+          </a:p>
+        </p:txBody>
+      </p:sp>
+      <p:cxnSp>
+        <p:nvCxnSpPr>
+          <p:cNvPr id="3973" name="Google Shape;3973;p50"/>
+          <p:cNvCxnSpPr/>
+          <p:nvPr/>
+        </p:nvCxnSpPr>
+        <p:spPr>
+          <a:xfrm rot="10800000">
+            <a:off x="-810725" y="967400"/>
+            <a:ext cx="3604800" cy="0"/>
+          </a:xfrm>
+          <a:prstGeom prst="straightConnector1">
+            <a:avLst/>
+          </a:prstGeom>
+          <a:noFill/>
+          <a:ln w="19050" cap="flat" cmpd="sng">
+            <a:solidFill>
+              <a:srgbClr val="D3B5C8"/>
+            </a:solidFill>
+            <a:prstDash val="solid"/>
+            <a:round/>
+            <a:headEnd type="none" w="med" len="med"/>
+            <a:tailEnd type="none" w="med" len="med"/>
+          </a:ln>
+        </p:spPr>
+      </p:cxnSp>
+    </p:spTree>
+    <p:extLst>
+      <p:ext uri="{BB962C8B-B14F-4D97-AF65-F5344CB8AC3E}">
+        <p14:creationId xmlns:p14="http://schemas.microsoft.com/office/powerpoint/2010/main" val="179956463"/>
+      </p:ext>
+    </p:extLst>
+  </p:cSld>
+  <p:clrMapOvr>
+    <a:masterClrMapping/>
+  </p:clrMapOvr>
+</p:sld>
+</file>
+
+<file path=ppt/slides/slide11.xml><?xml version="1.0" encoding="utf-8"?>
+<p:sld xmlns:a="http://schemas.openxmlformats.org/drawingml/2006/main" xmlns:r="http://schemas.openxmlformats.org/officeDocument/2006/relationships" xmlns:p="http://schemas.openxmlformats.org/presentationml/2006/main">
+  <p:cSld>
+    <p:spTree>
+      <p:nvGrpSpPr>
+        <p:cNvPr id="1" name=""/>
+        <p:cNvGrpSpPr/>
+        <p:nvPr/>
+      </p:nvGrpSpPr>
+      <p:grpSpPr>
+        <a:xfrm>
+          <a:off x="0" y="0"/>
+          <a:ext cx="0" cy="0"/>
+          <a:chOff x="0" y="0"/>
+          <a:chExt cx="0" cy="0"/>
+        </a:xfrm>
+      </p:grpSpPr>
+      <p:sp>
+        <p:nvSpPr>
+          <p:cNvPr id="2" name="標題 1">
+            <a:extLst>
+              <a:ext uri="{FF2B5EF4-FFF2-40B4-BE49-F238E27FC236}">
+                <a16:creationId xmlns:a16="http://schemas.microsoft.com/office/drawing/2014/main" id="{E23F5F01-6C5F-4D8A-8D40-3192F3DA8EE3}"/>
+              </a:ext>
+            </a:extLst>
+          </p:cNvPr>
+          <p:cNvSpPr>
+            <a:spLocks noGrp="1"/>
+          </p:cNvSpPr>
+          <p:nvPr>
+            <p:ph type="title"/>
+          </p:nvPr>
+        </p:nvSpPr>
+        <p:spPr>
+          <a:xfrm>
+            <a:off x="685049" y="436400"/>
+            <a:ext cx="6222589" cy="531000"/>
+          </a:xfrm>
+        </p:spPr>
+        <p:txBody>
+          <a:bodyPr/>
+          <a:lstStyle/>
+          <a:p>
+            <a:r>
+              <a:rPr lang="zh-TW" altLang="en-US" dirty="0">
+                <a:latin typeface="微軟正黑體" panose="020B0604030504040204" pitchFamily="34" charset="-120"/>
+                <a:ea typeface="微軟正黑體" panose="020B0604030504040204" pitchFamily="34" charset="-120"/>
+                <a:cs typeface="Nirmala UI Semilight" panose="020B0402040204020203" pitchFamily="34" charset="0"/>
+              </a:rPr>
+              <a:t>可以舉例怎樣是文言怎樣是白話嗎</a:t>
+            </a:r>
+            <a:r>
+              <a:rPr lang="en-US" altLang="zh-TW" dirty="0">
+                <a:latin typeface="微軟正黑體" panose="020B0604030504040204" pitchFamily="34" charset="-120"/>
+                <a:ea typeface="微軟正黑體" panose="020B0604030504040204" pitchFamily="34" charset="-120"/>
+                <a:cs typeface="Nirmala UI Semilight" panose="020B0402040204020203" pitchFamily="34" charset="0"/>
+              </a:rPr>
+              <a:t>?</a:t>
+            </a:r>
+            <a:endParaRPr lang="zh-TW" altLang="en-US" dirty="0">
+              <a:latin typeface="微軟正黑體" panose="020B0604030504040204" pitchFamily="34" charset="-120"/>
+              <a:ea typeface="微軟正黑體" panose="020B0604030504040204" pitchFamily="34" charset="-120"/>
+              <a:cs typeface="Nirmala UI Semilight" panose="020B0402040204020203" pitchFamily="34" charset="0"/>
+            </a:endParaRPr>
+          </a:p>
+        </p:txBody>
+      </p:sp>
+      <p:sp>
+        <p:nvSpPr>
+          <p:cNvPr id="3" name="文字版面配置區 2">
+            <a:extLst>
+              <a:ext uri="{FF2B5EF4-FFF2-40B4-BE49-F238E27FC236}">
+                <a16:creationId xmlns:a16="http://schemas.microsoft.com/office/drawing/2014/main" id="{D7D57134-9970-4FDF-89FC-B097354601ED}"/>
+              </a:ext>
+            </a:extLst>
+          </p:cNvPr>
+          <p:cNvSpPr>
+            <a:spLocks noGrp="1"/>
+          </p:cNvSpPr>
+          <p:nvPr>
+            <p:ph type="body" idx="1"/>
+          </p:nvPr>
+        </p:nvSpPr>
+        <p:spPr>
+          <a:xfrm>
+            <a:off x="685049" y="967400"/>
+            <a:ext cx="5438818" cy="2163900"/>
+          </a:xfrm>
+        </p:spPr>
+        <p:txBody>
+          <a:bodyPr/>
+          <a:lstStyle/>
+          <a:p>
+            <a:r>
+              <a:rPr lang="zh-TW" altLang="en-US" dirty="0">
+                <a:latin typeface="微軟正黑體" panose="020B0604030504040204" pitchFamily="34" charset="-120"/>
+                <a:ea typeface="微軟正黑體" panose="020B0604030504040204" pitchFamily="34" charset="-120"/>
+              </a:rPr>
+              <a:t>文言：較拗口或無法理解原意的字詞。</a:t>
+            </a:r>
+            <a:endParaRPr lang="en-US" altLang="zh-TW" dirty="0">
+              <a:latin typeface="微軟正黑體" panose="020B0604030504040204" pitchFamily="34" charset="-120"/>
+              <a:ea typeface="微軟正黑體" panose="020B0604030504040204" pitchFamily="34" charset="-120"/>
+            </a:endParaRPr>
+          </a:p>
+          <a:p>
+            <a:r>
+              <a:rPr lang="zh-TW" altLang="en-US" dirty="0">
+                <a:latin typeface="微軟正黑體" panose="020B0604030504040204" pitchFamily="34" charset="-120"/>
+                <a:ea typeface="微軟正黑體" panose="020B0604030504040204" pitchFamily="34" charset="-120"/>
+              </a:rPr>
+              <a:t>白話：生活化且較口語的字詞。</a:t>
+            </a:r>
+            <a:endParaRPr lang="en-US" altLang="zh-TW" dirty="0">
+              <a:latin typeface="微軟正黑體" panose="020B0604030504040204" pitchFamily="34" charset="-120"/>
+              <a:ea typeface="微軟正黑體" panose="020B0604030504040204" pitchFamily="34" charset="-120"/>
+            </a:endParaRPr>
+          </a:p>
+          <a:p>
+            <a:pPr lvl="1"/>
+            <a:r>
+              <a:rPr lang="zh-TW" altLang="en-US" dirty="0">
+                <a:latin typeface="微軟正黑體" panose="020B0604030504040204" pitchFamily="34" charset="-120"/>
+                <a:ea typeface="微軟正黑體" panose="020B0604030504040204" pitchFamily="34" charset="-120"/>
+              </a:rPr>
+              <a:t>例：</a:t>
+            </a:r>
+          </a:p>
+        </p:txBody>
+      </p:sp>
+      <p:graphicFrame>
+        <p:nvGraphicFramePr>
+          <p:cNvPr id="4" name="表格 3">
+            <a:extLst>
+              <a:ext uri="{FF2B5EF4-FFF2-40B4-BE49-F238E27FC236}">
+                <a16:creationId xmlns:a16="http://schemas.microsoft.com/office/drawing/2014/main" id="{638E340A-BD98-4F67-B070-937C38D72276}"/>
+              </a:ext>
+            </a:extLst>
+          </p:cNvPr>
+          <p:cNvGraphicFramePr>
+            <a:graphicFrameLocks noGrp="1"/>
+          </p:cNvGraphicFramePr>
+          <p:nvPr>
+            <p:extLst>
+              <p:ext uri="{D42A27DB-BD31-4B8C-83A1-F6EECF244321}">
+                <p14:modId xmlns:p14="http://schemas.microsoft.com/office/powerpoint/2010/main" val="4259223919"/>
+              </p:ext>
+            </p:extLst>
+          </p:nvPr>
+        </p:nvGraphicFramePr>
+        <p:xfrm>
+          <a:off x="1409047" y="2290173"/>
+          <a:ext cx="6096000" cy="741680"/>
+        </p:xfrm>
+        <a:graphic>
+          <a:graphicData uri="http://schemas.openxmlformats.org/drawingml/2006/table">
+            <a:tbl>
+              <a:tblPr firstRow="1" bandRow="1">
+                <a:tableStyleId>{E14A9DAD-CE24-40AE-9D65-589A71695943}</a:tableStyleId>
+              </a:tblPr>
+              <a:tblGrid>
+                <a:gridCol w="2032000">
+                  <a:extLst>
+                    <a:ext uri="{9D8B030D-6E8A-4147-A177-3AD203B41FA5}">
+                      <a16:colId xmlns:a16="http://schemas.microsoft.com/office/drawing/2014/main" val="951876548"/>
+                    </a:ext>
+                  </a:extLst>
+                </a:gridCol>
+                <a:gridCol w="2032000">
+                  <a:extLst>
+                    <a:ext uri="{9D8B030D-6E8A-4147-A177-3AD203B41FA5}">
+                      <a16:colId xmlns:a16="http://schemas.microsoft.com/office/drawing/2014/main" val="2517724022"/>
+                    </a:ext>
+                  </a:extLst>
+                </a:gridCol>
+                <a:gridCol w="2032000">
+                  <a:extLst>
+                    <a:ext uri="{9D8B030D-6E8A-4147-A177-3AD203B41FA5}">
+                      <a16:colId xmlns:a16="http://schemas.microsoft.com/office/drawing/2014/main" val="3340882876"/>
+                    </a:ext>
+                  </a:extLst>
+                </a:gridCol>
+              </a:tblGrid>
+              <a:tr h="370840">
+                <a:tc>
+                  <a:txBody>
+                    <a:bodyPr/>
+                    <a:lstStyle/>
+                    <a:p>
+                      <a:pPr algn="ctr"/>
+                      <a:r>
+                        <a:rPr lang="zh-TW" altLang="en-US" dirty="0">
+                          <a:latin typeface="微軟正黑體" panose="020B0604030504040204" pitchFamily="34" charset="-120"/>
+                          <a:ea typeface="微軟正黑體" panose="020B0604030504040204" pitchFamily="34" charset="-120"/>
+                        </a:rPr>
+                        <a:t>應</a:t>
+                      </a:r>
+                    </a:p>
+                  </a:txBody>
+                  <a:tcPr/>
+                </a:tc>
+                <a:tc>
+                  <a:txBody>
+                    <a:bodyPr/>
+                    <a:lstStyle/>
+                    <a:p>
+                      <a:pPr algn="ctr"/>
+                      <a:r>
+                        <a:rPr lang="zh-TW" altLang="en-US" dirty="0">
+                          <a:latin typeface="微軟正黑體" panose="020B0604030504040204" pitchFamily="34" charset="-120"/>
+                          <a:ea typeface="微軟正黑體" panose="020B0604030504040204" pitchFamily="34" charset="-120"/>
+                        </a:rPr>
+                        <a:t>得</a:t>
+                      </a:r>
+                    </a:p>
+                  </a:txBody>
+                  <a:tcPr/>
+                </a:tc>
+                <a:tc>
+                  <a:txBody>
+                    <a:bodyPr/>
+                    <a:lstStyle/>
+                    <a:p>
+                      <a:pPr algn="ctr"/>
+                      <a:r>
+                        <a:rPr lang="zh-TW" altLang="en-US" dirty="0">
+                          <a:latin typeface="微軟正黑體" panose="020B0604030504040204" pitchFamily="34" charset="-120"/>
+                          <a:ea typeface="微軟正黑體" panose="020B0604030504040204" pitchFamily="34" charset="-120"/>
+                        </a:rPr>
+                        <a:t>不得</a:t>
+                      </a:r>
+                    </a:p>
+                  </a:txBody>
+                  <a:tcPr/>
+                </a:tc>
+                <a:extLst>
+                  <a:ext uri="{0D108BD9-81ED-4DB2-BD59-A6C34878D82A}">
+                    <a16:rowId xmlns:a16="http://schemas.microsoft.com/office/drawing/2014/main" val="2324563469"/>
+                  </a:ext>
+                </a:extLst>
+              </a:tr>
+              <a:tr h="370840">
+                <a:tc>
+                  <a:txBody>
+                    <a:bodyPr/>
+                    <a:lstStyle/>
+                    <a:p>
+                      <a:pPr algn="ctr"/>
+                      <a:r>
+                        <a:rPr lang="zh-TW" altLang="en-US" dirty="0">
+                          <a:latin typeface="微軟正黑體" panose="020B0604030504040204" pitchFamily="34" charset="-120"/>
+                          <a:ea typeface="微軟正黑體" panose="020B0604030504040204" pitchFamily="34" charset="-120"/>
+                        </a:rPr>
+                        <a:t>必須、沒選擇</a:t>
+                      </a:r>
+                    </a:p>
+                  </a:txBody>
+                  <a:tcPr/>
+                </a:tc>
+                <a:tc>
+                  <a:txBody>
+                    <a:bodyPr/>
+                    <a:lstStyle/>
+                    <a:p>
+                      <a:pPr algn="ctr"/>
+                      <a:r>
+                        <a:rPr lang="zh-TW" altLang="en-US" dirty="0">
+                          <a:latin typeface="微軟正黑體" panose="020B0604030504040204" pitchFamily="34" charset="-120"/>
+                          <a:ea typeface="微軟正黑體" panose="020B0604030504040204" pitchFamily="34" charset="-120"/>
+                        </a:rPr>
+                        <a:t>可以、都行、有選擇</a:t>
+                      </a:r>
+                    </a:p>
+                  </a:txBody>
+                  <a:tcPr/>
+                </a:tc>
+                <a:tc>
+                  <a:txBody>
+                    <a:bodyPr/>
+                    <a:lstStyle/>
+                    <a:p>
+                      <a:pPr algn="ctr"/>
+                      <a:r>
+                        <a:rPr lang="zh-TW" altLang="en-US" dirty="0">
+                          <a:latin typeface="微軟正黑體" panose="020B0604030504040204" pitchFamily="34" charset="-120"/>
+                          <a:ea typeface="微軟正黑體" panose="020B0604030504040204" pitchFamily="34" charset="-120"/>
+                        </a:rPr>
+                        <a:t>不可以、沒選擇</a:t>
+                      </a:r>
+                    </a:p>
+                  </a:txBody>
+                  <a:tcPr/>
+                </a:tc>
+                <a:extLst>
+                  <a:ext uri="{0D108BD9-81ED-4DB2-BD59-A6C34878D82A}">
+                    <a16:rowId xmlns:a16="http://schemas.microsoft.com/office/drawing/2014/main" val="300119011"/>
+                  </a:ext>
+                </a:extLst>
+              </a:tr>
+            </a:tbl>
+          </a:graphicData>
+        </a:graphic>
+      </p:graphicFrame>
+    </p:spTree>
+    <p:extLst>
+      <p:ext uri="{BB962C8B-B14F-4D97-AF65-F5344CB8AC3E}">
+        <p14:creationId xmlns:p14="http://schemas.microsoft.com/office/powerpoint/2010/main" val="409062682"/>
+      </p:ext>
+    </p:extLst>
+  </p:cSld>
+  <p:clrMapOvr>
+    <a:masterClrMapping/>
+  </p:clrMapOvr>
+</p:sld>
+</file>
+
+<file path=ppt/slides/slide12.xml><?xml version="1.0" encoding="utf-8"?>
+<p:sld xmlns:a="http://schemas.openxmlformats.org/drawingml/2006/main" xmlns:r="http://schemas.openxmlformats.org/officeDocument/2006/relationships" xmlns:p="http://schemas.openxmlformats.org/presentationml/2006/main">
+  <p:cSld>
+    <p:spTree>
+      <p:nvGrpSpPr>
+        <p:cNvPr id="1" name=""/>
+        <p:cNvGrpSpPr/>
+        <p:nvPr/>
+      </p:nvGrpSpPr>
+      <p:grpSpPr>
+        <a:xfrm>
+          <a:off x="0" y="0"/>
+          <a:ext cx="0" cy="0"/>
+          <a:chOff x="0" y="0"/>
+          <a:chExt cx="0" cy="0"/>
+        </a:xfrm>
+      </p:grpSpPr>
+      <p:sp>
+        <p:nvSpPr>
+          <p:cNvPr id="2" name="標題 1">
+            <a:extLst>
+              <a:ext uri="{FF2B5EF4-FFF2-40B4-BE49-F238E27FC236}">
+                <a16:creationId xmlns:a16="http://schemas.microsoft.com/office/drawing/2014/main" id="{E23F5F01-6C5F-4D8A-8D40-3192F3DA8EE3}"/>
+              </a:ext>
+            </a:extLst>
+          </p:cNvPr>
+          <p:cNvSpPr>
+            <a:spLocks noGrp="1"/>
+          </p:cNvSpPr>
+          <p:nvPr>
+            <p:ph type="title"/>
+          </p:nvPr>
+        </p:nvSpPr>
+        <p:spPr>
+          <a:xfrm>
+            <a:off x="685049" y="1199269"/>
+            <a:ext cx="6222589" cy="531000"/>
+          </a:xfrm>
+        </p:spPr>
+        <p:txBody>
+          <a:bodyPr/>
+          <a:lstStyle/>
+          <a:p>
+            <a:r>
+              <a:rPr lang="zh-TW" altLang="en-US" dirty="0">
+                <a:latin typeface="微軟正黑體" panose="020B0604030504040204" pitchFamily="34" charset="-120"/>
+                <a:ea typeface="微軟正黑體" panose="020B0604030504040204" pitchFamily="34" charset="-120"/>
+                <a:cs typeface="Nirmala UI Semilight" panose="020B0402040204020203" pitchFamily="34" charset="0"/>
+              </a:rPr>
+              <a:t>如果把一個艱深的詞替換成它的解釋，會不會造成句子長度加長、結構複雜化反而造成閱讀困難化？</a:t>
+            </a:r>
+          </a:p>
+        </p:txBody>
+      </p:sp>
+      <p:sp>
+        <p:nvSpPr>
+          <p:cNvPr id="3" name="文字版面配置區 2">
+            <a:extLst>
+              <a:ext uri="{FF2B5EF4-FFF2-40B4-BE49-F238E27FC236}">
+                <a16:creationId xmlns:a16="http://schemas.microsoft.com/office/drawing/2014/main" id="{D7D57134-9970-4FDF-89FC-B097354601ED}"/>
+              </a:ext>
+            </a:extLst>
+          </p:cNvPr>
+          <p:cNvSpPr>
+            <a:spLocks noGrp="1"/>
+          </p:cNvSpPr>
+          <p:nvPr>
+            <p:ph type="body" idx="1"/>
+          </p:nvPr>
+        </p:nvSpPr>
+        <p:spPr/>
+        <p:txBody>
+          <a:bodyPr/>
+          <a:lstStyle/>
+          <a:p>
+            <a:r>
+              <a:rPr lang="zh-TW" altLang="en-US" dirty="0">
+                <a:latin typeface="微軟正黑體" panose="020B0604030504040204" pitchFamily="34" charset="-120"/>
+                <a:ea typeface="微軟正黑體" panose="020B0604030504040204" pitchFamily="34" charset="-120"/>
+              </a:rPr>
+              <a:t>期望做成加註的方式。類似國文課文中的註釋一樣，增加字詞的解釋。</a:t>
+            </a:r>
+          </a:p>
+        </p:txBody>
+      </p:sp>
+    </p:spTree>
+    <p:extLst>
+      <p:ext uri="{BB962C8B-B14F-4D97-AF65-F5344CB8AC3E}">
+        <p14:creationId xmlns:p14="http://schemas.microsoft.com/office/powerpoint/2010/main" val="2811773611"/>
+      </p:ext>
+    </p:extLst>
+  </p:cSld>
+  <p:clrMapOvr>
+    <a:masterClrMapping/>
+  </p:clrMapOvr>
+</p:sld>
+</file>
+
+<file path=ppt/slides/slide13.xml><?xml version="1.0" encoding="utf-8"?>
+<p:sld xmlns:a="http://schemas.openxmlformats.org/drawingml/2006/main" xmlns:r="http://schemas.openxmlformats.org/officeDocument/2006/relationships" xmlns:p="http://schemas.openxmlformats.org/presentationml/2006/main">
+  <p:cSld>
+    <p:spTree>
+      <p:nvGrpSpPr>
         <p:cNvPr id="1" name=""/>
         <p:cNvGrpSpPr/>
         <p:nvPr/>
@@ -10451,7 +11619,7 @@
 </p:sld>
 </file>
 
-<file path=ppt/slides/slide11.xml><?xml version="1.0" encoding="utf-8"?>
+<file path=ppt/slides/slide14.xml><?xml version="1.0" encoding="utf-8"?>
 <p:sld xmlns:a="http://schemas.openxmlformats.org/drawingml/2006/main" xmlns:r="http://schemas.openxmlformats.org/officeDocument/2006/relationships" xmlns:p="http://schemas.openxmlformats.org/presentationml/2006/main">
   <p:cSld>
     <p:spTree>
@@ -19543,7 +20711,7 @@
   <p:cSld>
     <p:spTree>
       <p:nvGrpSpPr>
-        <p:cNvPr id="1" name="Shape 3915"/>
+        <p:cNvPr id="1" name=""/>
         <p:cNvGrpSpPr/>
         <p:nvPr/>
       </p:nvGrpSpPr>
@@ -19557,729 +20725,136 @@
       </p:grpSpPr>
       <p:sp>
         <p:nvSpPr>
-          <p:cNvPr id="3916" name="Google Shape;3916;p50"/>
-          <p:cNvSpPr txBox="1">
+          <p:cNvPr id="2" name="標題 1">
+            <a:extLst>
+              <a:ext uri="{FF2B5EF4-FFF2-40B4-BE49-F238E27FC236}">
+                <a16:creationId xmlns:a16="http://schemas.microsoft.com/office/drawing/2014/main" id="{50EB7DD9-2A95-4BF9-8EB2-125B2ED0E131}"/>
+              </a:ext>
+            </a:extLst>
+          </p:cNvPr>
+          <p:cNvSpPr>
             <a:spLocks noGrp="1"/>
           </p:cNvSpPr>
           <p:nvPr>
             <p:ph type="title"/>
           </p:nvPr>
         </p:nvSpPr>
+        <p:spPr/>
+        <p:txBody>
+          <a:bodyPr/>
+          <a:lstStyle/>
+          <a:p>
+            <a:r>
+              <a:rPr lang="en-US" altLang="zh-TW" dirty="0"/>
+              <a:t>input</a:t>
+            </a:r>
+            <a:endParaRPr lang="zh-TW" altLang="en-US" dirty="0"/>
+          </a:p>
+        </p:txBody>
+      </p:sp>
+      <p:pic>
+        <p:nvPicPr>
+          <p:cNvPr id="3" name="圖片 2">
+            <a:extLst>
+              <a:ext uri="{FF2B5EF4-FFF2-40B4-BE49-F238E27FC236}">
+                <a16:creationId xmlns:a16="http://schemas.microsoft.com/office/drawing/2014/main" id="{814AEDBB-C9B6-47E2-8D28-93C9684782FF}"/>
+              </a:ext>
+            </a:extLst>
+          </p:cNvPr>
+          <p:cNvPicPr>
+            <a:picLocks noChangeAspect="1"/>
+          </p:cNvPicPr>
+          <p:nvPr/>
+        </p:nvPicPr>
+        <p:blipFill>
+          <a:blip r:embed="rId2"/>
+          <a:stretch>
+            <a:fillRect/>
+          </a:stretch>
+        </p:blipFill>
         <p:spPr>
           <a:xfrm>
-            <a:off x="685049" y="436400"/>
-            <a:ext cx="6405037" cy="531000"/>
+            <a:off x="3387561" y="520484"/>
+            <a:ext cx="3823136" cy="4102532"/>
           </a:xfrm>
           <a:prstGeom prst="rect">
             <a:avLst/>
           </a:prstGeom>
         </p:spPr>
-        <p:txBody>
-          <a:bodyPr spcFirstLastPara="1" wrap="square" lIns="91425" tIns="91425" rIns="91425" bIns="91425" anchor="b" anchorCtr="0">
-            <a:noAutofit/>
-          </a:bodyPr>
-          <a:lstStyle/>
-          <a:p>
-            <a:pPr marL="0" lvl="0" indent="0" algn="l" rtl="0">
-              <a:spcBef>
-                <a:spcPts val="0"/>
-              </a:spcBef>
-              <a:spcAft>
-                <a:spcPts val="0"/>
-              </a:spcAft>
-              <a:buNone/>
-            </a:pPr>
-            <a:r>
-              <a:rPr lang="en-US" sz="3600" dirty="0"/>
-              <a:t>Who did what in your team?</a:t>
-            </a:r>
-            <a:endParaRPr sz="3600" dirty="0"/>
-          </a:p>
-        </p:txBody>
-      </p:sp>
+      </p:pic>
       <p:sp>
         <p:nvSpPr>
-          <p:cNvPr id="3917" name="Google Shape;3917;p50"/>
-          <p:cNvSpPr txBox="1">
-            <a:spLocks noGrp="1"/>
-          </p:cNvSpPr>
-          <p:nvPr>
-            <p:ph type="ctrTitle" idx="2"/>
-          </p:nvPr>
+          <p:cNvPr id="4" name="文字方塊 3">
+            <a:extLst>
+              <a:ext uri="{FF2B5EF4-FFF2-40B4-BE49-F238E27FC236}">
+                <a16:creationId xmlns:a16="http://schemas.microsoft.com/office/drawing/2014/main" id="{E002CFE5-C64D-45F8-93EC-9DA9C50322CB}"/>
+              </a:ext>
+            </a:extLst>
+          </p:cNvPr>
+          <p:cNvSpPr txBox="1"/>
+          <p:nvPr/>
         </p:nvSpPr>
         <p:spPr>
           <a:xfrm>
-            <a:off x="1101688" y="3611425"/>
-            <a:ext cx="2082300" cy="458100"/>
+            <a:off x="685050" y="1144306"/>
+            <a:ext cx="2544743" cy="523220"/>
           </a:xfrm>
           <a:prstGeom prst="rect">
             <a:avLst/>
           </a:prstGeom>
+          <a:noFill/>
         </p:spPr>
         <p:txBody>
-          <a:bodyPr spcFirstLastPara="1" wrap="square" lIns="91425" tIns="91425" rIns="91425" bIns="91425" anchor="b" anchorCtr="0">
-            <a:noAutofit/>
+          <a:bodyPr wrap="square" rtlCol="0">
+            <a:spAutoFit/>
           </a:bodyPr>
           <a:lstStyle/>
           <a:p>
-            <a:pPr marL="0" lvl="0" indent="0" algn="ctr" rtl="0">
-              <a:spcBef>
-                <a:spcPts val="0"/>
-              </a:spcBef>
-              <a:spcAft>
-                <a:spcPts val="0"/>
-              </a:spcAft>
-              <a:buNone/>
+            <a:pPr marL="285750" indent="-285750">
+              <a:buFont typeface="Arial" panose="020B0604020202020204" pitchFamily="34" charset="0"/>
+              <a:buChar char="•"/>
             </a:pPr>
             <a:r>
-              <a:rPr lang="zh-TW" altLang="en-US" b="1" dirty="0">
-                <a:latin typeface="微軟正黑體" panose="020B0604030504040204" pitchFamily="34" charset="-120"/>
-                <a:ea typeface="微軟正黑體" panose="020B0604030504040204" pitchFamily="34" charset="-120"/>
+              <a:rPr lang="zh-TW" altLang="en-US" dirty="0"/>
+              <a:t>資料來源：</a:t>
+            </a:r>
+            <a:endParaRPr lang="en-US" altLang="zh-TW" dirty="0">
+              <a:hlinkClick r:id="rId3"/>
+            </a:endParaRPr>
+          </a:p>
+          <a:p>
+            <a:r>
+              <a:rPr lang="zh-TW" altLang="en-US" dirty="0">
+                <a:hlinkClick r:id="rId3"/>
               </a:rPr>
-              <a:t>林彤頤</a:t>
+              <a:t>全國法規資料庫</a:t>
             </a:r>
-            <a:endParaRPr b="1" dirty="0">
-              <a:latin typeface="微軟正黑體" panose="020B0604030504040204" pitchFamily="34" charset="-120"/>
-              <a:ea typeface="微軟正黑體" panose="020B0604030504040204" pitchFamily="34" charset="-120"/>
-            </a:endParaRPr>
+            <a:r>
+              <a:rPr lang="en-US" altLang="zh-TW" dirty="0">
+                <a:hlinkClick r:id="rId3"/>
+              </a:rPr>
+              <a:t>(</a:t>
+            </a:r>
+            <a:r>
+              <a:rPr lang="zh-TW" altLang="en-US" dirty="0">
+                <a:hlinkClick r:id="rId3"/>
+              </a:rPr>
+              <a:t>民法</a:t>
+            </a:r>
+            <a:r>
+              <a:rPr lang="en-US" altLang="zh-TW" dirty="0">
+                <a:hlinkClick r:id="rId3"/>
+              </a:rPr>
+              <a:t>)</a:t>
+            </a:r>
+            <a:endParaRPr lang="zh-TW" altLang="en-US" dirty="0"/>
           </a:p>
         </p:txBody>
       </p:sp>
-      <p:sp>
-        <p:nvSpPr>
-          <p:cNvPr id="3918" name="Google Shape;3918;p50"/>
-          <p:cNvSpPr txBox="1">
-            <a:spLocks noGrp="1"/>
-          </p:cNvSpPr>
-          <p:nvPr>
-            <p:ph type="subTitle" idx="1"/>
-          </p:nvPr>
-        </p:nvSpPr>
-        <p:spPr>
-          <a:xfrm>
-            <a:off x="1101600" y="3933449"/>
-            <a:ext cx="2082300" cy="624300"/>
-          </a:xfrm>
-          <a:prstGeom prst="rect">
-            <a:avLst/>
-          </a:prstGeom>
-        </p:spPr>
-        <p:txBody>
-          <a:bodyPr spcFirstLastPara="1" wrap="square" lIns="91425" tIns="91425" rIns="91425" bIns="91425" anchor="t" anchorCtr="0">
-            <a:noAutofit/>
-          </a:bodyPr>
-          <a:lstStyle/>
-          <a:p>
-            <a:pPr marL="0" lvl="0" indent="0" algn="ctr" rtl="0">
-              <a:spcBef>
-                <a:spcPts val="0"/>
-              </a:spcBef>
-              <a:spcAft>
-                <a:spcPts val="0"/>
-              </a:spcAft>
-              <a:buClr>
-                <a:schemeClr val="dk1"/>
-              </a:buClr>
-              <a:buSzPts val="1100"/>
-              <a:buFont typeface="Arial"/>
-              <a:buNone/>
-            </a:pPr>
-            <a:r>
-              <a:rPr lang="zh-TW" altLang="en-US" dirty="0">
-                <a:latin typeface="微軟正黑體" panose="020B0604030504040204" pitchFamily="34" charset="-120"/>
-                <a:ea typeface="微軟正黑體" panose="020B0604030504040204" pitchFamily="34" charset="-120"/>
-              </a:rPr>
-              <a:t>主題發想</a:t>
-            </a:r>
-            <a:endParaRPr lang="en-US" altLang="zh-TW" dirty="0">
-              <a:latin typeface="微軟正黑體" panose="020B0604030504040204" pitchFamily="34" charset="-120"/>
-              <a:ea typeface="微軟正黑體" panose="020B0604030504040204" pitchFamily="34" charset="-120"/>
-            </a:endParaRPr>
-          </a:p>
-          <a:p>
-            <a:pPr marL="0" lvl="0" indent="0" algn="ctr" rtl="0">
-              <a:spcBef>
-                <a:spcPts val="0"/>
-              </a:spcBef>
-              <a:spcAft>
-                <a:spcPts val="0"/>
-              </a:spcAft>
-              <a:buClr>
-                <a:schemeClr val="dk1"/>
-              </a:buClr>
-              <a:buSzPts val="1100"/>
-              <a:buFont typeface="Arial"/>
-              <a:buNone/>
-            </a:pPr>
-            <a:r>
-              <a:rPr lang="zh-TW" altLang="en-US" dirty="0">
-                <a:latin typeface="微軟正黑體" panose="020B0604030504040204" pitchFamily="34" charset="-120"/>
-                <a:ea typeface="微軟正黑體" panose="020B0604030504040204" pitchFamily="34" charset="-120"/>
-              </a:rPr>
-              <a:t>內容提供</a:t>
-            </a:r>
-            <a:endParaRPr dirty="0">
-              <a:latin typeface="微軟正黑體" panose="020B0604030504040204" pitchFamily="34" charset="-120"/>
-              <a:ea typeface="微軟正黑體" panose="020B0604030504040204" pitchFamily="34" charset="-120"/>
-            </a:endParaRPr>
-          </a:p>
-        </p:txBody>
-      </p:sp>
-      <p:sp>
-        <p:nvSpPr>
-          <p:cNvPr id="3919" name="Google Shape;3919;p50"/>
-          <p:cNvSpPr txBox="1">
-            <a:spLocks noGrp="1"/>
-          </p:cNvSpPr>
-          <p:nvPr>
-            <p:ph type="ctrTitle" idx="3"/>
-          </p:nvPr>
-        </p:nvSpPr>
-        <p:spPr>
-          <a:xfrm>
-            <a:off x="3530888" y="3611425"/>
-            <a:ext cx="2082300" cy="458100"/>
-          </a:xfrm>
-          <a:prstGeom prst="rect">
-            <a:avLst/>
-          </a:prstGeom>
-        </p:spPr>
-        <p:txBody>
-          <a:bodyPr spcFirstLastPara="1" wrap="square" lIns="91425" tIns="91425" rIns="91425" bIns="91425" anchor="b" anchorCtr="0">
-            <a:noAutofit/>
-          </a:bodyPr>
-          <a:lstStyle/>
-          <a:p>
-            <a:pPr marL="0" lvl="0" indent="0" algn="ctr" rtl="0">
-              <a:spcBef>
-                <a:spcPts val="0"/>
-              </a:spcBef>
-              <a:spcAft>
-                <a:spcPts val="0"/>
-              </a:spcAft>
-              <a:buNone/>
-            </a:pPr>
-            <a:r>
-              <a:rPr lang="zh-TW" altLang="en-US" b="1" dirty="0">
-                <a:latin typeface="微軟正黑體" panose="020B0604030504040204" pitchFamily="34" charset="-120"/>
-                <a:ea typeface="微軟正黑體" panose="020B0604030504040204" pitchFamily="34" charset="-120"/>
-              </a:rPr>
-              <a:t>丁語婕</a:t>
-            </a:r>
-            <a:endParaRPr b="1" dirty="0">
-              <a:latin typeface="微軟正黑體" panose="020B0604030504040204" pitchFamily="34" charset="-120"/>
-              <a:ea typeface="微軟正黑體" panose="020B0604030504040204" pitchFamily="34" charset="-120"/>
-            </a:endParaRPr>
-          </a:p>
-        </p:txBody>
-      </p:sp>
-      <p:sp>
-        <p:nvSpPr>
-          <p:cNvPr id="3920" name="Google Shape;3920;p50"/>
-          <p:cNvSpPr txBox="1">
-            <a:spLocks noGrp="1"/>
-          </p:cNvSpPr>
-          <p:nvPr>
-            <p:ph type="subTitle" idx="4"/>
-          </p:nvPr>
-        </p:nvSpPr>
-        <p:spPr>
-          <a:xfrm>
-            <a:off x="3530800" y="3933449"/>
-            <a:ext cx="2082300" cy="624300"/>
-          </a:xfrm>
-          <a:prstGeom prst="rect">
-            <a:avLst/>
-          </a:prstGeom>
-        </p:spPr>
-        <p:txBody>
-          <a:bodyPr spcFirstLastPara="1" wrap="square" lIns="91425" tIns="91425" rIns="91425" bIns="91425" anchor="t" anchorCtr="0">
-            <a:noAutofit/>
-          </a:bodyPr>
-          <a:lstStyle/>
-          <a:p>
-            <a:pPr marL="0" indent="0">
-              <a:buClr>
-                <a:schemeClr val="dk1"/>
-              </a:buClr>
-              <a:buSzPts val="1100"/>
-            </a:pPr>
-            <a:r>
-              <a:rPr lang="zh-TW" altLang="en-US" dirty="0">
-                <a:latin typeface="微軟正黑體" panose="020B0604030504040204" pitchFamily="34" charset="-120"/>
-                <a:ea typeface="微軟正黑體" panose="020B0604030504040204" pitchFamily="34" charset="-120"/>
-              </a:rPr>
-              <a:t>程式構想</a:t>
-            </a:r>
-            <a:endParaRPr lang="en-US" altLang="zh-TW" dirty="0">
-              <a:latin typeface="微軟正黑體" panose="020B0604030504040204" pitchFamily="34" charset="-120"/>
-              <a:ea typeface="微軟正黑體" panose="020B0604030504040204" pitchFamily="34" charset="-120"/>
-            </a:endParaRPr>
-          </a:p>
-          <a:p>
-            <a:pPr marL="0" lvl="0" indent="0" algn="ctr" rtl="0">
-              <a:spcBef>
-                <a:spcPts val="0"/>
-              </a:spcBef>
-              <a:spcAft>
-                <a:spcPts val="0"/>
-              </a:spcAft>
-              <a:buClr>
-                <a:schemeClr val="dk1"/>
-              </a:buClr>
-              <a:buSzPts val="1100"/>
-              <a:buFont typeface="Arial"/>
-              <a:buNone/>
-            </a:pPr>
-            <a:r>
-              <a:rPr lang="zh-TW" altLang="en-US" dirty="0">
-                <a:latin typeface="微軟正黑體" panose="020B0604030504040204" pitchFamily="34" charset="-120"/>
-                <a:ea typeface="微軟正黑體" panose="020B0604030504040204" pitchFamily="34" charset="-120"/>
-              </a:rPr>
-              <a:t>資料收集</a:t>
-            </a:r>
-            <a:endParaRPr dirty="0">
-              <a:latin typeface="微軟正黑體" panose="020B0604030504040204" pitchFamily="34" charset="-120"/>
-              <a:ea typeface="微軟正黑體" panose="020B0604030504040204" pitchFamily="34" charset="-120"/>
-            </a:endParaRPr>
-          </a:p>
-        </p:txBody>
-      </p:sp>
-      <p:sp>
-        <p:nvSpPr>
-          <p:cNvPr id="3923" name="Google Shape;3923;p50"/>
-          <p:cNvSpPr txBox="1">
-            <a:spLocks noGrp="1"/>
-          </p:cNvSpPr>
-          <p:nvPr>
-            <p:ph type="ctrTitle" idx="7"/>
-          </p:nvPr>
-        </p:nvSpPr>
-        <p:spPr>
-          <a:xfrm>
-            <a:off x="1101688" y="1900750"/>
-            <a:ext cx="2082300" cy="458100"/>
-          </a:xfrm>
-          <a:prstGeom prst="rect">
-            <a:avLst/>
-          </a:prstGeom>
-        </p:spPr>
-        <p:txBody>
-          <a:bodyPr spcFirstLastPara="1" wrap="square" lIns="91425" tIns="91425" rIns="91425" bIns="91425" anchor="b" anchorCtr="0">
-            <a:noAutofit/>
-          </a:bodyPr>
-          <a:lstStyle/>
-          <a:p>
-            <a:pPr marL="0" lvl="0" indent="0" algn="ctr" rtl="0">
-              <a:spcBef>
-                <a:spcPts val="0"/>
-              </a:spcBef>
-              <a:spcAft>
-                <a:spcPts val="0"/>
-              </a:spcAft>
-              <a:buNone/>
-            </a:pPr>
-            <a:r>
-              <a:rPr lang="zh-TW" altLang="en-US" b="1" dirty="0">
-                <a:latin typeface="微軟正黑體" panose="020B0604030504040204" pitchFamily="34" charset="-120"/>
-                <a:ea typeface="微軟正黑體" panose="020B0604030504040204" pitchFamily="34" charset="-120"/>
-              </a:rPr>
-              <a:t>黃至瑜</a:t>
-            </a:r>
-            <a:endParaRPr b="1" dirty="0">
-              <a:latin typeface="微軟正黑體" panose="020B0604030504040204" pitchFamily="34" charset="-120"/>
-              <a:ea typeface="微軟正黑體" panose="020B0604030504040204" pitchFamily="34" charset="-120"/>
-            </a:endParaRPr>
-          </a:p>
-        </p:txBody>
-      </p:sp>
-      <p:sp>
-        <p:nvSpPr>
-          <p:cNvPr id="3924" name="Google Shape;3924;p50"/>
-          <p:cNvSpPr txBox="1">
-            <a:spLocks noGrp="1"/>
-          </p:cNvSpPr>
-          <p:nvPr>
-            <p:ph type="subTitle" idx="8"/>
-          </p:nvPr>
-        </p:nvSpPr>
-        <p:spPr>
-          <a:xfrm>
-            <a:off x="1101600" y="2222774"/>
-            <a:ext cx="2082300" cy="624300"/>
-          </a:xfrm>
-          <a:prstGeom prst="rect">
-            <a:avLst/>
-          </a:prstGeom>
-        </p:spPr>
-        <p:txBody>
-          <a:bodyPr spcFirstLastPara="1" wrap="square" lIns="91425" tIns="91425" rIns="91425" bIns="91425" anchor="t" anchorCtr="0">
-            <a:noAutofit/>
-          </a:bodyPr>
-          <a:lstStyle/>
-          <a:p>
-            <a:pPr marL="0" lvl="0" indent="0" algn="ctr" rtl="0">
-              <a:spcBef>
-                <a:spcPts val="0"/>
-              </a:spcBef>
-              <a:spcAft>
-                <a:spcPts val="0"/>
-              </a:spcAft>
-              <a:buClr>
-                <a:schemeClr val="dk1"/>
-              </a:buClr>
-              <a:buSzPts val="1100"/>
-              <a:buFont typeface="Arial"/>
-              <a:buNone/>
-            </a:pPr>
-            <a:r>
-              <a:rPr lang="en-US" altLang="zh-TW" dirty="0"/>
-              <a:t>PPT</a:t>
-            </a:r>
-            <a:r>
-              <a:rPr lang="zh-TW" altLang="en-US" dirty="0">
-                <a:latin typeface="微軟正黑體" panose="020B0604030504040204" pitchFamily="34" charset="-120"/>
-                <a:ea typeface="微軟正黑體" panose="020B0604030504040204" pitchFamily="34" charset="-120"/>
-              </a:rPr>
-              <a:t>製作</a:t>
-            </a:r>
-            <a:endParaRPr lang="en-US" altLang="zh-TW" dirty="0">
-              <a:latin typeface="微軟正黑體" panose="020B0604030504040204" pitchFamily="34" charset="-120"/>
-              <a:ea typeface="微軟正黑體" panose="020B0604030504040204" pitchFamily="34" charset="-120"/>
-            </a:endParaRPr>
-          </a:p>
-          <a:p>
-            <a:pPr marL="0" lvl="0" indent="0" algn="ctr" rtl="0">
-              <a:spcBef>
-                <a:spcPts val="0"/>
-              </a:spcBef>
-              <a:spcAft>
-                <a:spcPts val="0"/>
-              </a:spcAft>
-              <a:buClr>
-                <a:schemeClr val="dk1"/>
-              </a:buClr>
-              <a:buSzPts val="1100"/>
-              <a:buFont typeface="Arial"/>
-              <a:buNone/>
-            </a:pPr>
-            <a:r>
-              <a:rPr lang="zh-TW" altLang="en-US" dirty="0">
-                <a:latin typeface="微軟正黑體" panose="020B0604030504040204" pitchFamily="34" charset="-120"/>
-                <a:ea typeface="微軟正黑體" panose="020B0604030504040204" pitchFamily="34" charset="-120"/>
-              </a:rPr>
-              <a:t>統合</a:t>
-            </a:r>
-            <a:endParaRPr dirty="0">
-              <a:latin typeface="微軟正黑體" panose="020B0604030504040204" pitchFamily="34" charset="-120"/>
-              <a:ea typeface="微軟正黑體" panose="020B0604030504040204" pitchFamily="34" charset="-120"/>
-            </a:endParaRPr>
-          </a:p>
-        </p:txBody>
-      </p:sp>
-      <p:sp>
-        <p:nvSpPr>
-          <p:cNvPr id="3925" name="Google Shape;3925;p50"/>
-          <p:cNvSpPr txBox="1">
-            <a:spLocks noGrp="1"/>
-          </p:cNvSpPr>
-          <p:nvPr>
-            <p:ph type="ctrTitle" idx="9"/>
-          </p:nvPr>
-        </p:nvSpPr>
-        <p:spPr>
-          <a:xfrm>
-            <a:off x="3530888" y="1900750"/>
-            <a:ext cx="2082300" cy="458100"/>
-          </a:xfrm>
-          <a:prstGeom prst="rect">
-            <a:avLst/>
-          </a:prstGeom>
-        </p:spPr>
-        <p:txBody>
-          <a:bodyPr spcFirstLastPara="1" wrap="square" lIns="91425" tIns="91425" rIns="91425" bIns="91425" anchor="b" anchorCtr="0">
-            <a:noAutofit/>
-          </a:bodyPr>
-          <a:lstStyle/>
-          <a:p>
-            <a:pPr marL="0" lvl="0" indent="0" algn="ctr" rtl="0">
-              <a:spcBef>
-                <a:spcPts val="0"/>
-              </a:spcBef>
-              <a:spcAft>
-                <a:spcPts val="0"/>
-              </a:spcAft>
-              <a:buNone/>
-            </a:pPr>
-            <a:r>
-              <a:rPr lang="zh-TW" altLang="en-US" b="1" dirty="0">
-                <a:latin typeface="微軟正黑體" panose="020B0604030504040204" pitchFamily="34" charset="-120"/>
-                <a:ea typeface="微軟正黑體" panose="020B0604030504040204" pitchFamily="34" charset="-120"/>
-              </a:rPr>
-              <a:t>孫韻婷</a:t>
-            </a:r>
-            <a:endParaRPr b="1" dirty="0">
-              <a:latin typeface="微軟正黑體" panose="020B0604030504040204" pitchFamily="34" charset="-120"/>
-              <a:ea typeface="微軟正黑體" panose="020B0604030504040204" pitchFamily="34" charset="-120"/>
-            </a:endParaRPr>
-          </a:p>
-        </p:txBody>
-      </p:sp>
-      <p:sp>
-        <p:nvSpPr>
-          <p:cNvPr id="3926" name="Google Shape;3926;p50"/>
-          <p:cNvSpPr txBox="1">
-            <a:spLocks noGrp="1"/>
-          </p:cNvSpPr>
-          <p:nvPr>
-            <p:ph type="subTitle" idx="13"/>
-          </p:nvPr>
-        </p:nvSpPr>
-        <p:spPr>
-          <a:xfrm>
-            <a:off x="3530800" y="2222774"/>
-            <a:ext cx="2082300" cy="624300"/>
-          </a:xfrm>
-          <a:prstGeom prst="rect">
-            <a:avLst/>
-          </a:prstGeom>
-        </p:spPr>
-        <p:txBody>
-          <a:bodyPr spcFirstLastPara="1" wrap="square" lIns="91425" tIns="91425" rIns="91425" bIns="91425" anchor="t" anchorCtr="0">
-            <a:noAutofit/>
-          </a:bodyPr>
-          <a:lstStyle/>
-          <a:p>
-            <a:pPr marL="0" lvl="0" indent="0" algn="ctr" rtl="0">
-              <a:spcBef>
-                <a:spcPts val="0"/>
-              </a:spcBef>
-              <a:spcAft>
-                <a:spcPts val="0"/>
-              </a:spcAft>
-              <a:buNone/>
-            </a:pPr>
-            <a:r>
-              <a:rPr lang="zh-TW" altLang="en-US" dirty="0">
-                <a:latin typeface="微軟正黑體" panose="020B0604030504040204" pitchFamily="34" charset="-120"/>
-                <a:ea typeface="微軟正黑體" panose="020B0604030504040204" pitchFamily="34" charset="-120"/>
-              </a:rPr>
-              <a:t>內容提供</a:t>
-            </a:r>
-            <a:endParaRPr lang="en-US" altLang="zh-TW" dirty="0">
-              <a:latin typeface="微軟正黑體" panose="020B0604030504040204" pitchFamily="34" charset="-120"/>
-              <a:ea typeface="微軟正黑體" panose="020B0604030504040204" pitchFamily="34" charset="-120"/>
-            </a:endParaRPr>
-          </a:p>
-          <a:p>
-            <a:pPr marL="0" lvl="0" indent="0" algn="ctr" rtl="0">
-              <a:spcBef>
-                <a:spcPts val="0"/>
-              </a:spcBef>
-              <a:spcAft>
-                <a:spcPts val="0"/>
-              </a:spcAft>
-              <a:buNone/>
-            </a:pPr>
-            <a:r>
-              <a:rPr lang="zh-TW" altLang="en-US" dirty="0">
-                <a:latin typeface="微軟正黑體" panose="020B0604030504040204" pitchFamily="34" charset="-120"/>
-                <a:ea typeface="微軟正黑體" panose="020B0604030504040204" pitchFamily="34" charset="-120"/>
-              </a:rPr>
-              <a:t>討論</a:t>
-            </a:r>
-            <a:endParaRPr dirty="0">
-              <a:latin typeface="微軟正黑體" panose="020B0604030504040204" pitchFamily="34" charset="-120"/>
-              <a:ea typeface="微軟正黑體" panose="020B0604030504040204" pitchFamily="34" charset="-120"/>
-            </a:endParaRPr>
-          </a:p>
-        </p:txBody>
-      </p:sp>
-      <p:sp>
-        <p:nvSpPr>
-          <p:cNvPr id="3927" name="Google Shape;3927;p50"/>
-          <p:cNvSpPr txBox="1">
-            <a:spLocks noGrp="1"/>
-          </p:cNvSpPr>
-          <p:nvPr>
-            <p:ph type="ctrTitle" idx="14"/>
-          </p:nvPr>
-        </p:nvSpPr>
-        <p:spPr>
-          <a:xfrm>
-            <a:off x="5960088" y="1900750"/>
-            <a:ext cx="2082300" cy="458100"/>
-          </a:xfrm>
-          <a:prstGeom prst="rect">
-            <a:avLst/>
-          </a:prstGeom>
-        </p:spPr>
-        <p:txBody>
-          <a:bodyPr spcFirstLastPara="1" wrap="square" lIns="91425" tIns="91425" rIns="91425" bIns="91425" anchor="b" anchorCtr="0">
-            <a:noAutofit/>
-          </a:bodyPr>
-          <a:lstStyle/>
-          <a:p>
-            <a:pPr marL="0" lvl="0" indent="0" algn="ctr" rtl="0">
-              <a:spcBef>
-                <a:spcPts val="0"/>
-              </a:spcBef>
-              <a:spcAft>
-                <a:spcPts val="0"/>
-              </a:spcAft>
-              <a:buNone/>
-            </a:pPr>
-            <a:r>
-              <a:rPr lang="zh-TW" altLang="en-US" b="1" dirty="0">
-                <a:latin typeface="微軟正黑體" panose="020B0604030504040204" pitchFamily="34" charset="-120"/>
-                <a:ea typeface="微軟正黑體" panose="020B0604030504040204" pitchFamily="34" charset="-120"/>
-              </a:rPr>
-              <a:t>彭安慈</a:t>
-            </a:r>
-            <a:endParaRPr b="1" dirty="0">
-              <a:latin typeface="微軟正黑體" panose="020B0604030504040204" pitchFamily="34" charset="-120"/>
-              <a:ea typeface="微軟正黑體" panose="020B0604030504040204" pitchFamily="34" charset="-120"/>
-            </a:endParaRPr>
-          </a:p>
-        </p:txBody>
-      </p:sp>
-      <p:sp>
-        <p:nvSpPr>
-          <p:cNvPr id="3928" name="Google Shape;3928;p50"/>
-          <p:cNvSpPr txBox="1">
-            <a:spLocks noGrp="1"/>
-          </p:cNvSpPr>
-          <p:nvPr>
-            <p:ph type="subTitle" idx="15"/>
-          </p:nvPr>
-        </p:nvSpPr>
-        <p:spPr>
-          <a:xfrm>
-            <a:off x="5960000" y="2222773"/>
-            <a:ext cx="2082300" cy="764051"/>
-          </a:xfrm>
-          <a:prstGeom prst="rect">
-            <a:avLst/>
-          </a:prstGeom>
-        </p:spPr>
-        <p:txBody>
-          <a:bodyPr spcFirstLastPara="1" wrap="square" lIns="91425" tIns="91425" rIns="91425" bIns="91425" anchor="t" anchorCtr="0">
-            <a:noAutofit/>
-          </a:bodyPr>
-          <a:lstStyle/>
-          <a:p>
-            <a:pPr marL="0" lvl="0" indent="0" algn="ctr" rtl="0">
-              <a:spcBef>
-                <a:spcPts val="0"/>
-              </a:spcBef>
-              <a:spcAft>
-                <a:spcPts val="0"/>
-              </a:spcAft>
-              <a:buClr>
-                <a:schemeClr val="dk1"/>
-              </a:buClr>
-              <a:buSzPts val="1100"/>
-              <a:buFont typeface="Arial"/>
-              <a:buNone/>
-            </a:pPr>
-            <a:r>
-              <a:rPr lang="zh-TW" altLang="en-US" dirty="0">
-                <a:latin typeface="微軟正黑體" panose="020B0604030504040204" pitchFamily="34" charset="-120"/>
-                <a:ea typeface="微軟正黑體" panose="020B0604030504040204" pitchFamily="34" charset="-120"/>
-              </a:rPr>
-              <a:t>程式構想</a:t>
-            </a:r>
-            <a:endParaRPr lang="en-US" altLang="zh-TW" dirty="0">
-              <a:latin typeface="微軟正黑體" panose="020B0604030504040204" pitchFamily="34" charset="-120"/>
-              <a:ea typeface="微軟正黑體" panose="020B0604030504040204" pitchFamily="34" charset="-120"/>
-            </a:endParaRPr>
-          </a:p>
-          <a:p>
-            <a:pPr marL="0" lvl="0" indent="0" algn="ctr" rtl="0">
-              <a:spcBef>
-                <a:spcPts val="0"/>
-              </a:spcBef>
-              <a:spcAft>
-                <a:spcPts val="0"/>
-              </a:spcAft>
-              <a:buClr>
-                <a:schemeClr val="dk1"/>
-              </a:buClr>
-              <a:buSzPts val="1100"/>
-              <a:buFont typeface="Arial"/>
-              <a:buNone/>
-            </a:pPr>
-            <a:r>
-              <a:rPr lang="zh-TW" altLang="en-US" dirty="0">
-                <a:latin typeface="微軟正黑體" panose="020B0604030504040204" pitchFamily="34" charset="-120"/>
-                <a:ea typeface="微軟正黑體" panose="020B0604030504040204" pitchFamily="34" charset="-120"/>
-              </a:rPr>
-              <a:t>內容提供</a:t>
-            </a:r>
-            <a:endParaRPr lang="en-US" altLang="zh-TW" dirty="0">
-              <a:latin typeface="微軟正黑體" panose="020B0604030504040204" pitchFamily="34" charset="-120"/>
-              <a:ea typeface="微軟正黑體" panose="020B0604030504040204" pitchFamily="34" charset="-120"/>
-            </a:endParaRPr>
-          </a:p>
-          <a:p>
-            <a:pPr marL="0" lvl="0" indent="0" algn="ctr" rtl="0">
-              <a:spcBef>
-                <a:spcPts val="0"/>
-              </a:spcBef>
-              <a:spcAft>
-                <a:spcPts val="0"/>
-              </a:spcAft>
-              <a:buClr>
-                <a:schemeClr val="dk1"/>
-              </a:buClr>
-              <a:buSzPts val="1100"/>
-              <a:buFont typeface="Arial"/>
-              <a:buNone/>
-            </a:pPr>
-            <a:r>
-              <a:rPr lang="zh-TW" altLang="en-US" dirty="0">
-                <a:latin typeface="微軟正黑體" panose="020B0604030504040204" pitchFamily="34" charset="-120"/>
-                <a:ea typeface="微軟正黑體" panose="020B0604030504040204" pitchFamily="34" charset="-120"/>
-              </a:rPr>
-              <a:t>討論</a:t>
-            </a:r>
-            <a:endParaRPr dirty="0">
-              <a:latin typeface="微軟正黑體" panose="020B0604030504040204" pitchFamily="34" charset="-120"/>
-              <a:ea typeface="微軟正黑體" panose="020B0604030504040204" pitchFamily="34" charset="-120"/>
-            </a:endParaRPr>
-          </a:p>
-        </p:txBody>
-      </p:sp>
-      <p:cxnSp>
-        <p:nvCxnSpPr>
-          <p:cNvPr id="3973" name="Google Shape;3973;p50"/>
-          <p:cNvCxnSpPr/>
-          <p:nvPr/>
-        </p:nvCxnSpPr>
-        <p:spPr>
-          <a:xfrm rot="10800000">
-            <a:off x="-810725" y="967400"/>
-            <a:ext cx="3604800" cy="0"/>
-          </a:xfrm>
-          <a:prstGeom prst="straightConnector1">
-            <a:avLst/>
-          </a:prstGeom>
-          <a:noFill/>
-          <a:ln w="19050" cap="flat" cmpd="sng">
-            <a:solidFill>
-              <a:srgbClr val="D3B5C8"/>
-            </a:solidFill>
-            <a:prstDash val="solid"/>
-            <a:round/>
-            <a:headEnd type="none" w="med" len="med"/>
-            <a:tailEnd type="none" w="med" len="med"/>
-          </a:ln>
-        </p:spPr>
-      </p:cxnSp>
     </p:spTree>
     <p:extLst>
       <p:ext uri="{BB962C8B-B14F-4D97-AF65-F5344CB8AC3E}">
-        <p14:creationId xmlns:p14="http://schemas.microsoft.com/office/powerpoint/2010/main" val="179956463"/>
+        <p14:creationId xmlns:p14="http://schemas.microsoft.com/office/powerpoint/2010/main" val="2323308072"/>
       </p:ext>
     </p:extLst>
   </p:cSld>
@@ -20311,7 +20886,7 @@
           <p:cNvPr id="2" name="標題 1">
             <a:extLst>
               <a:ext uri="{FF2B5EF4-FFF2-40B4-BE49-F238E27FC236}">
-                <a16:creationId xmlns:a16="http://schemas.microsoft.com/office/drawing/2014/main" id="{E23F5F01-6C5F-4D8A-8D40-3192F3DA8EE3}"/>
+                <a16:creationId xmlns:a16="http://schemas.microsoft.com/office/drawing/2014/main" id="{50EB7DD9-2A95-4BF9-8EB2-125B2ED0E131}"/>
               </a:ext>
             </a:extLst>
           </p:cNvPr>
@@ -20324,62 +20899,98 @@
         </p:nvSpPr>
         <p:spPr>
           <a:xfrm>
-            <a:off x="685049" y="436400"/>
-            <a:ext cx="6222589" cy="531000"/>
+            <a:off x="685050" y="436400"/>
+            <a:ext cx="2042475" cy="531000"/>
           </a:xfrm>
         </p:spPr>
         <p:txBody>
           <a:bodyPr/>
           <a:lstStyle/>
           <a:p>
+            <a:pPr lvl="0" algn="ctr" defTabSz="1066800">
+              <a:lnSpc>
+                <a:spcPct val="90000"/>
+              </a:lnSpc>
+              <a:spcBef>
+                <a:spcPct val="0"/>
+              </a:spcBef>
+              <a:spcAft>
+                <a:spcPct val="35000"/>
+              </a:spcAft>
+            </a:pPr>
             <a:r>
-              <a:rPr lang="zh-TW" altLang="en-US" dirty="0">
-                <a:latin typeface="微軟正黑體" panose="020B0604030504040204" pitchFamily="34" charset="-120"/>
-                <a:ea typeface="微軟正黑體" panose="020B0604030504040204" pitchFamily="34" charset="-120"/>
-                <a:cs typeface="Nirmala UI Semilight" panose="020B0402040204020203" pitchFamily="34" charset="0"/>
+              <a:rPr lang="en-US" altLang="zh-TW" sz="2800" dirty="0">
+                <a:solidFill>
+                  <a:schemeClr val="tx1"/>
+                </a:solidFill>
               </a:rPr>
-              <a:t>可以舉例怎樣是文言怎樣是白話嗎</a:t>
+              <a:t>Word2vec</a:t>
             </a:r>
-            <a:r>
-              <a:rPr lang="en-US" altLang="zh-TW" dirty="0">
-                <a:latin typeface="微軟正黑體" panose="020B0604030504040204" pitchFamily="34" charset="-120"/>
-                <a:ea typeface="微軟正黑體" panose="020B0604030504040204" pitchFamily="34" charset="-120"/>
-                <a:cs typeface="Nirmala UI Semilight" panose="020B0402040204020203" pitchFamily="34" charset="0"/>
-              </a:rPr>
-              <a:t>?</a:t>
-            </a:r>
-            <a:endParaRPr lang="zh-TW" altLang="en-US" dirty="0">
-              <a:latin typeface="微軟正黑體" panose="020B0604030504040204" pitchFamily="34" charset="-120"/>
-              <a:ea typeface="微軟正黑體" panose="020B0604030504040204" pitchFamily="34" charset="-120"/>
-              <a:cs typeface="Nirmala UI Semilight" panose="020B0402040204020203" pitchFamily="34" charset="0"/>
+            <a:endParaRPr lang="en-US" altLang="zh-TW" sz="2800" kern="1200" dirty="0">
+              <a:solidFill>
+                <a:srgbClr val="000000"/>
+              </a:solidFill>
+              <a:latin typeface="Arial"/>
+              <a:ea typeface="新細明體" panose="02020500000000000000" pitchFamily="18" charset="-120"/>
             </a:endParaRPr>
           </a:p>
         </p:txBody>
       </p:sp>
-      <p:sp>
-        <p:nvSpPr>
-          <p:cNvPr id="3" name="文字版面配置區 2">
+      <p:pic>
+        <p:nvPicPr>
+          <p:cNvPr id="3" name="圖片 2">
             <a:extLst>
               <a:ext uri="{FF2B5EF4-FFF2-40B4-BE49-F238E27FC236}">
-                <a16:creationId xmlns:a16="http://schemas.microsoft.com/office/drawing/2014/main" id="{D7D57134-9970-4FDF-89FC-B097354601ED}"/>
+                <a16:creationId xmlns:a16="http://schemas.microsoft.com/office/drawing/2014/main" id="{814AEDBB-C9B6-47E2-8D28-93C9684782FF}"/>
               </a:ext>
             </a:extLst>
           </p:cNvPr>
-          <p:cNvSpPr>
-            <a:spLocks noGrp="1"/>
-          </p:cNvSpPr>
-          <p:nvPr>
-            <p:ph type="body" idx="1"/>
-          </p:nvPr>
+          <p:cNvPicPr>
+            <a:picLocks noChangeAspect="1"/>
+          </p:cNvPicPr>
+          <p:nvPr/>
+        </p:nvPicPr>
+        <p:blipFill rotWithShape="1">
+          <a:blip r:embed="rId2"/>
+          <a:srcRect r="671"/>
+          <a:stretch/>
+        </p:blipFill>
+        <p:spPr>
+          <a:xfrm>
+            <a:off x="2488411" y="508570"/>
+            <a:ext cx="3865363" cy="5481847"/>
+          </a:xfrm>
+          <a:prstGeom prst="rect">
+            <a:avLst/>
+          </a:prstGeom>
+        </p:spPr>
+      </p:pic>
+      <p:sp>
+        <p:nvSpPr>
+          <p:cNvPr id="4" name="文字方塊 3">
+            <a:extLst>
+              <a:ext uri="{FF2B5EF4-FFF2-40B4-BE49-F238E27FC236}">
+                <a16:creationId xmlns:a16="http://schemas.microsoft.com/office/drawing/2014/main" id="{12C1D2F9-A530-4A6A-ADAC-B7EAF1A17AB9}"/>
+              </a:ext>
+            </a:extLst>
+          </p:cNvPr>
+          <p:cNvSpPr txBox="1"/>
+          <p:nvPr/>
         </p:nvSpPr>
         <p:spPr>
           <a:xfrm>
-            <a:off x="685049" y="967400"/>
-            <a:ext cx="5438818" cy="2163900"/>
+            <a:off x="2952509" y="2993665"/>
+            <a:ext cx="386661" cy="307777"/>
           </a:xfrm>
+          <a:prstGeom prst="rect">
+            <a:avLst/>
+          </a:prstGeom>
+          <a:noFill/>
         </p:spPr>
         <p:txBody>
-          <a:bodyPr/>
+          <a:bodyPr wrap="square" rtlCol="0">
+            <a:spAutoFit/>
+          </a:bodyPr>
           <a:lstStyle/>
           <a:p>
             <a:r>
@@ -20387,7 +20998,85 @@
                 <a:latin typeface="微軟正黑體" panose="020B0604030504040204" pitchFamily="34" charset="-120"/>
                 <a:ea typeface="微軟正黑體" panose="020B0604030504040204" pitchFamily="34" charset="-120"/>
               </a:rPr>
-              <a:t>文言：較拗口或無法理解原意的字詞。</a:t>
+              <a:t>得</a:t>
+            </a:r>
+          </a:p>
+        </p:txBody>
+      </p:sp>
+      <p:sp>
+        <p:nvSpPr>
+          <p:cNvPr id="5" name="文字方塊 4">
+            <a:extLst>
+              <a:ext uri="{FF2B5EF4-FFF2-40B4-BE49-F238E27FC236}">
+                <a16:creationId xmlns:a16="http://schemas.microsoft.com/office/drawing/2014/main" id="{046D01AC-3148-4A14-9C61-0D64ED5BC767}"/>
+              </a:ext>
+            </a:extLst>
+          </p:cNvPr>
+          <p:cNvSpPr txBox="1"/>
+          <p:nvPr/>
+        </p:nvSpPr>
+        <p:spPr>
+          <a:xfrm>
+            <a:off x="5263023" y="2165227"/>
+            <a:ext cx="605247" cy="307777"/>
+          </a:xfrm>
+          <a:prstGeom prst="rect">
+            <a:avLst/>
+          </a:prstGeom>
+          <a:noFill/>
+        </p:spPr>
+        <p:txBody>
+          <a:bodyPr wrap="square" rtlCol="0">
+            <a:spAutoFit/>
+          </a:bodyPr>
+          <a:lstStyle/>
+          <a:p>
+            <a:pPr algn="ctr"/>
+            <a:r>
+              <a:rPr lang="zh-TW" altLang="en-US" dirty="0">
+                <a:latin typeface="微軟正黑體" panose="020B0604030504040204" pitchFamily="34" charset="-120"/>
+                <a:ea typeface="微軟正黑體" panose="020B0604030504040204" pitchFamily="34" charset="-120"/>
+              </a:rPr>
+              <a:t>都行</a:t>
+            </a:r>
+          </a:p>
+        </p:txBody>
+      </p:sp>
+      <p:sp>
+        <p:nvSpPr>
+          <p:cNvPr id="6" name="文字方塊 5">
+            <a:extLst>
+              <a:ext uri="{FF2B5EF4-FFF2-40B4-BE49-F238E27FC236}">
+                <a16:creationId xmlns:a16="http://schemas.microsoft.com/office/drawing/2014/main" id="{C9E92F72-EA0B-44C1-8453-A62CF3E05245}"/>
+              </a:ext>
+            </a:extLst>
+          </p:cNvPr>
+          <p:cNvSpPr txBox="1"/>
+          <p:nvPr/>
+        </p:nvSpPr>
+        <p:spPr>
+          <a:xfrm>
+            <a:off x="5190306" y="3708490"/>
+            <a:ext cx="750680" cy="523220"/>
+          </a:xfrm>
+          <a:prstGeom prst="rect">
+            <a:avLst/>
+          </a:prstGeom>
+          <a:noFill/>
+        </p:spPr>
+        <p:txBody>
+          <a:bodyPr wrap="square" rtlCol="0">
+            <a:spAutoFit/>
+          </a:bodyPr>
+          <a:lstStyle/>
+          <a:p>
+            <a:pPr algn="ctr"/>
+            <a:r>
+              <a:rPr lang="zh-TW" altLang="en-US" dirty="0">
+                <a:latin typeface="微軟正黑體" panose="020B0604030504040204" pitchFamily="34" charset="-120"/>
+                <a:ea typeface="微軟正黑體" panose="020B0604030504040204" pitchFamily="34" charset="-120"/>
+              </a:rPr>
+              <a:t>有選</a:t>
             </a:r>
             <a:endParaRPr lang="en-US" altLang="zh-TW" dirty="0">
               <a:latin typeface="微軟正黑體" panose="020B0604030504040204" pitchFamily="34" charset="-120"/>
@@ -20395,207 +21084,153 @@
             </a:endParaRPr>
           </a:p>
           <a:p>
+            <a:pPr algn="ctr"/>
             <a:r>
               <a:rPr lang="zh-TW" altLang="en-US" dirty="0">
                 <a:latin typeface="微軟正黑體" panose="020B0604030504040204" pitchFamily="34" charset="-120"/>
                 <a:ea typeface="微軟正黑體" panose="020B0604030504040204" pitchFamily="34" charset="-120"/>
               </a:rPr>
-              <a:t>白話：生活化且較口語的字詞。</a:t>
+              <a:t>擇</a:t>
             </a:r>
-            <a:endParaRPr lang="en-US" altLang="zh-TW" dirty="0">
-              <a:latin typeface="微軟正黑體" panose="020B0604030504040204" pitchFamily="34" charset="-120"/>
-              <a:ea typeface="微軟正黑體" panose="020B0604030504040204" pitchFamily="34" charset="-120"/>
-            </a:endParaRPr>
           </a:p>
+        </p:txBody>
+      </p:sp>
+      <p:sp>
+        <p:nvSpPr>
+          <p:cNvPr id="7" name="文字方塊 6">
+            <a:extLst>
+              <a:ext uri="{FF2B5EF4-FFF2-40B4-BE49-F238E27FC236}">
+                <a16:creationId xmlns:a16="http://schemas.microsoft.com/office/drawing/2014/main" id="{92D3112E-3568-4755-9EC5-2BAB81DB126A}"/>
+              </a:ext>
+            </a:extLst>
+          </p:cNvPr>
+          <p:cNvSpPr txBox="1"/>
+          <p:nvPr/>
+        </p:nvSpPr>
+        <p:spPr>
+          <a:xfrm>
+            <a:off x="5239011" y="1351502"/>
+            <a:ext cx="653272" cy="307777"/>
+          </a:xfrm>
+          <a:prstGeom prst="rect">
+            <a:avLst/>
+          </a:prstGeom>
+          <a:noFill/>
+        </p:spPr>
+        <p:txBody>
+          <a:bodyPr wrap="square" rtlCol="0">
+            <a:spAutoFit/>
+          </a:bodyPr>
+          <a:lstStyle/>
           <a:p>
-            <a:pPr lvl="1"/>
+            <a:pPr algn="ctr"/>
             <a:r>
               <a:rPr lang="zh-TW" altLang="en-US" dirty="0">
                 <a:latin typeface="微軟正黑體" panose="020B0604030504040204" pitchFamily="34" charset="-120"/>
                 <a:ea typeface="微軟正黑體" panose="020B0604030504040204" pitchFamily="34" charset="-120"/>
               </a:rPr>
-              <a:t>例：</a:t>
+              <a:t>可以</a:t>
             </a:r>
           </a:p>
         </p:txBody>
       </p:sp>
-      <p:graphicFrame>
-        <p:nvGraphicFramePr>
-          <p:cNvPr id="4" name="表格 3">
+      <p:sp>
+        <p:nvSpPr>
+          <p:cNvPr id="8" name="文字方塊 7">
             <a:extLst>
               <a:ext uri="{FF2B5EF4-FFF2-40B4-BE49-F238E27FC236}">
-                <a16:creationId xmlns:a16="http://schemas.microsoft.com/office/drawing/2014/main" id="{638E340A-BD98-4F67-B070-937C38D72276}"/>
+                <a16:creationId xmlns:a16="http://schemas.microsoft.com/office/drawing/2014/main" id="{92E40184-8CE9-4617-9B72-A32C905D553A}"/>
               </a:ext>
             </a:extLst>
           </p:cNvPr>
-          <p:cNvGraphicFramePr>
-            <a:graphicFrameLocks noGrp="1"/>
-          </p:cNvGraphicFramePr>
-          <p:nvPr>
-            <p:extLst>
-              <p:ext uri="{D42A27DB-BD31-4B8C-83A1-F6EECF244321}">
-                <p14:modId xmlns:p14="http://schemas.microsoft.com/office/powerpoint/2010/main" val="4259223919"/>
-              </p:ext>
-            </p:extLst>
-          </p:nvPr>
-        </p:nvGraphicFramePr>
-        <p:xfrm>
-          <a:off x="1409047" y="2290173"/>
-          <a:ext cx="6096000" cy="741680"/>
-        </p:xfrm>
-        <a:graphic>
-          <a:graphicData uri="http://schemas.openxmlformats.org/drawingml/2006/table">
-            <a:tbl>
-              <a:tblPr firstRow="1" bandRow="1">
-                <a:tableStyleId>{E14A9DAD-CE24-40AE-9D65-589A71695943}</a:tableStyleId>
-              </a:tblPr>
-              <a:tblGrid>
-                <a:gridCol w="2032000">
-                  <a:extLst>
-                    <a:ext uri="{9D8B030D-6E8A-4147-A177-3AD203B41FA5}">
-                      <a16:colId xmlns:a16="http://schemas.microsoft.com/office/drawing/2014/main" val="951876548"/>
-                    </a:ext>
-                  </a:extLst>
-                </a:gridCol>
-                <a:gridCol w="2032000">
-                  <a:extLst>
-                    <a:ext uri="{9D8B030D-6E8A-4147-A177-3AD203B41FA5}">
-                      <a16:colId xmlns:a16="http://schemas.microsoft.com/office/drawing/2014/main" val="2517724022"/>
-                    </a:ext>
-                  </a:extLst>
-                </a:gridCol>
-                <a:gridCol w="2032000">
-                  <a:extLst>
-                    <a:ext uri="{9D8B030D-6E8A-4147-A177-3AD203B41FA5}">
-                      <a16:colId xmlns:a16="http://schemas.microsoft.com/office/drawing/2014/main" val="3340882876"/>
-                    </a:ext>
-                  </a:extLst>
-                </a:gridCol>
-              </a:tblGrid>
-              <a:tr h="370840">
-                <a:tc>
-                  <a:txBody>
-                    <a:bodyPr/>
-                    <a:lstStyle/>
-                    <a:p>
-                      <a:pPr algn="ctr"/>
-                      <a:r>
-                        <a:rPr lang="zh-TW" altLang="en-US" dirty="0">
-                          <a:latin typeface="微軟正黑體" panose="020B0604030504040204" pitchFamily="34" charset="-120"/>
-                          <a:ea typeface="微軟正黑體" panose="020B0604030504040204" pitchFamily="34" charset="-120"/>
-                        </a:rPr>
-                        <a:t>應</a:t>
-                      </a:r>
-                    </a:p>
-                  </a:txBody>
-                  <a:tcPr/>
-                </a:tc>
-                <a:tc>
-                  <a:txBody>
-                    <a:bodyPr/>
-                    <a:lstStyle/>
-                    <a:p>
-                      <a:pPr algn="ctr"/>
-                      <a:r>
-                        <a:rPr lang="zh-TW" altLang="en-US" dirty="0">
-                          <a:latin typeface="微軟正黑體" panose="020B0604030504040204" pitchFamily="34" charset="-120"/>
-                          <a:ea typeface="微軟正黑體" panose="020B0604030504040204" pitchFamily="34" charset="-120"/>
-                        </a:rPr>
-                        <a:t>得</a:t>
-                      </a:r>
-                    </a:p>
-                  </a:txBody>
-                  <a:tcPr/>
-                </a:tc>
-                <a:tc>
-                  <a:txBody>
-                    <a:bodyPr/>
-                    <a:lstStyle/>
-                    <a:p>
-                      <a:pPr algn="ctr"/>
-                      <a:r>
-                        <a:rPr lang="zh-TW" altLang="en-US" dirty="0">
-                          <a:latin typeface="微軟正黑體" panose="020B0604030504040204" pitchFamily="34" charset="-120"/>
-                          <a:ea typeface="微軟正黑體" panose="020B0604030504040204" pitchFamily="34" charset="-120"/>
-                        </a:rPr>
-                        <a:t>不得</a:t>
-                      </a:r>
-                    </a:p>
-                  </a:txBody>
-                  <a:tcPr/>
-                </a:tc>
-                <a:extLst>
-                  <a:ext uri="{0D108BD9-81ED-4DB2-BD59-A6C34878D82A}">
-                    <a16:rowId xmlns:a16="http://schemas.microsoft.com/office/drawing/2014/main" val="2324563469"/>
-                  </a:ext>
-                </a:extLst>
-              </a:tr>
-              <a:tr h="370840">
-                <a:tc>
-                  <a:txBody>
-                    <a:bodyPr/>
-                    <a:lstStyle/>
-                    <a:p>
-                      <a:pPr algn="ctr"/>
-                      <a:r>
-                        <a:rPr lang="zh-TW" altLang="en-US" dirty="0">
-                          <a:latin typeface="微軟正黑體" panose="020B0604030504040204" pitchFamily="34" charset="-120"/>
-                          <a:ea typeface="微軟正黑體" panose="020B0604030504040204" pitchFamily="34" charset="-120"/>
-                        </a:rPr>
-                        <a:t>必須、沒選擇</a:t>
-                      </a:r>
-                    </a:p>
-                  </a:txBody>
-                  <a:tcPr/>
-                </a:tc>
-                <a:tc>
-                  <a:txBody>
-                    <a:bodyPr/>
-                    <a:lstStyle/>
-                    <a:p>
-                      <a:pPr algn="ctr"/>
-                      <a:r>
-                        <a:rPr lang="zh-TW" altLang="en-US" dirty="0">
-                          <a:latin typeface="微軟正黑體" panose="020B0604030504040204" pitchFamily="34" charset="-120"/>
-                          <a:ea typeface="微軟正黑體" panose="020B0604030504040204" pitchFamily="34" charset="-120"/>
-                        </a:rPr>
-                        <a:t>可以、都行、有選擇</a:t>
-                      </a:r>
-                    </a:p>
-                  </a:txBody>
-                  <a:tcPr/>
-                </a:tc>
-                <a:tc>
-                  <a:txBody>
-                    <a:bodyPr/>
-                    <a:lstStyle/>
-                    <a:p>
-                      <a:pPr algn="ctr"/>
-                      <a:r>
-                        <a:rPr lang="zh-TW" altLang="en-US" dirty="0">
-                          <a:latin typeface="微軟正黑體" panose="020B0604030504040204" pitchFamily="34" charset="-120"/>
-                          <a:ea typeface="微軟正黑體" panose="020B0604030504040204" pitchFamily="34" charset="-120"/>
-                        </a:rPr>
-                        <a:t>不可以、沒選擇</a:t>
-                      </a:r>
-                    </a:p>
-                  </a:txBody>
-                  <a:tcPr/>
-                </a:tc>
-                <a:extLst>
-                  <a:ext uri="{0D108BD9-81ED-4DB2-BD59-A6C34878D82A}">
-                    <a16:rowId xmlns:a16="http://schemas.microsoft.com/office/drawing/2014/main" val="300119011"/>
-                  </a:ext>
-                </a:extLst>
-              </a:tr>
-            </a:tbl>
-          </a:graphicData>
-        </a:graphic>
-      </p:graphicFrame>
+          <p:cNvSpPr txBox="1"/>
+          <p:nvPr/>
+        </p:nvSpPr>
+        <p:spPr>
+          <a:xfrm>
+            <a:off x="5344012" y="4634930"/>
+            <a:ext cx="389275" cy="307777"/>
+          </a:xfrm>
+          <a:prstGeom prst="rect">
+            <a:avLst/>
+          </a:prstGeom>
+          <a:noFill/>
+        </p:spPr>
+        <p:txBody>
+          <a:bodyPr wrap="square" rtlCol="0">
+            <a:spAutoFit/>
+          </a:bodyPr>
+          <a:lstStyle/>
+          <a:p>
+            <a:pPr algn="ctr"/>
+            <a:r>
+              <a:rPr lang="en-US" altLang="zh-TW" dirty="0">
+                <a:latin typeface="微軟正黑體" panose="020B0604030504040204" pitchFamily="34" charset="-120"/>
+                <a:ea typeface="微軟正黑體" panose="020B0604030504040204" pitchFamily="34" charset="-120"/>
+              </a:rPr>
+              <a:t>…</a:t>
+            </a:r>
+          </a:p>
+        </p:txBody>
+      </p:sp>
+      <p:sp>
+        <p:nvSpPr>
+          <p:cNvPr id="9" name="矩形 8">
+            <a:extLst>
+              <a:ext uri="{FF2B5EF4-FFF2-40B4-BE49-F238E27FC236}">
+                <a16:creationId xmlns:a16="http://schemas.microsoft.com/office/drawing/2014/main" id="{14D7DED6-E763-437A-8759-CC06243CB614}"/>
+              </a:ext>
+            </a:extLst>
+          </p:cNvPr>
+          <p:cNvSpPr/>
+          <p:nvPr/>
+        </p:nvSpPr>
+        <p:spPr>
+          <a:xfrm>
+            <a:off x="5787146" y="1227909"/>
+            <a:ext cx="605247" cy="3762102"/>
+          </a:xfrm>
+          <a:prstGeom prst="rect">
+            <a:avLst/>
+          </a:prstGeom>
+          <a:solidFill>
+            <a:schemeClr val="bg1"/>
+          </a:solidFill>
+          <a:ln>
+            <a:solidFill>
+              <a:schemeClr val="bg1"/>
+            </a:solidFill>
+          </a:ln>
+        </p:spPr>
+        <p:style>
+          <a:lnRef idx="2">
+            <a:schemeClr val="accent1">
+              <a:shade val="50000"/>
+            </a:schemeClr>
+          </a:lnRef>
+          <a:fillRef idx="1">
+            <a:schemeClr val="accent1"/>
+          </a:fillRef>
+          <a:effectRef idx="0">
+            <a:schemeClr val="accent1"/>
+          </a:effectRef>
+          <a:fontRef idx="minor">
+            <a:schemeClr val="lt1"/>
+          </a:fontRef>
+        </p:style>
+        <p:txBody>
+          <a:bodyPr rtlCol="0" anchor="ctr"/>
+          <a:lstStyle/>
+          <a:p>
+            <a:pPr algn="ctr"/>
+            <a:endParaRPr lang="zh-TW" altLang="en-US"/>
+          </a:p>
+        </p:txBody>
+      </p:sp>
     </p:spTree>
     <p:extLst>
       <p:ext uri="{BB962C8B-B14F-4D97-AF65-F5344CB8AC3E}">
-        <p14:creationId xmlns:p14="http://schemas.microsoft.com/office/powerpoint/2010/main" val="409062682"/>
+        <p14:creationId xmlns:p14="http://schemas.microsoft.com/office/powerpoint/2010/main" val="2192985479"/>
       </p:ext>
     </p:extLst>
   </p:cSld>
@@ -20627,7 +21262,7 @@
           <p:cNvPr id="2" name="標題 1">
             <a:extLst>
               <a:ext uri="{FF2B5EF4-FFF2-40B4-BE49-F238E27FC236}">
-                <a16:creationId xmlns:a16="http://schemas.microsoft.com/office/drawing/2014/main" id="{E23F5F01-6C5F-4D8A-8D40-3192F3DA8EE3}"/>
+                <a16:creationId xmlns:a16="http://schemas.microsoft.com/office/drawing/2014/main" id="{50EB7DD9-2A95-4BF9-8EB2-125B2ED0E131}"/>
               </a:ext>
             </a:extLst>
           </p:cNvPr>
@@ -20638,62 +21273,52 @@
             <p:ph type="title"/>
           </p:nvPr>
         </p:nvSpPr>
-        <p:spPr>
-          <a:xfrm>
-            <a:off x="685049" y="1199269"/>
-            <a:ext cx="6222589" cy="531000"/>
-          </a:xfrm>
-        </p:spPr>
-        <p:txBody>
-          <a:bodyPr/>
-          <a:lstStyle/>
-          <a:p>
-            <a:r>
-              <a:rPr lang="zh-TW" altLang="en-US" dirty="0">
-                <a:latin typeface="微軟正黑體" panose="020B0604030504040204" pitchFamily="34" charset="-120"/>
-                <a:ea typeface="微軟正黑體" panose="020B0604030504040204" pitchFamily="34" charset="-120"/>
-                <a:cs typeface="Nirmala UI Semilight" panose="020B0402040204020203" pitchFamily="34" charset="0"/>
-              </a:rPr>
-              <a:t>如果把一個艱深的詞替換成它的解釋，會不會造成句子長度加長、結構複雜化反而造成閱讀困難化？</a:t>
-            </a:r>
-          </a:p>
-        </p:txBody>
-      </p:sp>
-      <p:sp>
-        <p:nvSpPr>
-          <p:cNvPr id="3" name="文字版面配置區 2">
-            <a:extLst>
-              <a:ext uri="{FF2B5EF4-FFF2-40B4-BE49-F238E27FC236}">
-                <a16:creationId xmlns:a16="http://schemas.microsoft.com/office/drawing/2014/main" id="{D7D57134-9970-4FDF-89FC-B097354601ED}"/>
-              </a:ext>
-            </a:extLst>
-          </p:cNvPr>
-          <p:cNvSpPr>
-            <a:spLocks noGrp="1"/>
-          </p:cNvSpPr>
-          <p:nvPr>
-            <p:ph type="body" idx="1"/>
-          </p:nvPr>
-        </p:nvSpPr>
         <p:spPr/>
         <p:txBody>
           <a:bodyPr/>
           <a:lstStyle/>
           <a:p>
             <a:r>
-              <a:rPr lang="zh-TW" altLang="en-US" dirty="0">
-                <a:latin typeface="微軟正黑體" panose="020B0604030504040204" pitchFamily="34" charset="-120"/>
-                <a:ea typeface="微軟正黑體" panose="020B0604030504040204" pitchFamily="34" charset="-120"/>
-              </a:rPr>
-              <a:t>期望做成加註的方式。類似國文課文中的註釋一樣，增加字詞的解釋。</a:t>
+              <a:rPr lang="en-US" altLang="zh-TW" dirty="0"/>
+              <a:t>output</a:t>
             </a:r>
+            <a:endParaRPr lang="zh-TW" altLang="en-US" dirty="0"/>
           </a:p>
         </p:txBody>
       </p:sp>
+      <p:pic>
+        <p:nvPicPr>
+          <p:cNvPr id="6" name="圖片 5">
+            <a:extLst>
+              <a:ext uri="{FF2B5EF4-FFF2-40B4-BE49-F238E27FC236}">
+                <a16:creationId xmlns:a16="http://schemas.microsoft.com/office/drawing/2014/main" id="{750106CA-1773-4449-8FAA-DAA3109495E7}"/>
+              </a:ext>
+            </a:extLst>
+          </p:cNvPr>
+          <p:cNvPicPr>
+            <a:picLocks noChangeAspect="1"/>
+          </p:cNvPicPr>
+          <p:nvPr/>
+        </p:nvPicPr>
+        <p:blipFill rotWithShape="1">
+          <a:blip r:embed="rId2"/>
+          <a:srcRect r="4462"/>
+          <a:stretch/>
+        </p:blipFill>
+        <p:spPr>
+          <a:xfrm>
+            <a:off x="888275" y="1093035"/>
+            <a:ext cx="7367451" cy="2957430"/>
+          </a:xfrm>
+          <a:prstGeom prst="rect">
+            <a:avLst/>
+          </a:prstGeom>
+        </p:spPr>
+      </p:pic>
     </p:spTree>
     <p:extLst>
       <p:ext uri="{BB962C8B-B14F-4D97-AF65-F5344CB8AC3E}">
-        <p14:creationId xmlns:p14="http://schemas.microsoft.com/office/powerpoint/2010/main" val="2811773611"/>
+        <p14:creationId xmlns:p14="http://schemas.microsoft.com/office/powerpoint/2010/main" val="1420504000"/>
       </p:ext>
     </p:extLst>
   </p:cSld>

--- a/Project_deadline.pptx
+++ b/Project_deadline.pptx
@@ -10126,7 +10126,7 @@
         <p:spPr>
           <a:xfrm>
             <a:off x="4701075" y="2922150"/>
-            <a:ext cx="3860364" cy="1436962"/>
+            <a:ext cx="3860364" cy="1952908"/>
           </a:xfrm>
           <a:prstGeom prst="rect">
             <a:avLst/>
@@ -10257,6 +10257,50 @@
                 <a:ea typeface="微軟正黑體" panose="020B0604030504040204" pitchFamily="34" charset="-120"/>
               </a:rPr>
               <a:t>丁語婕</a:t>
+            </a:r>
+            <a:endParaRPr lang="en-US" altLang="zh-TW" dirty="0">
+              <a:ea typeface="微軟正黑體" panose="020B0604030504040204" pitchFamily="34" charset="-120"/>
+            </a:endParaRPr>
+          </a:p>
+          <a:p>
+            <a:pPr marL="0" lvl="0" indent="0" algn="l" rtl="0">
+              <a:spcBef>
+                <a:spcPts val="0"/>
+              </a:spcBef>
+              <a:spcAft>
+                <a:spcPts val="0"/>
+              </a:spcAft>
+              <a:buNone/>
+            </a:pPr>
+            <a:r>
+              <a:rPr lang="en-US" altLang="zh-TW" dirty="0" err="1">
+                <a:ea typeface="微軟正黑體" panose="020B0604030504040204" pitchFamily="34" charset="-120"/>
+              </a:rPr>
+              <a:t>Github</a:t>
+            </a:r>
+            <a:r>
+              <a:rPr lang="en-US" altLang="zh-TW" dirty="0">
+                <a:ea typeface="微軟正黑體" panose="020B0604030504040204" pitchFamily="34" charset="-120"/>
+              </a:rPr>
+              <a:t> Repo:</a:t>
+            </a:r>
+          </a:p>
+          <a:p>
+            <a:pPr marL="0" lvl="0" indent="0" algn="l" rtl="0">
+              <a:spcBef>
+                <a:spcPts val="0"/>
+              </a:spcBef>
+              <a:spcAft>
+                <a:spcPts val="0"/>
+              </a:spcAft>
+              <a:buNone/>
+            </a:pPr>
+            <a:r>
+              <a:rPr lang="en-US" dirty="0">
+                <a:ea typeface="微軟正黑體" panose="020B0604030504040204" pitchFamily="34" charset="-120"/>
+                <a:hlinkClick r:id="rId3"/>
+              </a:rPr>
+              <a:t>https://github.com/sun-wt/deadline-.git</a:t>
             </a:r>
             <a:endParaRPr dirty="0">
               <a:ea typeface="微軟正黑體" panose="020B0604030504040204" pitchFamily="34" charset="-120"/>
@@ -10532,18 +10576,22 @@
           </a:bodyPr>
           <a:lstStyle/>
           <a:p>
-            <a:pPr marL="0" indent="0">
+            <a:pPr marL="0" lvl="0" indent="0">
               <a:buClr>
                 <a:schemeClr val="dk1"/>
               </a:buClr>
               <a:buSzPts val="1100"/>
             </a:pPr>
             <a:r>
+              <a:rPr lang="en-US" altLang="zh-TW" dirty="0"/>
+              <a:t>PPT</a:t>
+            </a:r>
+            <a:r>
               <a:rPr lang="zh-TW" altLang="en-US" dirty="0">
                 <a:latin typeface="微軟正黑體" panose="020B0604030504040204" pitchFamily="34" charset="-120"/>
                 <a:ea typeface="微軟正黑體" panose="020B0604030504040204" pitchFamily="34" charset="-120"/>
               </a:rPr>
-              <a:t>程式構想</a:t>
+              <a:t>製作</a:t>
             </a:r>
             <a:endParaRPr lang="en-US" altLang="zh-TW" dirty="0">
               <a:latin typeface="微軟正黑體" panose="020B0604030504040204" pitchFamily="34" charset="-120"/>
@@ -20766,20 +20814,49 @@
           </p:cNvPicPr>
           <p:nvPr/>
         </p:nvPicPr>
-        <p:blipFill>
+        <p:blipFill rotWithShape="1">
           <a:blip r:embed="rId2"/>
-          <a:stretch>
-            <a:fillRect/>
-          </a:stretch>
+          <a:srcRect b="39198"/>
+          <a:stretch/>
         </p:blipFill>
         <p:spPr>
           <a:xfrm>
-            <a:off x="3387561" y="520484"/>
-            <a:ext cx="3823136" cy="4102532"/>
+            <a:off x="2676942" y="745166"/>
+            <a:ext cx="5929356" cy="3868636"/>
           </a:xfrm>
           <a:prstGeom prst="rect">
             <a:avLst/>
           </a:prstGeom>
+          <a:solidFill>
+            <a:srgbClr val="FFFFFF">
+              <a:shade val="85000"/>
+            </a:srgbClr>
+          </a:solidFill>
+          <a:ln w="88900" cap="sq">
+            <a:solidFill>
+              <a:srgbClr val="FFFFFF"/>
+            </a:solidFill>
+            <a:miter lim="800000"/>
+          </a:ln>
+          <a:effectLst>
+            <a:outerShdw blurRad="55000" dist="18000" dir="5400000" algn="tl" rotWithShape="0">
+              <a:srgbClr val="000000">
+                <a:alpha val="40000"/>
+              </a:srgbClr>
+            </a:outerShdw>
+          </a:effectLst>
+          <a:scene3d>
+            <a:camera prst="orthographicFront"/>
+            <a:lightRig rig="twoPt" dir="t">
+              <a:rot lat="0" lon="0" rev="7200000"/>
+            </a:lightRig>
+          </a:scene3d>
+          <a:sp3d>
+            <a:bevelT w="25400" h="19050"/>
+            <a:contourClr>
+              <a:srgbClr val="FFFFFF"/>
+            </a:contourClr>
+          </a:sp3d>
         </p:spPr>
       </p:pic>
       <p:sp>

--- a/Project_deadline.pptx
+++ b/Project_deadline.pptx
@@ -5,7 +5,7 @@
     <p:sldMasterId id="2147483673" r:id="rId1"/>
   </p:sldMasterIdLst>
   <p:notesMasterIdLst>
-    <p:notesMasterId r:id="rId16"/>
+    <p:notesMasterId r:id="rId22"/>
   </p:notesMasterIdLst>
   <p:sldIdLst>
     <p:sldId id="256" r:id="rId2"/>
@@ -22,37 +22,43 @@
     <p:sldId id="306" r:id="rId13"/>
     <p:sldId id="307" r:id="rId14"/>
     <p:sldId id="308" r:id="rId15"/>
+    <p:sldId id="314" r:id="rId16"/>
+    <p:sldId id="315" r:id="rId17"/>
+    <p:sldId id="316" r:id="rId18"/>
+    <p:sldId id="317" r:id="rId19"/>
+    <p:sldId id="318" r:id="rId20"/>
+    <p:sldId id="319" r:id="rId21"/>
   </p:sldIdLst>
   <p:sldSz cx="9144000" cy="5143500" type="screen16x9"/>
   <p:notesSz cx="6858000" cy="9144000"/>
   <p:embeddedFontLst>
     <p:embeddedFont>
-      <p:font typeface="Advent Pro" panose="02020500000000000000" charset="0"/>
-      <p:regular r:id="rId17"/>
-      <p:bold r:id="rId18"/>
-    </p:embeddedFont>
-    <p:embeddedFont>
       <p:font typeface="Advent Pro Medium" panose="02020500000000000000" charset="0"/>
-      <p:regular r:id="rId19"/>
-      <p:bold r:id="rId20"/>
-    </p:embeddedFont>
-    <p:embeddedFont>
-      <p:font typeface="Nirmala UI Semilight" panose="020B0402040204020203" pitchFamily="34" charset="0"/>
-      <p:regular r:id="rId21"/>
-    </p:embeddedFont>
-    <p:embeddedFont>
-      <p:font typeface="Righteous" panose="02020500000000000000" charset="0"/>
-      <p:regular r:id="rId22"/>
-    </p:embeddedFont>
-    <p:embeddedFont>
-      <p:font typeface="Tahoma" panose="020B0604030504040204" pitchFamily="34" charset="0"/>
       <p:regular r:id="rId23"/>
       <p:bold r:id="rId24"/>
     </p:embeddedFont>
     <p:embeddedFont>
+      <p:font typeface="Nirmala UI Semilight" panose="020B0402040204020203" pitchFamily="34" charset="0"/>
+      <p:regular r:id="rId25"/>
+    </p:embeddedFont>
+    <p:embeddedFont>
+      <p:font typeface="Tahoma" panose="020B0604030504040204" pitchFamily="34" charset="0"/>
+      <p:regular r:id="rId26"/>
+      <p:bold r:id="rId27"/>
+    </p:embeddedFont>
+    <p:embeddedFont>
       <p:font typeface="微軟正黑體" panose="020B0604030504040204" pitchFamily="34" charset="-120"/>
-      <p:regular r:id="rId25"/>
-      <p:bold r:id="rId26"/>
+      <p:regular r:id="rId28"/>
+      <p:bold r:id="rId29"/>
+    </p:embeddedFont>
+    <p:embeddedFont>
+      <p:font typeface="Righteous" panose="02020500000000000000" charset="0"/>
+      <p:regular r:id="rId30"/>
+    </p:embeddedFont>
+    <p:embeddedFont>
+      <p:font typeface="Advent Pro" panose="02020500000000000000" charset="0"/>
+      <p:regular r:id="rId31"/>
+      <p:bold r:id="rId32"/>
     </p:embeddedFont>
   </p:embeddedFontLst>
   <p:defaultTextStyle>
@@ -290,6 +296,2949 @@
     </p:ext>
   </p:extLst>
 </p:presentation>
+</file>
+
+<file path=ppt/diagrams/colors1.xml><?xml version="1.0" encoding="utf-8"?>
+<dgm:colorsDef xmlns:dgm="http://schemas.openxmlformats.org/drawingml/2006/diagram" xmlns:a="http://schemas.openxmlformats.org/drawingml/2006/main" uniqueId="urn:microsoft.com/office/officeart/2005/8/colors/colorful5">
+  <dgm:title val=""/>
+  <dgm:desc val=""/>
+  <dgm:catLst>
+    <dgm:cat type="colorful" pri="10500"/>
+  </dgm:catLst>
+  <dgm:styleLbl name="node0">
+    <dgm:fillClrLst meth="repeat">
+      <a:schemeClr val="accent4"/>
+    </dgm:fillClrLst>
+    <dgm:linClrLst meth="repeat">
+      <a:schemeClr val="lt1"/>
+    </dgm:linClrLst>
+    <dgm:effectClrLst/>
+    <dgm:txLinClrLst/>
+    <dgm:txFillClrLst/>
+    <dgm:txEffectClrLst/>
+  </dgm:styleLbl>
+  <dgm:styleLbl name="node1">
+    <dgm:fillClrLst>
+      <a:schemeClr val="accent5"/>
+      <a:schemeClr val="accent6"/>
+    </dgm:fillClrLst>
+    <dgm:linClrLst meth="repeat">
+      <a:schemeClr val="lt1"/>
+    </dgm:linClrLst>
+    <dgm:effectClrLst/>
+    <dgm:txLinClrLst/>
+    <dgm:txFillClrLst/>
+    <dgm:txEffectClrLst/>
+  </dgm:styleLbl>
+  <dgm:styleLbl name="alignNode1">
+    <dgm:fillClrLst>
+      <a:schemeClr val="accent5"/>
+      <a:schemeClr val="accent6"/>
+    </dgm:fillClrLst>
+    <dgm:linClrLst>
+      <a:schemeClr val="accent5"/>
+      <a:schemeClr val="accent6"/>
+    </dgm:linClrLst>
+    <dgm:effectClrLst/>
+    <dgm:txLinClrLst/>
+    <dgm:txFillClrLst/>
+    <dgm:txEffectClrLst/>
+  </dgm:styleLbl>
+  <dgm:styleLbl name="lnNode1">
+    <dgm:fillClrLst>
+      <a:schemeClr val="accent5"/>
+      <a:schemeClr val="accent6"/>
+    </dgm:fillClrLst>
+    <dgm:linClrLst meth="repeat">
+      <a:schemeClr val="lt1"/>
+    </dgm:linClrLst>
+    <dgm:effectClrLst/>
+    <dgm:txLinClrLst/>
+    <dgm:txFillClrLst/>
+    <dgm:txEffectClrLst/>
+  </dgm:styleLbl>
+  <dgm:styleLbl name="vennNode1">
+    <dgm:fillClrLst>
+      <a:schemeClr val="accent5">
+        <a:alpha val="50000"/>
+      </a:schemeClr>
+      <a:schemeClr val="accent6">
+        <a:alpha val="50000"/>
+      </a:schemeClr>
+    </dgm:fillClrLst>
+    <dgm:linClrLst meth="repeat">
+      <a:schemeClr val="lt1"/>
+    </dgm:linClrLst>
+    <dgm:effectClrLst/>
+    <dgm:txLinClrLst/>
+    <dgm:txFillClrLst/>
+    <dgm:txEffectClrLst/>
+  </dgm:styleLbl>
+  <dgm:styleLbl name="node2">
+    <dgm:fillClrLst>
+      <a:schemeClr val="accent6"/>
+    </dgm:fillClrLst>
+    <dgm:linClrLst meth="repeat">
+      <a:schemeClr val="lt1"/>
+    </dgm:linClrLst>
+    <dgm:effectClrLst/>
+    <dgm:txLinClrLst/>
+    <dgm:txFillClrLst/>
+    <dgm:txEffectClrLst/>
+  </dgm:styleLbl>
+  <dgm:styleLbl name="node3">
+    <dgm:fillClrLst>
+      <a:schemeClr val="accent1"/>
+    </dgm:fillClrLst>
+    <dgm:linClrLst meth="repeat">
+      <a:schemeClr val="lt1"/>
+    </dgm:linClrLst>
+    <dgm:effectClrLst/>
+    <dgm:txLinClrLst/>
+    <dgm:txFillClrLst/>
+    <dgm:txEffectClrLst/>
+  </dgm:styleLbl>
+  <dgm:styleLbl name="node4">
+    <dgm:fillClrLst>
+      <a:schemeClr val="accent2"/>
+    </dgm:fillClrLst>
+    <dgm:linClrLst meth="repeat">
+      <a:schemeClr val="lt1"/>
+    </dgm:linClrLst>
+    <dgm:effectClrLst/>
+    <dgm:txLinClrLst/>
+    <dgm:txFillClrLst/>
+    <dgm:txEffectClrLst/>
+  </dgm:styleLbl>
+  <dgm:styleLbl name="fgImgPlace1">
+    <dgm:fillClrLst>
+      <a:schemeClr val="accent5">
+        <a:tint val="50000"/>
+      </a:schemeClr>
+      <a:schemeClr val="accent6">
+        <a:tint val="50000"/>
+      </a:schemeClr>
+    </dgm:fillClrLst>
+    <dgm:linClrLst meth="repeat">
+      <a:schemeClr val="lt1"/>
+    </dgm:linClrLst>
+    <dgm:effectClrLst/>
+    <dgm:txLinClrLst/>
+    <dgm:txFillClrLst meth="repeat">
+      <a:schemeClr val="lt1"/>
+    </dgm:txFillClrLst>
+    <dgm:txEffectClrLst/>
+  </dgm:styleLbl>
+  <dgm:styleLbl name="alignImgPlace1">
+    <dgm:fillClrLst>
+      <a:schemeClr val="accent5">
+        <a:tint val="50000"/>
+      </a:schemeClr>
+      <a:schemeClr val="accent6">
+        <a:tint val="20000"/>
+      </a:schemeClr>
+    </dgm:fillClrLst>
+    <dgm:linClrLst meth="repeat">
+      <a:schemeClr val="lt1"/>
+    </dgm:linClrLst>
+    <dgm:effectClrLst/>
+    <dgm:txLinClrLst/>
+    <dgm:txFillClrLst meth="repeat">
+      <a:schemeClr val="lt1"/>
+    </dgm:txFillClrLst>
+    <dgm:txEffectClrLst/>
+  </dgm:styleLbl>
+  <dgm:styleLbl name="bgImgPlace1">
+    <dgm:fillClrLst>
+      <a:schemeClr val="accent5">
+        <a:tint val="50000"/>
+      </a:schemeClr>
+      <a:schemeClr val="accent6">
+        <a:tint val="20000"/>
+      </a:schemeClr>
+    </dgm:fillClrLst>
+    <dgm:linClrLst meth="repeat">
+      <a:schemeClr val="lt1"/>
+    </dgm:linClrLst>
+    <dgm:effectClrLst/>
+    <dgm:txLinClrLst/>
+    <dgm:txFillClrLst meth="repeat">
+      <a:schemeClr val="lt1"/>
+    </dgm:txFillClrLst>
+    <dgm:txEffectClrLst/>
+  </dgm:styleLbl>
+  <dgm:styleLbl name="sibTrans2D1">
+    <dgm:fillClrLst>
+      <a:schemeClr val="accent5"/>
+      <a:schemeClr val="accent6"/>
+    </dgm:fillClrLst>
+    <dgm:linClrLst meth="repeat">
+      <a:schemeClr val="lt1"/>
+    </dgm:linClrLst>
+    <dgm:effectClrLst/>
+    <dgm:txLinClrLst/>
+    <dgm:txFillClrLst/>
+    <dgm:txEffectClrLst/>
+  </dgm:styleLbl>
+  <dgm:styleLbl name="fgSibTrans2D1">
+    <dgm:fillClrLst>
+      <a:schemeClr val="accent5"/>
+      <a:schemeClr val="accent6"/>
+    </dgm:fillClrLst>
+    <dgm:linClrLst meth="repeat">
+      <a:schemeClr val="lt1"/>
+    </dgm:linClrLst>
+    <dgm:effectClrLst/>
+    <dgm:txLinClrLst/>
+    <dgm:txFillClrLst meth="repeat">
+      <a:schemeClr val="lt1"/>
+    </dgm:txFillClrLst>
+    <dgm:txEffectClrLst/>
+  </dgm:styleLbl>
+  <dgm:styleLbl name="bgSibTrans2D1">
+    <dgm:fillClrLst>
+      <a:schemeClr val="accent5"/>
+      <a:schemeClr val="accent6"/>
+    </dgm:fillClrLst>
+    <dgm:linClrLst meth="repeat">
+      <a:schemeClr val="lt1"/>
+    </dgm:linClrLst>
+    <dgm:effectClrLst/>
+    <dgm:txLinClrLst/>
+    <dgm:txFillClrLst meth="repeat">
+      <a:schemeClr val="lt1"/>
+    </dgm:txFillClrLst>
+    <dgm:txEffectClrLst/>
+  </dgm:styleLbl>
+  <dgm:styleLbl name="sibTrans1D1">
+    <dgm:fillClrLst/>
+    <dgm:linClrLst>
+      <a:schemeClr val="accent5"/>
+      <a:schemeClr val="accent6"/>
+    </dgm:linClrLst>
+    <dgm:effectClrLst/>
+    <dgm:txLinClrLst/>
+    <dgm:txFillClrLst meth="repeat">
+      <a:schemeClr val="tx1"/>
+    </dgm:txFillClrLst>
+    <dgm:txEffectClrLst/>
+  </dgm:styleLbl>
+  <dgm:styleLbl name="callout">
+    <dgm:fillClrLst meth="repeat">
+      <a:schemeClr val="accent5"/>
+    </dgm:fillClrLst>
+    <dgm:linClrLst meth="repeat">
+      <a:schemeClr val="accent5">
+        <a:tint val="50000"/>
+      </a:schemeClr>
+    </dgm:linClrLst>
+    <dgm:effectClrLst/>
+    <dgm:txLinClrLst/>
+    <dgm:txFillClrLst meth="repeat">
+      <a:schemeClr val="tx1"/>
+    </dgm:txFillClrLst>
+    <dgm:txEffectClrLst/>
+  </dgm:styleLbl>
+  <dgm:styleLbl name="asst0">
+    <dgm:fillClrLst meth="repeat">
+      <a:schemeClr val="accent5"/>
+    </dgm:fillClrLst>
+    <dgm:linClrLst meth="repeat">
+      <a:schemeClr val="lt1">
+        <a:shade val="80000"/>
+      </a:schemeClr>
+    </dgm:linClrLst>
+    <dgm:effectClrLst/>
+    <dgm:txLinClrLst/>
+    <dgm:txFillClrLst/>
+    <dgm:txEffectClrLst/>
+  </dgm:styleLbl>
+  <dgm:styleLbl name="asst1">
+    <dgm:fillClrLst meth="repeat">
+      <a:schemeClr val="accent6"/>
+    </dgm:fillClrLst>
+    <dgm:linClrLst meth="repeat">
+      <a:schemeClr val="lt1">
+        <a:shade val="80000"/>
+      </a:schemeClr>
+    </dgm:linClrLst>
+    <dgm:effectClrLst/>
+    <dgm:txLinClrLst/>
+    <dgm:txFillClrLst/>
+    <dgm:txEffectClrLst/>
+  </dgm:styleLbl>
+  <dgm:styleLbl name="asst2">
+    <dgm:fillClrLst>
+      <a:schemeClr val="accent1"/>
+    </dgm:fillClrLst>
+    <dgm:linClrLst meth="repeat">
+      <a:schemeClr val="lt1"/>
+    </dgm:linClrLst>
+    <dgm:effectClrLst/>
+    <dgm:txLinClrLst/>
+    <dgm:txFillClrLst/>
+    <dgm:txEffectClrLst/>
+  </dgm:styleLbl>
+  <dgm:styleLbl name="asst3">
+    <dgm:fillClrLst>
+      <a:schemeClr val="accent2"/>
+    </dgm:fillClrLst>
+    <dgm:linClrLst meth="repeat">
+      <a:schemeClr val="lt1"/>
+    </dgm:linClrLst>
+    <dgm:effectClrLst/>
+    <dgm:txLinClrLst/>
+    <dgm:txFillClrLst/>
+    <dgm:txEffectClrLst/>
+  </dgm:styleLbl>
+  <dgm:styleLbl name="asst4">
+    <dgm:fillClrLst>
+      <a:schemeClr val="accent3"/>
+    </dgm:fillClrLst>
+    <dgm:linClrLst meth="repeat">
+      <a:schemeClr val="lt1"/>
+    </dgm:linClrLst>
+    <dgm:effectClrLst/>
+    <dgm:txLinClrLst/>
+    <dgm:txFillClrLst/>
+    <dgm:txEffectClrLst/>
+  </dgm:styleLbl>
+  <dgm:styleLbl name="parChTrans2D1">
+    <dgm:fillClrLst meth="repeat">
+      <a:schemeClr val="accent5"/>
+    </dgm:fillClrLst>
+    <dgm:linClrLst meth="repeat">
+      <a:schemeClr val="lt1"/>
+    </dgm:linClrLst>
+    <dgm:effectClrLst/>
+    <dgm:txLinClrLst/>
+    <dgm:txFillClrLst meth="repeat">
+      <a:schemeClr val="lt1"/>
+    </dgm:txFillClrLst>
+    <dgm:txEffectClrLst/>
+  </dgm:styleLbl>
+  <dgm:styleLbl name="parChTrans2D2">
+    <dgm:fillClrLst meth="repeat">
+      <a:schemeClr val="accent6"/>
+    </dgm:fillClrLst>
+    <dgm:linClrLst meth="repeat">
+      <a:schemeClr val="lt1"/>
+    </dgm:linClrLst>
+    <dgm:effectClrLst/>
+    <dgm:txLinClrLst/>
+    <dgm:txFillClrLst/>
+    <dgm:txEffectClrLst/>
+  </dgm:styleLbl>
+  <dgm:styleLbl name="parChTrans2D3">
+    <dgm:fillClrLst meth="repeat">
+      <a:schemeClr val="accent6"/>
+    </dgm:fillClrLst>
+    <dgm:linClrLst meth="repeat">
+      <a:schemeClr val="lt1"/>
+    </dgm:linClrLst>
+    <dgm:effectClrLst/>
+    <dgm:txLinClrLst/>
+    <dgm:txFillClrLst/>
+    <dgm:txEffectClrLst/>
+  </dgm:styleLbl>
+  <dgm:styleLbl name="parChTrans2D4">
+    <dgm:fillClrLst meth="repeat">
+      <a:schemeClr val="accent1"/>
+    </dgm:fillClrLst>
+    <dgm:linClrLst meth="repeat">
+      <a:schemeClr val="lt1"/>
+    </dgm:linClrLst>
+    <dgm:effectClrLst/>
+    <dgm:txLinClrLst/>
+    <dgm:txFillClrLst meth="repeat">
+      <a:schemeClr val="lt1"/>
+    </dgm:txFillClrLst>
+    <dgm:txEffectClrLst/>
+  </dgm:styleLbl>
+  <dgm:styleLbl name="parChTrans1D1">
+    <dgm:fillClrLst meth="repeat">
+      <a:schemeClr val="accent5"/>
+    </dgm:fillClrLst>
+    <dgm:linClrLst meth="repeat">
+      <a:schemeClr val="accent5"/>
+    </dgm:linClrLst>
+    <dgm:effectClrLst/>
+    <dgm:txLinClrLst/>
+    <dgm:txFillClrLst meth="repeat">
+      <a:schemeClr val="tx1"/>
+    </dgm:txFillClrLst>
+    <dgm:txEffectClrLst/>
+  </dgm:styleLbl>
+  <dgm:styleLbl name="parChTrans1D2">
+    <dgm:fillClrLst meth="repeat">
+      <a:schemeClr val="accent6">
+        <a:tint val="90000"/>
+      </a:schemeClr>
+    </dgm:fillClrLst>
+    <dgm:linClrLst meth="repeat">
+      <a:schemeClr val="accent6"/>
+    </dgm:linClrLst>
+    <dgm:effectClrLst/>
+    <dgm:txLinClrLst/>
+    <dgm:txFillClrLst meth="repeat">
+      <a:schemeClr val="tx1"/>
+    </dgm:txFillClrLst>
+    <dgm:txEffectClrLst/>
+  </dgm:styleLbl>
+  <dgm:styleLbl name="parChTrans1D3">
+    <dgm:fillClrLst meth="repeat">
+      <a:schemeClr val="accent6">
+        <a:tint val="70000"/>
+      </a:schemeClr>
+    </dgm:fillClrLst>
+    <dgm:linClrLst meth="repeat">
+      <a:schemeClr val="accent1"/>
+    </dgm:linClrLst>
+    <dgm:effectClrLst/>
+    <dgm:txLinClrLst/>
+    <dgm:txFillClrLst meth="repeat">
+      <a:schemeClr val="tx1"/>
+    </dgm:txFillClrLst>
+    <dgm:txEffectClrLst/>
+  </dgm:styleLbl>
+  <dgm:styleLbl name="parChTrans1D4">
+    <dgm:fillClrLst meth="repeat">
+      <a:schemeClr val="accent6">
+        <a:tint val="50000"/>
+      </a:schemeClr>
+    </dgm:fillClrLst>
+    <dgm:linClrLst meth="repeat">
+      <a:schemeClr val="accent2"/>
+    </dgm:linClrLst>
+    <dgm:effectClrLst/>
+    <dgm:txLinClrLst/>
+    <dgm:txFillClrLst meth="repeat">
+      <a:schemeClr val="tx1"/>
+    </dgm:txFillClrLst>
+    <dgm:txEffectClrLst/>
+  </dgm:styleLbl>
+  <dgm:styleLbl name="fgAcc1">
+    <dgm:fillClrLst meth="repeat">
+      <a:schemeClr val="lt1">
+        <a:alpha val="90000"/>
+      </a:schemeClr>
+    </dgm:fillClrLst>
+    <dgm:linClrLst>
+      <a:schemeClr val="accent5"/>
+      <a:schemeClr val="accent6"/>
+    </dgm:linClrLst>
+    <dgm:effectClrLst/>
+    <dgm:txLinClrLst/>
+    <dgm:txFillClrLst meth="repeat">
+      <a:schemeClr val="dk1"/>
+    </dgm:txFillClrLst>
+    <dgm:txEffectClrLst/>
+  </dgm:styleLbl>
+  <dgm:styleLbl name="conFgAcc1">
+    <dgm:fillClrLst meth="repeat">
+      <a:schemeClr val="lt1">
+        <a:alpha val="90000"/>
+      </a:schemeClr>
+    </dgm:fillClrLst>
+    <dgm:linClrLst>
+      <a:schemeClr val="accent5"/>
+      <a:schemeClr val="accent6"/>
+    </dgm:linClrLst>
+    <dgm:effectClrLst/>
+    <dgm:txLinClrLst/>
+    <dgm:txFillClrLst meth="repeat">
+      <a:schemeClr val="dk1"/>
+    </dgm:txFillClrLst>
+    <dgm:txEffectClrLst/>
+  </dgm:styleLbl>
+  <dgm:styleLbl name="alignAcc1">
+    <dgm:fillClrLst meth="repeat">
+      <a:schemeClr val="lt1">
+        <a:alpha val="90000"/>
+      </a:schemeClr>
+    </dgm:fillClrLst>
+    <dgm:linClrLst>
+      <a:schemeClr val="accent5"/>
+      <a:schemeClr val="accent6"/>
+    </dgm:linClrLst>
+    <dgm:effectClrLst/>
+    <dgm:txLinClrLst/>
+    <dgm:txFillClrLst meth="repeat">
+      <a:schemeClr val="dk1"/>
+    </dgm:txFillClrLst>
+    <dgm:txEffectClrLst/>
+  </dgm:styleLbl>
+  <dgm:styleLbl name="trAlignAcc1">
+    <dgm:fillClrLst meth="repeat">
+      <a:schemeClr val="lt1">
+        <a:alpha val="40000"/>
+      </a:schemeClr>
+    </dgm:fillClrLst>
+    <dgm:linClrLst meth="repeat">
+      <a:schemeClr val="accent5"/>
+    </dgm:linClrLst>
+    <dgm:effectClrLst/>
+    <dgm:txLinClrLst/>
+    <dgm:txFillClrLst meth="repeat">
+      <a:schemeClr val="dk1"/>
+    </dgm:txFillClrLst>
+    <dgm:txEffectClrLst/>
+  </dgm:styleLbl>
+  <dgm:styleLbl name="bgAcc1">
+    <dgm:fillClrLst meth="repeat">
+      <a:schemeClr val="lt1">
+        <a:alpha val="90000"/>
+      </a:schemeClr>
+    </dgm:fillClrLst>
+    <dgm:linClrLst>
+      <a:schemeClr val="accent5"/>
+      <a:schemeClr val="accent6"/>
+    </dgm:linClrLst>
+    <dgm:effectClrLst/>
+    <dgm:txLinClrLst/>
+    <dgm:txFillClrLst meth="repeat">
+      <a:schemeClr val="dk1"/>
+    </dgm:txFillClrLst>
+    <dgm:txEffectClrLst/>
+  </dgm:styleLbl>
+  <dgm:styleLbl name="solidFgAcc1">
+    <dgm:fillClrLst meth="repeat">
+      <a:schemeClr val="lt1"/>
+    </dgm:fillClrLst>
+    <dgm:linClrLst>
+      <a:schemeClr val="accent5"/>
+      <a:schemeClr val="accent6"/>
+    </dgm:linClrLst>
+    <dgm:effectClrLst/>
+    <dgm:txLinClrLst/>
+    <dgm:txFillClrLst meth="repeat">
+      <a:schemeClr val="dk1"/>
+    </dgm:txFillClrLst>
+    <dgm:txEffectClrLst/>
+  </dgm:styleLbl>
+  <dgm:styleLbl name="solidAlignAcc1">
+    <dgm:fillClrLst meth="repeat">
+      <a:schemeClr val="lt1"/>
+    </dgm:fillClrLst>
+    <dgm:linClrLst>
+      <a:schemeClr val="accent5"/>
+      <a:schemeClr val="accent6"/>
+    </dgm:linClrLst>
+    <dgm:effectClrLst/>
+    <dgm:txLinClrLst/>
+    <dgm:txFillClrLst meth="repeat">
+      <a:schemeClr val="dk1"/>
+    </dgm:txFillClrLst>
+    <dgm:txEffectClrLst/>
+  </dgm:styleLbl>
+  <dgm:styleLbl name="solidBgAcc1">
+    <dgm:fillClrLst meth="repeat">
+      <a:schemeClr val="lt1"/>
+    </dgm:fillClrLst>
+    <dgm:linClrLst>
+      <a:schemeClr val="accent5"/>
+      <a:schemeClr val="accent6"/>
+    </dgm:linClrLst>
+    <dgm:effectClrLst/>
+    <dgm:txLinClrLst/>
+    <dgm:txFillClrLst meth="repeat">
+      <a:schemeClr val="dk1"/>
+    </dgm:txFillClrLst>
+    <dgm:txEffectClrLst/>
+  </dgm:styleLbl>
+  <dgm:styleLbl name="fgAccFollowNode1">
+    <dgm:fillClrLst>
+      <a:schemeClr val="accent5">
+        <a:tint val="40000"/>
+        <a:alpha val="90000"/>
+      </a:schemeClr>
+      <a:schemeClr val="accent6">
+        <a:tint val="40000"/>
+        <a:alpha val="90000"/>
+      </a:schemeClr>
+    </dgm:fillClrLst>
+    <dgm:linClrLst>
+      <a:schemeClr val="accent5">
+        <a:tint val="40000"/>
+        <a:alpha val="90000"/>
+      </a:schemeClr>
+      <a:schemeClr val="accent5">
+        <a:tint val="40000"/>
+        <a:alpha val="90000"/>
+      </a:schemeClr>
+    </dgm:linClrLst>
+    <dgm:effectClrLst/>
+    <dgm:txLinClrLst/>
+    <dgm:txFillClrLst meth="repeat">
+      <a:schemeClr val="dk1"/>
+    </dgm:txFillClrLst>
+    <dgm:txEffectClrLst/>
+  </dgm:styleLbl>
+  <dgm:styleLbl name="alignAccFollowNode1">
+    <dgm:fillClrLst>
+      <a:schemeClr val="accent5">
+        <a:tint val="40000"/>
+        <a:alpha val="90000"/>
+      </a:schemeClr>
+      <a:schemeClr val="accent6">
+        <a:tint val="40000"/>
+        <a:alpha val="90000"/>
+      </a:schemeClr>
+    </dgm:fillClrLst>
+    <dgm:linClrLst>
+      <a:schemeClr val="accent5">
+        <a:tint val="40000"/>
+        <a:alpha val="90000"/>
+      </a:schemeClr>
+      <a:schemeClr val="accent6">
+        <a:tint val="40000"/>
+        <a:alpha val="90000"/>
+      </a:schemeClr>
+    </dgm:linClrLst>
+    <dgm:effectClrLst/>
+    <dgm:txLinClrLst/>
+    <dgm:txFillClrLst meth="repeat">
+      <a:schemeClr val="dk1"/>
+    </dgm:txFillClrLst>
+    <dgm:txEffectClrLst/>
+  </dgm:styleLbl>
+  <dgm:styleLbl name="bgAccFollowNode1">
+    <dgm:fillClrLst>
+      <a:schemeClr val="accent5">
+        <a:tint val="40000"/>
+        <a:alpha val="90000"/>
+      </a:schemeClr>
+      <a:schemeClr val="accent6">
+        <a:tint val="40000"/>
+        <a:alpha val="90000"/>
+      </a:schemeClr>
+    </dgm:fillClrLst>
+    <dgm:linClrLst>
+      <a:schemeClr val="accent5">
+        <a:tint val="40000"/>
+        <a:alpha val="90000"/>
+      </a:schemeClr>
+      <a:schemeClr val="accent6">
+        <a:tint val="40000"/>
+        <a:alpha val="90000"/>
+      </a:schemeClr>
+    </dgm:linClrLst>
+    <dgm:effectClrLst/>
+    <dgm:txLinClrLst/>
+    <dgm:txFillClrLst meth="repeat">
+      <a:schemeClr val="dk1"/>
+    </dgm:txFillClrLst>
+    <dgm:txEffectClrLst/>
+  </dgm:styleLbl>
+  <dgm:styleLbl name="fgAcc0">
+    <dgm:fillClrLst meth="repeat">
+      <a:schemeClr val="lt1">
+        <a:alpha val="90000"/>
+      </a:schemeClr>
+    </dgm:fillClrLst>
+    <dgm:linClrLst>
+      <a:schemeClr val="accent4"/>
+    </dgm:linClrLst>
+    <dgm:effectClrLst/>
+    <dgm:txLinClrLst/>
+    <dgm:txFillClrLst meth="repeat">
+      <a:schemeClr val="dk1"/>
+    </dgm:txFillClrLst>
+    <dgm:txEffectClrLst/>
+  </dgm:styleLbl>
+  <dgm:styleLbl name="fgAcc2">
+    <dgm:fillClrLst meth="repeat">
+      <a:schemeClr val="lt1">
+        <a:alpha val="90000"/>
+      </a:schemeClr>
+    </dgm:fillClrLst>
+    <dgm:linClrLst>
+      <a:schemeClr val="accent6"/>
+    </dgm:linClrLst>
+    <dgm:effectClrLst/>
+    <dgm:txLinClrLst/>
+    <dgm:txFillClrLst meth="repeat">
+      <a:schemeClr val="dk1"/>
+    </dgm:txFillClrLst>
+    <dgm:txEffectClrLst/>
+  </dgm:styleLbl>
+  <dgm:styleLbl name="fgAcc3">
+    <dgm:fillClrLst meth="repeat">
+      <a:schemeClr val="lt1">
+        <a:alpha val="90000"/>
+      </a:schemeClr>
+    </dgm:fillClrLst>
+    <dgm:linClrLst>
+      <a:schemeClr val="accent1"/>
+    </dgm:linClrLst>
+    <dgm:effectClrLst/>
+    <dgm:txLinClrLst/>
+    <dgm:txFillClrLst meth="repeat">
+      <a:schemeClr val="dk1"/>
+    </dgm:txFillClrLst>
+    <dgm:txEffectClrLst/>
+  </dgm:styleLbl>
+  <dgm:styleLbl name="fgAcc4">
+    <dgm:fillClrLst meth="repeat">
+      <a:schemeClr val="lt1">
+        <a:alpha val="90000"/>
+      </a:schemeClr>
+    </dgm:fillClrLst>
+    <dgm:linClrLst>
+      <a:schemeClr val="accent2"/>
+    </dgm:linClrLst>
+    <dgm:effectClrLst/>
+    <dgm:txLinClrLst/>
+    <dgm:txFillClrLst meth="repeat">
+      <a:schemeClr val="dk1"/>
+    </dgm:txFillClrLst>
+    <dgm:txEffectClrLst/>
+  </dgm:styleLbl>
+  <dgm:styleLbl name="bgShp">
+    <dgm:fillClrLst meth="repeat">
+      <a:schemeClr val="accent5">
+        <a:tint val="40000"/>
+      </a:schemeClr>
+    </dgm:fillClrLst>
+    <dgm:linClrLst meth="repeat">
+      <a:schemeClr val="dk1"/>
+    </dgm:linClrLst>
+    <dgm:effectClrLst/>
+    <dgm:txLinClrLst/>
+    <dgm:txFillClrLst meth="repeat">
+      <a:schemeClr val="dk1"/>
+    </dgm:txFillClrLst>
+    <dgm:txEffectClrLst/>
+  </dgm:styleLbl>
+  <dgm:styleLbl name="dkBgShp">
+    <dgm:fillClrLst meth="repeat">
+      <a:schemeClr val="accent5">
+        <a:shade val="90000"/>
+      </a:schemeClr>
+    </dgm:fillClrLst>
+    <dgm:linClrLst meth="repeat">
+      <a:schemeClr val="dk1"/>
+    </dgm:linClrLst>
+    <dgm:effectClrLst/>
+    <dgm:txLinClrLst/>
+    <dgm:txFillClrLst meth="repeat">
+      <a:schemeClr val="lt1"/>
+    </dgm:txFillClrLst>
+    <dgm:txEffectClrLst/>
+  </dgm:styleLbl>
+  <dgm:styleLbl name="trBgShp">
+    <dgm:fillClrLst meth="repeat">
+      <a:schemeClr val="accent5">
+        <a:tint val="50000"/>
+        <a:alpha val="40000"/>
+      </a:schemeClr>
+    </dgm:fillClrLst>
+    <dgm:linClrLst meth="repeat">
+      <a:schemeClr val="accent5"/>
+    </dgm:linClrLst>
+    <dgm:effectClrLst/>
+    <dgm:txLinClrLst/>
+    <dgm:txFillClrLst meth="repeat">
+      <a:schemeClr val="lt1"/>
+    </dgm:txFillClrLst>
+    <dgm:txEffectClrLst/>
+  </dgm:styleLbl>
+  <dgm:styleLbl name="fgShp">
+    <dgm:fillClrLst meth="repeat">
+      <a:schemeClr val="accent5">
+        <a:tint val="40000"/>
+      </a:schemeClr>
+    </dgm:fillClrLst>
+    <dgm:linClrLst meth="repeat">
+      <a:schemeClr val="lt1"/>
+    </dgm:linClrLst>
+    <dgm:effectClrLst/>
+    <dgm:txLinClrLst/>
+    <dgm:txFillClrLst meth="repeat">
+      <a:schemeClr val="dk1"/>
+    </dgm:txFillClrLst>
+    <dgm:txEffectClrLst/>
+  </dgm:styleLbl>
+  <dgm:styleLbl name="revTx">
+    <dgm:fillClrLst meth="repeat">
+      <a:schemeClr val="lt1">
+        <a:alpha val="0"/>
+      </a:schemeClr>
+    </dgm:fillClrLst>
+    <dgm:linClrLst meth="repeat">
+      <a:schemeClr val="dk1">
+        <a:alpha val="0"/>
+      </a:schemeClr>
+    </dgm:linClrLst>
+    <dgm:effectClrLst/>
+    <dgm:txLinClrLst/>
+    <dgm:txFillClrLst meth="repeat">
+      <a:schemeClr val="tx1"/>
+    </dgm:txFillClrLst>
+    <dgm:txEffectClrLst/>
+  </dgm:styleLbl>
+</dgm:colorsDef>
+</file>
+
+<file path=ppt/diagrams/data1.xml><?xml version="1.0" encoding="utf-8"?>
+<dgm:dataModel xmlns:dgm="http://schemas.openxmlformats.org/drawingml/2006/diagram" xmlns:a="http://schemas.openxmlformats.org/drawingml/2006/main">
+  <dgm:ptLst>
+    <dgm:pt modelId="{01CBCA3D-75A0-48E7-B1C5-D27EBE9A13C0}" type="doc">
+      <dgm:prSet loTypeId="urn:microsoft.com/office/officeart/2005/8/layout/hProcess11" loCatId="process" qsTypeId="urn:microsoft.com/office/officeart/2005/8/quickstyle/simple1" qsCatId="simple" csTypeId="urn:microsoft.com/office/officeart/2005/8/colors/colorful5" csCatId="colorful" phldr="1"/>
+      <dgm:spPr/>
+    </dgm:pt>
+    <dgm:pt modelId="{5EF80E06-3F37-4A54-AB3E-25E30C2FFFFD}">
+      <dgm:prSet phldrT="[文字]" custT="1"/>
+      <dgm:spPr/>
+      <dgm:t>
+        <a:bodyPr/>
+        <a:lstStyle/>
+        <a:p>
+          <a:r>
+            <a:rPr lang="zh-TW" altLang="en-US" sz="1800" b="1" dirty="0" smtClean="0"/>
+            <a:t>列出詞庫</a:t>
+          </a:r>
+          <a:endParaRPr lang="zh-TW" altLang="en-US" sz="1800" b="1" dirty="0"/>
+        </a:p>
+      </dgm:t>
+    </dgm:pt>
+    <dgm:pt modelId="{9ACBFA41-F429-4825-8E7F-D0F155A8AE70}" type="parTrans" cxnId="{63DB38BB-B634-4530-8185-937ACD02E56E}">
+      <dgm:prSet/>
+      <dgm:spPr/>
+      <dgm:t>
+        <a:bodyPr/>
+        <a:lstStyle/>
+        <a:p>
+          <a:endParaRPr lang="zh-TW" altLang="en-US" sz="1800" b="1"/>
+        </a:p>
+      </dgm:t>
+    </dgm:pt>
+    <dgm:pt modelId="{BED66986-35E0-49D4-AC25-4F0E48A7F418}" type="sibTrans" cxnId="{63DB38BB-B634-4530-8185-937ACD02E56E}">
+      <dgm:prSet/>
+      <dgm:spPr/>
+      <dgm:t>
+        <a:bodyPr/>
+        <a:lstStyle/>
+        <a:p>
+          <a:endParaRPr lang="zh-TW" altLang="en-US" sz="1800" b="1"/>
+        </a:p>
+      </dgm:t>
+    </dgm:pt>
+    <dgm:pt modelId="{A4A2DA8C-2144-4381-9263-7726CA11C67E}">
+      <dgm:prSet phldrT="[文字]" custT="1"/>
+      <dgm:spPr/>
+      <dgm:t>
+        <a:bodyPr/>
+        <a:lstStyle/>
+        <a:p>
+          <a:r>
+            <a:rPr lang="zh-TW" altLang="en-US" sz="1800" b="1" dirty="0" smtClean="0"/>
+            <a:t>對單字做替換</a:t>
+          </a:r>
+          <a:endParaRPr lang="zh-TW" altLang="en-US" sz="1800" b="1" dirty="0"/>
+        </a:p>
+      </dgm:t>
+    </dgm:pt>
+    <dgm:pt modelId="{3153513E-391B-4A35-A1B6-0EE9785EF76A}" type="parTrans" cxnId="{7BD630F5-B3AC-4C8A-890E-763EED949657}">
+      <dgm:prSet/>
+      <dgm:spPr/>
+      <dgm:t>
+        <a:bodyPr/>
+        <a:lstStyle/>
+        <a:p>
+          <a:endParaRPr lang="zh-TW" altLang="en-US" sz="1800" b="1"/>
+        </a:p>
+      </dgm:t>
+    </dgm:pt>
+    <dgm:pt modelId="{AEBFB6D4-E70D-4D32-A807-492B4F283A42}" type="sibTrans" cxnId="{7BD630F5-B3AC-4C8A-890E-763EED949657}">
+      <dgm:prSet/>
+      <dgm:spPr/>
+      <dgm:t>
+        <a:bodyPr/>
+        <a:lstStyle/>
+        <a:p>
+          <a:endParaRPr lang="zh-TW" altLang="en-US" sz="1800" b="1"/>
+        </a:p>
+      </dgm:t>
+    </dgm:pt>
+    <dgm:pt modelId="{CE225536-8C30-4604-AD1A-5595CDE89124}">
+      <dgm:prSet phldrT="[文字]" custT="1"/>
+      <dgm:spPr/>
+      <dgm:t>
+        <a:bodyPr/>
+        <a:lstStyle/>
+        <a:p>
+          <a:r>
+            <a:rPr lang="zh-TW" altLang="en-US" sz="1800" b="1" dirty="0" smtClean="0"/>
+            <a:t>在</a:t>
+          </a:r>
+          <a:r>
+            <a:rPr lang="en-US" altLang="zh-TW" sz="1800" b="1" dirty="0" smtClean="0"/>
+            <a:t>“</a:t>
+          </a:r>
+          <a:r>
+            <a:rPr lang="zh-TW" altLang="en-US" sz="1800" b="1" dirty="0" smtClean="0"/>
+            <a:t>詞</a:t>
+          </a:r>
+          <a:r>
+            <a:rPr lang="en-US" altLang="zh-TW" sz="1800" b="1" dirty="0" smtClean="0"/>
+            <a:t>”</a:t>
+          </a:r>
+          <a:r>
+            <a:rPr lang="zh-TW" altLang="en-US" sz="1800" b="1" dirty="0" smtClean="0"/>
+            <a:t>旁邊加註</a:t>
+          </a:r>
+          <a:endParaRPr lang="zh-TW" altLang="en-US" sz="1800" b="1" dirty="0"/>
+        </a:p>
+      </dgm:t>
+    </dgm:pt>
+    <dgm:pt modelId="{CEE6D637-CFB2-42E1-A3A1-003A3B963279}" type="parTrans" cxnId="{58AB0B6D-5411-427C-9CC2-ADFF35376B69}">
+      <dgm:prSet/>
+      <dgm:spPr/>
+      <dgm:t>
+        <a:bodyPr/>
+        <a:lstStyle/>
+        <a:p>
+          <a:endParaRPr lang="zh-TW" altLang="en-US" sz="1800" b="1"/>
+        </a:p>
+      </dgm:t>
+    </dgm:pt>
+    <dgm:pt modelId="{0CC49132-7F95-48C1-BF12-FBFB149435F4}" type="sibTrans" cxnId="{58AB0B6D-5411-427C-9CC2-ADFF35376B69}">
+      <dgm:prSet/>
+      <dgm:spPr/>
+      <dgm:t>
+        <a:bodyPr/>
+        <a:lstStyle/>
+        <a:p>
+          <a:endParaRPr lang="zh-TW" altLang="en-US" sz="1800" b="1"/>
+        </a:p>
+      </dgm:t>
+    </dgm:pt>
+    <dgm:pt modelId="{3A13CEC1-F6B6-4807-A591-1F9860AE1924}">
+      <dgm:prSet phldrT="[文字]" custT="1"/>
+      <dgm:spPr/>
+      <dgm:t>
+        <a:bodyPr/>
+        <a:lstStyle/>
+        <a:p>
+          <a:r>
+            <a:rPr lang="zh-TW" altLang="en-US" sz="1800" b="1" dirty="0" smtClean="0"/>
+            <a:t>將註解加在最尾端</a:t>
+          </a:r>
+          <a:endParaRPr lang="zh-TW" altLang="en-US" sz="1800" b="1" dirty="0"/>
+        </a:p>
+      </dgm:t>
+    </dgm:pt>
+    <dgm:pt modelId="{12BC983E-4081-4BC2-A44C-DDE4C14C70CB}" type="parTrans" cxnId="{A2061D70-9805-492F-B8CE-303ACB0559D4}">
+      <dgm:prSet/>
+      <dgm:spPr/>
+      <dgm:t>
+        <a:bodyPr/>
+        <a:lstStyle/>
+        <a:p>
+          <a:endParaRPr lang="zh-TW" altLang="en-US" sz="1800" b="1"/>
+        </a:p>
+      </dgm:t>
+    </dgm:pt>
+    <dgm:pt modelId="{316A94E0-585B-45E0-85D4-9666F959E048}" type="sibTrans" cxnId="{A2061D70-9805-492F-B8CE-303ACB0559D4}">
+      <dgm:prSet/>
+      <dgm:spPr/>
+      <dgm:t>
+        <a:bodyPr/>
+        <a:lstStyle/>
+        <a:p>
+          <a:endParaRPr lang="zh-TW" altLang="en-US" sz="1800" b="1"/>
+        </a:p>
+      </dgm:t>
+    </dgm:pt>
+    <dgm:pt modelId="{1CFA76B3-8E68-4B4E-BFB9-93735D9BEFC7}" type="pres">
+      <dgm:prSet presAssocID="{01CBCA3D-75A0-48E7-B1C5-D27EBE9A13C0}" presName="Name0" presStyleCnt="0">
+        <dgm:presLayoutVars>
+          <dgm:dir/>
+          <dgm:resizeHandles val="exact"/>
+        </dgm:presLayoutVars>
+      </dgm:prSet>
+      <dgm:spPr/>
+    </dgm:pt>
+    <dgm:pt modelId="{95E31353-052D-46FA-9513-F181E9969B28}" type="pres">
+      <dgm:prSet presAssocID="{01CBCA3D-75A0-48E7-B1C5-D27EBE9A13C0}" presName="arrow" presStyleLbl="bgShp" presStyleIdx="0" presStyleCnt="1"/>
+      <dgm:spPr/>
+    </dgm:pt>
+    <dgm:pt modelId="{040EE4BB-5245-4B55-A880-99CD0EDBBF33}" type="pres">
+      <dgm:prSet presAssocID="{01CBCA3D-75A0-48E7-B1C5-D27EBE9A13C0}" presName="points" presStyleCnt="0"/>
+      <dgm:spPr/>
+    </dgm:pt>
+    <dgm:pt modelId="{354556A1-DB19-411E-BA22-82DA5573EB1D}" type="pres">
+      <dgm:prSet presAssocID="{5EF80E06-3F37-4A54-AB3E-25E30C2FFFFD}" presName="compositeA" presStyleCnt="0"/>
+      <dgm:spPr/>
+    </dgm:pt>
+    <dgm:pt modelId="{06CC1992-813D-47B0-85D7-0B2B31DE7958}" type="pres">
+      <dgm:prSet presAssocID="{5EF80E06-3F37-4A54-AB3E-25E30C2FFFFD}" presName="textA" presStyleLbl="revTx" presStyleIdx="0" presStyleCnt="4">
+        <dgm:presLayoutVars>
+          <dgm:bulletEnabled val="1"/>
+        </dgm:presLayoutVars>
+      </dgm:prSet>
+      <dgm:spPr/>
+      <dgm:t>
+        <a:bodyPr/>
+        <a:lstStyle/>
+        <a:p>
+          <a:endParaRPr lang="zh-TW" altLang="en-US"/>
+        </a:p>
+      </dgm:t>
+    </dgm:pt>
+    <dgm:pt modelId="{5192E7F4-4F42-45DB-9754-793A5CEE1EB4}" type="pres">
+      <dgm:prSet presAssocID="{5EF80E06-3F37-4A54-AB3E-25E30C2FFFFD}" presName="circleA" presStyleLbl="node1" presStyleIdx="0" presStyleCnt="4"/>
+      <dgm:spPr/>
+    </dgm:pt>
+    <dgm:pt modelId="{6D9CB3FD-540B-4A53-B96E-48A4343741F9}" type="pres">
+      <dgm:prSet presAssocID="{5EF80E06-3F37-4A54-AB3E-25E30C2FFFFD}" presName="spaceA" presStyleCnt="0"/>
+      <dgm:spPr/>
+    </dgm:pt>
+    <dgm:pt modelId="{03380B75-B1C9-47CB-905B-30A8938E91AD}" type="pres">
+      <dgm:prSet presAssocID="{BED66986-35E0-49D4-AC25-4F0E48A7F418}" presName="space" presStyleCnt="0"/>
+      <dgm:spPr/>
+    </dgm:pt>
+    <dgm:pt modelId="{7C211524-C14F-48C5-9718-77C82DB57B3E}" type="pres">
+      <dgm:prSet presAssocID="{A4A2DA8C-2144-4381-9263-7726CA11C67E}" presName="compositeB" presStyleCnt="0"/>
+      <dgm:spPr/>
+    </dgm:pt>
+    <dgm:pt modelId="{A4E49664-0B12-4A32-AF00-BB2DA0323478}" type="pres">
+      <dgm:prSet presAssocID="{A4A2DA8C-2144-4381-9263-7726CA11C67E}" presName="textB" presStyleLbl="revTx" presStyleIdx="1" presStyleCnt="4">
+        <dgm:presLayoutVars>
+          <dgm:bulletEnabled val="1"/>
+        </dgm:presLayoutVars>
+      </dgm:prSet>
+      <dgm:spPr/>
+      <dgm:t>
+        <a:bodyPr/>
+        <a:lstStyle/>
+        <a:p>
+          <a:endParaRPr lang="zh-TW" altLang="en-US"/>
+        </a:p>
+      </dgm:t>
+    </dgm:pt>
+    <dgm:pt modelId="{A30E9D1B-8A33-496E-ABAC-68AE7BBA98A8}" type="pres">
+      <dgm:prSet presAssocID="{A4A2DA8C-2144-4381-9263-7726CA11C67E}" presName="circleB" presStyleLbl="node1" presStyleIdx="1" presStyleCnt="4"/>
+      <dgm:spPr/>
+    </dgm:pt>
+    <dgm:pt modelId="{8BBE3565-3333-4CC2-A50C-B14D048DF395}" type="pres">
+      <dgm:prSet presAssocID="{A4A2DA8C-2144-4381-9263-7726CA11C67E}" presName="spaceB" presStyleCnt="0"/>
+      <dgm:spPr/>
+    </dgm:pt>
+    <dgm:pt modelId="{8998B19B-67DA-425E-A7D8-5A42573B1B57}" type="pres">
+      <dgm:prSet presAssocID="{AEBFB6D4-E70D-4D32-A807-492B4F283A42}" presName="space" presStyleCnt="0"/>
+      <dgm:spPr/>
+    </dgm:pt>
+    <dgm:pt modelId="{04F94738-3FF1-42B1-84FA-8514F777D33F}" type="pres">
+      <dgm:prSet presAssocID="{CE225536-8C30-4604-AD1A-5595CDE89124}" presName="compositeA" presStyleCnt="0"/>
+      <dgm:spPr/>
+    </dgm:pt>
+    <dgm:pt modelId="{454B4484-95AA-465F-B247-6702B2A41197}" type="pres">
+      <dgm:prSet presAssocID="{CE225536-8C30-4604-AD1A-5595CDE89124}" presName="textA" presStyleLbl="revTx" presStyleIdx="2" presStyleCnt="4">
+        <dgm:presLayoutVars>
+          <dgm:bulletEnabled val="1"/>
+        </dgm:presLayoutVars>
+      </dgm:prSet>
+      <dgm:spPr/>
+      <dgm:t>
+        <a:bodyPr/>
+        <a:lstStyle/>
+        <a:p>
+          <a:endParaRPr lang="zh-TW" altLang="en-US"/>
+        </a:p>
+      </dgm:t>
+    </dgm:pt>
+    <dgm:pt modelId="{3F15A811-7937-415B-BB30-76EE23A943C4}" type="pres">
+      <dgm:prSet presAssocID="{CE225536-8C30-4604-AD1A-5595CDE89124}" presName="circleA" presStyleLbl="node1" presStyleIdx="2" presStyleCnt="4"/>
+      <dgm:spPr/>
+    </dgm:pt>
+    <dgm:pt modelId="{AC269E60-7860-4796-8851-47977FAD5015}" type="pres">
+      <dgm:prSet presAssocID="{CE225536-8C30-4604-AD1A-5595CDE89124}" presName="spaceA" presStyleCnt="0"/>
+      <dgm:spPr/>
+    </dgm:pt>
+    <dgm:pt modelId="{782F74B8-A78B-49FC-84AE-793565A082B7}" type="pres">
+      <dgm:prSet presAssocID="{0CC49132-7F95-48C1-BF12-FBFB149435F4}" presName="space" presStyleCnt="0"/>
+      <dgm:spPr/>
+    </dgm:pt>
+    <dgm:pt modelId="{EBFC2563-489B-4E1F-9044-1A0EB278314C}" type="pres">
+      <dgm:prSet presAssocID="{3A13CEC1-F6B6-4807-A591-1F9860AE1924}" presName="compositeB" presStyleCnt="0"/>
+      <dgm:spPr/>
+    </dgm:pt>
+    <dgm:pt modelId="{A18F8819-E691-41C1-A33D-5C78BC303E25}" type="pres">
+      <dgm:prSet presAssocID="{3A13CEC1-F6B6-4807-A591-1F9860AE1924}" presName="textB" presStyleLbl="revTx" presStyleIdx="3" presStyleCnt="4">
+        <dgm:presLayoutVars>
+          <dgm:bulletEnabled val="1"/>
+        </dgm:presLayoutVars>
+      </dgm:prSet>
+      <dgm:spPr/>
+      <dgm:t>
+        <a:bodyPr/>
+        <a:lstStyle/>
+        <a:p>
+          <a:endParaRPr lang="zh-TW" altLang="en-US"/>
+        </a:p>
+      </dgm:t>
+    </dgm:pt>
+    <dgm:pt modelId="{08CCCDB8-5CDD-4963-AAE9-134B06325BE3}" type="pres">
+      <dgm:prSet presAssocID="{3A13CEC1-F6B6-4807-A591-1F9860AE1924}" presName="circleB" presStyleLbl="node1" presStyleIdx="3" presStyleCnt="4"/>
+      <dgm:spPr/>
+    </dgm:pt>
+    <dgm:pt modelId="{58E1BAD9-93E2-4975-AFB1-DD58E8848F91}" type="pres">
+      <dgm:prSet presAssocID="{3A13CEC1-F6B6-4807-A591-1F9860AE1924}" presName="spaceB" presStyleCnt="0"/>
+      <dgm:spPr/>
+    </dgm:pt>
+  </dgm:ptLst>
+  <dgm:cxnLst>
+    <dgm:cxn modelId="{0DA5FDAF-186E-444C-A23B-3F3805F6F0DF}" type="presOf" srcId="{3A13CEC1-F6B6-4807-A591-1F9860AE1924}" destId="{A18F8819-E691-41C1-A33D-5C78BC303E25}" srcOrd="0" destOrd="0" presId="urn:microsoft.com/office/officeart/2005/8/layout/hProcess11"/>
+    <dgm:cxn modelId="{7BD630F5-B3AC-4C8A-890E-763EED949657}" srcId="{01CBCA3D-75A0-48E7-B1C5-D27EBE9A13C0}" destId="{A4A2DA8C-2144-4381-9263-7726CA11C67E}" srcOrd="1" destOrd="0" parTransId="{3153513E-391B-4A35-A1B6-0EE9785EF76A}" sibTransId="{AEBFB6D4-E70D-4D32-A807-492B4F283A42}"/>
+    <dgm:cxn modelId="{68BD2785-40F2-411F-97CC-55CC91AAD335}" type="presOf" srcId="{5EF80E06-3F37-4A54-AB3E-25E30C2FFFFD}" destId="{06CC1992-813D-47B0-85D7-0B2B31DE7958}" srcOrd="0" destOrd="0" presId="urn:microsoft.com/office/officeart/2005/8/layout/hProcess11"/>
+    <dgm:cxn modelId="{58AB0B6D-5411-427C-9CC2-ADFF35376B69}" srcId="{01CBCA3D-75A0-48E7-B1C5-D27EBE9A13C0}" destId="{CE225536-8C30-4604-AD1A-5595CDE89124}" srcOrd="2" destOrd="0" parTransId="{CEE6D637-CFB2-42E1-A3A1-003A3B963279}" sibTransId="{0CC49132-7F95-48C1-BF12-FBFB149435F4}"/>
+    <dgm:cxn modelId="{36674560-1D75-4A1E-B722-AD2FC084212B}" type="presOf" srcId="{CE225536-8C30-4604-AD1A-5595CDE89124}" destId="{454B4484-95AA-465F-B247-6702B2A41197}" srcOrd="0" destOrd="0" presId="urn:microsoft.com/office/officeart/2005/8/layout/hProcess11"/>
+    <dgm:cxn modelId="{A2061D70-9805-492F-B8CE-303ACB0559D4}" srcId="{01CBCA3D-75A0-48E7-B1C5-D27EBE9A13C0}" destId="{3A13CEC1-F6B6-4807-A591-1F9860AE1924}" srcOrd="3" destOrd="0" parTransId="{12BC983E-4081-4BC2-A44C-DDE4C14C70CB}" sibTransId="{316A94E0-585B-45E0-85D4-9666F959E048}"/>
+    <dgm:cxn modelId="{63DB38BB-B634-4530-8185-937ACD02E56E}" srcId="{01CBCA3D-75A0-48E7-B1C5-D27EBE9A13C0}" destId="{5EF80E06-3F37-4A54-AB3E-25E30C2FFFFD}" srcOrd="0" destOrd="0" parTransId="{9ACBFA41-F429-4825-8E7F-D0F155A8AE70}" sibTransId="{BED66986-35E0-49D4-AC25-4F0E48A7F418}"/>
+    <dgm:cxn modelId="{C05FC6AC-D039-4CF3-8EB2-19C571938FF6}" type="presOf" srcId="{A4A2DA8C-2144-4381-9263-7726CA11C67E}" destId="{A4E49664-0B12-4A32-AF00-BB2DA0323478}" srcOrd="0" destOrd="0" presId="urn:microsoft.com/office/officeart/2005/8/layout/hProcess11"/>
+    <dgm:cxn modelId="{2F1B74C5-D400-4FE3-AB73-2CDCE00BBE04}" type="presOf" srcId="{01CBCA3D-75A0-48E7-B1C5-D27EBE9A13C0}" destId="{1CFA76B3-8E68-4B4E-BFB9-93735D9BEFC7}" srcOrd="0" destOrd="0" presId="urn:microsoft.com/office/officeart/2005/8/layout/hProcess11"/>
+    <dgm:cxn modelId="{1313D7BC-9513-4EF6-9794-06D1162053C1}" type="presParOf" srcId="{1CFA76B3-8E68-4B4E-BFB9-93735D9BEFC7}" destId="{95E31353-052D-46FA-9513-F181E9969B28}" srcOrd="0" destOrd="0" presId="urn:microsoft.com/office/officeart/2005/8/layout/hProcess11"/>
+    <dgm:cxn modelId="{335F969C-A4DF-47B9-92AD-86E84DFFF75F}" type="presParOf" srcId="{1CFA76B3-8E68-4B4E-BFB9-93735D9BEFC7}" destId="{040EE4BB-5245-4B55-A880-99CD0EDBBF33}" srcOrd="1" destOrd="0" presId="urn:microsoft.com/office/officeart/2005/8/layout/hProcess11"/>
+    <dgm:cxn modelId="{6F6C34B1-7D32-4E36-ACFB-C3837321FE3B}" type="presParOf" srcId="{040EE4BB-5245-4B55-A880-99CD0EDBBF33}" destId="{354556A1-DB19-411E-BA22-82DA5573EB1D}" srcOrd="0" destOrd="0" presId="urn:microsoft.com/office/officeart/2005/8/layout/hProcess11"/>
+    <dgm:cxn modelId="{10EA8EE7-EA83-4EEA-AF9D-07EB3E911A49}" type="presParOf" srcId="{354556A1-DB19-411E-BA22-82DA5573EB1D}" destId="{06CC1992-813D-47B0-85D7-0B2B31DE7958}" srcOrd="0" destOrd="0" presId="urn:microsoft.com/office/officeart/2005/8/layout/hProcess11"/>
+    <dgm:cxn modelId="{55DCF5BE-0BFB-40F6-99B2-A599266F6FED}" type="presParOf" srcId="{354556A1-DB19-411E-BA22-82DA5573EB1D}" destId="{5192E7F4-4F42-45DB-9754-793A5CEE1EB4}" srcOrd="1" destOrd="0" presId="urn:microsoft.com/office/officeart/2005/8/layout/hProcess11"/>
+    <dgm:cxn modelId="{A4C52547-CC43-4D87-9A06-9F4EFCD21E07}" type="presParOf" srcId="{354556A1-DB19-411E-BA22-82DA5573EB1D}" destId="{6D9CB3FD-540B-4A53-B96E-48A4343741F9}" srcOrd="2" destOrd="0" presId="urn:microsoft.com/office/officeart/2005/8/layout/hProcess11"/>
+    <dgm:cxn modelId="{D27B7170-7DAC-40DA-8869-CC5D42822A25}" type="presParOf" srcId="{040EE4BB-5245-4B55-A880-99CD0EDBBF33}" destId="{03380B75-B1C9-47CB-905B-30A8938E91AD}" srcOrd="1" destOrd="0" presId="urn:microsoft.com/office/officeart/2005/8/layout/hProcess11"/>
+    <dgm:cxn modelId="{FBC114E2-B841-4C6B-AE6E-9334441F9917}" type="presParOf" srcId="{040EE4BB-5245-4B55-A880-99CD0EDBBF33}" destId="{7C211524-C14F-48C5-9718-77C82DB57B3E}" srcOrd="2" destOrd="0" presId="urn:microsoft.com/office/officeart/2005/8/layout/hProcess11"/>
+    <dgm:cxn modelId="{62FA2526-8F86-4B2C-992E-918917CB17CA}" type="presParOf" srcId="{7C211524-C14F-48C5-9718-77C82DB57B3E}" destId="{A4E49664-0B12-4A32-AF00-BB2DA0323478}" srcOrd="0" destOrd="0" presId="urn:microsoft.com/office/officeart/2005/8/layout/hProcess11"/>
+    <dgm:cxn modelId="{783E296E-F1D2-468A-A166-C9FE68EC0627}" type="presParOf" srcId="{7C211524-C14F-48C5-9718-77C82DB57B3E}" destId="{A30E9D1B-8A33-496E-ABAC-68AE7BBA98A8}" srcOrd="1" destOrd="0" presId="urn:microsoft.com/office/officeart/2005/8/layout/hProcess11"/>
+    <dgm:cxn modelId="{07DE1BBC-A1C3-4A8A-B0C2-1C3CEAF68216}" type="presParOf" srcId="{7C211524-C14F-48C5-9718-77C82DB57B3E}" destId="{8BBE3565-3333-4CC2-A50C-B14D048DF395}" srcOrd="2" destOrd="0" presId="urn:microsoft.com/office/officeart/2005/8/layout/hProcess11"/>
+    <dgm:cxn modelId="{9A1EA6A2-C1E7-43AF-9443-54BAF0E6BCDA}" type="presParOf" srcId="{040EE4BB-5245-4B55-A880-99CD0EDBBF33}" destId="{8998B19B-67DA-425E-A7D8-5A42573B1B57}" srcOrd="3" destOrd="0" presId="urn:microsoft.com/office/officeart/2005/8/layout/hProcess11"/>
+    <dgm:cxn modelId="{5ED6B489-2785-442D-80D1-F008639CBF81}" type="presParOf" srcId="{040EE4BB-5245-4B55-A880-99CD0EDBBF33}" destId="{04F94738-3FF1-42B1-84FA-8514F777D33F}" srcOrd="4" destOrd="0" presId="urn:microsoft.com/office/officeart/2005/8/layout/hProcess11"/>
+    <dgm:cxn modelId="{0CC983B9-06C8-49C4-9400-E5A03AC4B460}" type="presParOf" srcId="{04F94738-3FF1-42B1-84FA-8514F777D33F}" destId="{454B4484-95AA-465F-B247-6702B2A41197}" srcOrd="0" destOrd="0" presId="urn:microsoft.com/office/officeart/2005/8/layout/hProcess11"/>
+    <dgm:cxn modelId="{6560F9C5-6111-4D94-A4DE-DC2786A4EF31}" type="presParOf" srcId="{04F94738-3FF1-42B1-84FA-8514F777D33F}" destId="{3F15A811-7937-415B-BB30-76EE23A943C4}" srcOrd="1" destOrd="0" presId="urn:microsoft.com/office/officeart/2005/8/layout/hProcess11"/>
+    <dgm:cxn modelId="{7F9D8C67-C519-4B4A-AE2F-F5A3574E2E8D}" type="presParOf" srcId="{04F94738-3FF1-42B1-84FA-8514F777D33F}" destId="{AC269E60-7860-4796-8851-47977FAD5015}" srcOrd="2" destOrd="0" presId="urn:microsoft.com/office/officeart/2005/8/layout/hProcess11"/>
+    <dgm:cxn modelId="{09074109-39AD-405F-8358-E9442CABA72E}" type="presParOf" srcId="{040EE4BB-5245-4B55-A880-99CD0EDBBF33}" destId="{782F74B8-A78B-49FC-84AE-793565A082B7}" srcOrd="5" destOrd="0" presId="urn:microsoft.com/office/officeart/2005/8/layout/hProcess11"/>
+    <dgm:cxn modelId="{1115C68B-4D77-444C-B049-F45065FA63A4}" type="presParOf" srcId="{040EE4BB-5245-4B55-A880-99CD0EDBBF33}" destId="{EBFC2563-489B-4E1F-9044-1A0EB278314C}" srcOrd="6" destOrd="0" presId="urn:microsoft.com/office/officeart/2005/8/layout/hProcess11"/>
+    <dgm:cxn modelId="{0736B62C-C6C3-4615-8223-CF97B613417A}" type="presParOf" srcId="{EBFC2563-489B-4E1F-9044-1A0EB278314C}" destId="{A18F8819-E691-41C1-A33D-5C78BC303E25}" srcOrd="0" destOrd="0" presId="urn:microsoft.com/office/officeart/2005/8/layout/hProcess11"/>
+    <dgm:cxn modelId="{C1C7842A-664E-4E5F-8F3E-8C2EF7C2A76E}" type="presParOf" srcId="{EBFC2563-489B-4E1F-9044-1A0EB278314C}" destId="{08CCCDB8-5CDD-4963-AAE9-134B06325BE3}" srcOrd="1" destOrd="0" presId="urn:microsoft.com/office/officeart/2005/8/layout/hProcess11"/>
+    <dgm:cxn modelId="{04854B13-0021-4330-B688-C00912DF4B56}" type="presParOf" srcId="{EBFC2563-489B-4E1F-9044-1A0EB278314C}" destId="{58E1BAD9-93E2-4975-AFB1-DD58E8848F91}" srcOrd="2" destOrd="0" presId="urn:microsoft.com/office/officeart/2005/8/layout/hProcess11"/>
+  </dgm:cxnLst>
+  <dgm:bg/>
+  <dgm:whole/>
+  <dgm:extLst>
+    <a:ext uri="http://schemas.microsoft.com/office/drawing/2008/diagram">
+      <dsp:dataModelExt xmlns:dsp="http://schemas.microsoft.com/office/drawing/2008/diagram" relId="rId9" minVer="http://schemas.openxmlformats.org/drawingml/2006/diagram"/>
+    </a:ext>
+  </dgm:extLst>
+</dgm:dataModel>
+</file>
+
+<file path=ppt/diagrams/drawing1.xml><?xml version="1.0" encoding="utf-8"?>
+<dsp:drawing xmlns:dgm="http://schemas.openxmlformats.org/drawingml/2006/diagram" xmlns:dsp="http://schemas.microsoft.com/office/drawing/2008/diagram" xmlns:a="http://schemas.openxmlformats.org/drawingml/2006/main">
+  <dsp:spTree>
+    <dsp:nvGrpSpPr>
+      <dsp:cNvPr id="0" name=""/>
+      <dsp:cNvGrpSpPr/>
+    </dsp:nvGrpSpPr>
+    <dsp:grpSpPr/>
+    <dsp:sp modelId="{95E31353-052D-46FA-9513-F181E9969B28}">
+      <dsp:nvSpPr>
+        <dsp:cNvPr id="0" name=""/>
+        <dsp:cNvSpPr/>
+      </dsp:nvSpPr>
+      <dsp:spPr>
+        <a:xfrm>
+          <a:off x="0" y="1031064"/>
+          <a:ext cx="8660524" cy="1374753"/>
+        </a:xfrm>
+        <a:prstGeom prst="notchedRightArrow">
+          <a:avLst/>
+        </a:prstGeom>
+        <a:solidFill>
+          <a:schemeClr val="accent5">
+            <a:tint val="40000"/>
+            <a:hueOff val="0"/>
+            <a:satOff val="0"/>
+            <a:lumOff val="0"/>
+            <a:alphaOff val="0"/>
+          </a:schemeClr>
+        </a:solidFill>
+        <a:ln>
+          <a:noFill/>
+        </a:ln>
+        <a:effectLst/>
+      </dsp:spPr>
+      <dsp:style>
+        <a:lnRef idx="0">
+          <a:scrgbClr r="0" g="0" b="0"/>
+        </a:lnRef>
+        <a:fillRef idx="1">
+          <a:scrgbClr r="0" g="0" b="0"/>
+        </a:fillRef>
+        <a:effectRef idx="0">
+          <a:scrgbClr r="0" g="0" b="0"/>
+        </a:effectRef>
+        <a:fontRef idx="minor"/>
+      </dsp:style>
+    </dsp:sp>
+    <dsp:sp modelId="{06CC1992-813D-47B0-85D7-0B2B31DE7958}">
+      <dsp:nvSpPr>
+        <dsp:cNvPr id="0" name=""/>
+        <dsp:cNvSpPr/>
+      </dsp:nvSpPr>
+      <dsp:spPr>
+        <a:xfrm>
+          <a:off x="3901" y="0"/>
+          <a:ext cx="1876305" cy="1374753"/>
+        </a:xfrm>
+        <a:prstGeom prst="rect">
+          <a:avLst/>
+        </a:prstGeom>
+        <a:noFill/>
+        <a:ln>
+          <a:noFill/>
+        </a:ln>
+        <a:effectLst/>
+      </dsp:spPr>
+      <dsp:style>
+        <a:lnRef idx="0">
+          <a:scrgbClr r="0" g="0" b="0"/>
+        </a:lnRef>
+        <a:fillRef idx="0">
+          <a:scrgbClr r="0" g="0" b="0"/>
+        </a:fillRef>
+        <a:effectRef idx="0">
+          <a:scrgbClr r="0" g="0" b="0"/>
+        </a:effectRef>
+        <a:fontRef idx="minor"/>
+      </dsp:style>
+      <dsp:txBody>
+        <a:bodyPr spcFirstLastPara="0" vert="horz" wrap="square" lIns="128016" tIns="128016" rIns="128016" bIns="128016" numCol="1" spcCol="1270" anchor="b" anchorCtr="0">
+          <a:noAutofit/>
+        </a:bodyPr>
+        <a:lstStyle/>
+        <a:p>
+          <a:pPr lvl="0" algn="ctr" defTabSz="800100">
+            <a:lnSpc>
+              <a:spcPct val="90000"/>
+            </a:lnSpc>
+            <a:spcBef>
+              <a:spcPct val="0"/>
+            </a:spcBef>
+            <a:spcAft>
+              <a:spcPct val="35000"/>
+            </a:spcAft>
+          </a:pPr>
+          <a:r>
+            <a:rPr lang="zh-TW" altLang="en-US" sz="1800" b="1" kern="1200" dirty="0" smtClean="0"/>
+            <a:t>列出詞庫</a:t>
+          </a:r>
+          <a:endParaRPr lang="zh-TW" altLang="en-US" sz="1800" b="1" kern="1200" dirty="0"/>
+        </a:p>
+      </dsp:txBody>
+      <dsp:txXfrm>
+        <a:off x="3901" y="0"/>
+        <a:ext cx="1876305" cy="1374753"/>
+      </dsp:txXfrm>
+    </dsp:sp>
+    <dsp:sp modelId="{5192E7F4-4F42-45DB-9754-793A5CEE1EB4}">
+      <dsp:nvSpPr>
+        <dsp:cNvPr id="0" name=""/>
+        <dsp:cNvSpPr/>
+      </dsp:nvSpPr>
+      <dsp:spPr>
+        <a:xfrm>
+          <a:off x="770209" y="1546597"/>
+          <a:ext cx="343688" cy="343688"/>
+        </a:xfrm>
+        <a:prstGeom prst="ellipse">
+          <a:avLst/>
+        </a:prstGeom>
+        <a:solidFill>
+          <a:schemeClr val="accent5">
+            <a:hueOff val="0"/>
+            <a:satOff val="0"/>
+            <a:lumOff val="0"/>
+            <a:alphaOff val="0"/>
+          </a:schemeClr>
+        </a:solidFill>
+        <a:ln w="25400" cap="flat" cmpd="sng" algn="ctr">
+          <a:solidFill>
+            <a:schemeClr val="lt1">
+              <a:hueOff val="0"/>
+              <a:satOff val="0"/>
+              <a:lumOff val="0"/>
+              <a:alphaOff val="0"/>
+            </a:schemeClr>
+          </a:solidFill>
+          <a:prstDash val="solid"/>
+        </a:ln>
+        <a:effectLst/>
+      </dsp:spPr>
+      <dsp:style>
+        <a:lnRef idx="2">
+          <a:scrgbClr r="0" g="0" b="0"/>
+        </a:lnRef>
+        <a:fillRef idx="1">
+          <a:scrgbClr r="0" g="0" b="0"/>
+        </a:fillRef>
+        <a:effectRef idx="0">
+          <a:scrgbClr r="0" g="0" b="0"/>
+        </a:effectRef>
+        <a:fontRef idx="minor">
+          <a:schemeClr val="lt1"/>
+        </a:fontRef>
+      </dsp:style>
+    </dsp:sp>
+    <dsp:sp modelId="{A4E49664-0B12-4A32-AF00-BB2DA0323478}">
+      <dsp:nvSpPr>
+        <dsp:cNvPr id="0" name=""/>
+        <dsp:cNvSpPr/>
+      </dsp:nvSpPr>
+      <dsp:spPr>
+        <a:xfrm>
+          <a:off x="1974022" y="2062129"/>
+          <a:ext cx="1876305" cy="1374753"/>
+        </a:xfrm>
+        <a:prstGeom prst="rect">
+          <a:avLst/>
+        </a:prstGeom>
+        <a:noFill/>
+        <a:ln>
+          <a:noFill/>
+        </a:ln>
+        <a:effectLst/>
+      </dsp:spPr>
+      <dsp:style>
+        <a:lnRef idx="0">
+          <a:scrgbClr r="0" g="0" b="0"/>
+        </a:lnRef>
+        <a:fillRef idx="0">
+          <a:scrgbClr r="0" g="0" b="0"/>
+        </a:fillRef>
+        <a:effectRef idx="0">
+          <a:scrgbClr r="0" g="0" b="0"/>
+        </a:effectRef>
+        <a:fontRef idx="minor"/>
+      </dsp:style>
+      <dsp:txBody>
+        <a:bodyPr spcFirstLastPara="0" vert="horz" wrap="square" lIns="128016" tIns="128016" rIns="128016" bIns="128016" numCol="1" spcCol="1270" anchor="t" anchorCtr="0">
+          <a:noAutofit/>
+        </a:bodyPr>
+        <a:lstStyle/>
+        <a:p>
+          <a:pPr lvl="0" algn="ctr" defTabSz="800100">
+            <a:lnSpc>
+              <a:spcPct val="90000"/>
+            </a:lnSpc>
+            <a:spcBef>
+              <a:spcPct val="0"/>
+            </a:spcBef>
+            <a:spcAft>
+              <a:spcPct val="35000"/>
+            </a:spcAft>
+          </a:pPr>
+          <a:r>
+            <a:rPr lang="zh-TW" altLang="en-US" sz="1800" b="1" kern="1200" dirty="0" smtClean="0"/>
+            <a:t>對單字做替換</a:t>
+          </a:r>
+          <a:endParaRPr lang="zh-TW" altLang="en-US" sz="1800" b="1" kern="1200" dirty="0"/>
+        </a:p>
+      </dsp:txBody>
+      <dsp:txXfrm>
+        <a:off x="1974022" y="2062129"/>
+        <a:ext cx="1876305" cy="1374753"/>
+      </dsp:txXfrm>
+    </dsp:sp>
+    <dsp:sp modelId="{A30E9D1B-8A33-496E-ABAC-68AE7BBA98A8}">
+      <dsp:nvSpPr>
+        <dsp:cNvPr id="0" name=""/>
+        <dsp:cNvSpPr/>
+      </dsp:nvSpPr>
+      <dsp:spPr>
+        <a:xfrm>
+          <a:off x="2740331" y="1546597"/>
+          <a:ext cx="343688" cy="343688"/>
+        </a:xfrm>
+        <a:prstGeom prst="ellipse">
+          <a:avLst/>
+        </a:prstGeom>
+        <a:solidFill>
+          <a:schemeClr val="accent5">
+            <a:hueOff val="1705"/>
+            <a:satOff val="31826"/>
+            <a:lumOff val="11176"/>
+            <a:alphaOff val="0"/>
+          </a:schemeClr>
+        </a:solidFill>
+        <a:ln w="25400" cap="flat" cmpd="sng" algn="ctr">
+          <a:solidFill>
+            <a:schemeClr val="lt1">
+              <a:hueOff val="0"/>
+              <a:satOff val="0"/>
+              <a:lumOff val="0"/>
+              <a:alphaOff val="0"/>
+            </a:schemeClr>
+          </a:solidFill>
+          <a:prstDash val="solid"/>
+        </a:ln>
+        <a:effectLst/>
+      </dsp:spPr>
+      <dsp:style>
+        <a:lnRef idx="2">
+          <a:scrgbClr r="0" g="0" b="0"/>
+        </a:lnRef>
+        <a:fillRef idx="1">
+          <a:scrgbClr r="0" g="0" b="0"/>
+        </a:fillRef>
+        <a:effectRef idx="0">
+          <a:scrgbClr r="0" g="0" b="0"/>
+        </a:effectRef>
+        <a:fontRef idx="minor">
+          <a:schemeClr val="lt1"/>
+        </a:fontRef>
+      </dsp:style>
+    </dsp:sp>
+    <dsp:sp modelId="{454B4484-95AA-465F-B247-6702B2A41197}">
+      <dsp:nvSpPr>
+        <dsp:cNvPr id="0" name=""/>
+        <dsp:cNvSpPr/>
+      </dsp:nvSpPr>
+      <dsp:spPr>
+        <a:xfrm>
+          <a:off x="3944143" y="0"/>
+          <a:ext cx="1876305" cy="1374753"/>
+        </a:xfrm>
+        <a:prstGeom prst="rect">
+          <a:avLst/>
+        </a:prstGeom>
+        <a:noFill/>
+        <a:ln>
+          <a:noFill/>
+        </a:ln>
+        <a:effectLst/>
+      </dsp:spPr>
+      <dsp:style>
+        <a:lnRef idx="0">
+          <a:scrgbClr r="0" g="0" b="0"/>
+        </a:lnRef>
+        <a:fillRef idx="0">
+          <a:scrgbClr r="0" g="0" b="0"/>
+        </a:fillRef>
+        <a:effectRef idx="0">
+          <a:scrgbClr r="0" g="0" b="0"/>
+        </a:effectRef>
+        <a:fontRef idx="minor"/>
+      </dsp:style>
+      <dsp:txBody>
+        <a:bodyPr spcFirstLastPara="0" vert="horz" wrap="square" lIns="128016" tIns="128016" rIns="128016" bIns="128016" numCol="1" spcCol="1270" anchor="b" anchorCtr="0">
+          <a:noAutofit/>
+        </a:bodyPr>
+        <a:lstStyle/>
+        <a:p>
+          <a:pPr lvl="0" algn="ctr" defTabSz="800100">
+            <a:lnSpc>
+              <a:spcPct val="90000"/>
+            </a:lnSpc>
+            <a:spcBef>
+              <a:spcPct val="0"/>
+            </a:spcBef>
+            <a:spcAft>
+              <a:spcPct val="35000"/>
+            </a:spcAft>
+          </a:pPr>
+          <a:r>
+            <a:rPr lang="zh-TW" altLang="en-US" sz="1800" b="1" kern="1200" dirty="0" smtClean="0"/>
+            <a:t>在</a:t>
+          </a:r>
+          <a:r>
+            <a:rPr lang="en-US" altLang="zh-TW" sz="1800" b="1" kern="1200" dirty="0" smtClean="0"/>
+            <a:t>“</a:t>
+          </a:r>
+          <a:r>
+            <a:rPr lang="zh-TW" altLang="en-US" sz="1800" b="1" kern="1200" dirty="0" smtClean="0"/>
+            <a:t>詞</a:t>
+          </a:r>
+          <a:r>
+            <a:rPr lang="en-US" altLang="zh-TW" sz="1800" b="1" kern="1200" dirty="0" smtClean="0"/>
+            <a:t>”</a:t>
+          </a:r>
+          <a:r>
+            <a:rPr lang="zh-TW" altLang="en-US" sz="1800" b="1" kern="1200" dirty="0" smtClean="0"/>
+            <a:t>旁邊加註</a:t>
+          </a:r>
+          <a:endParaRPr lang="zh-TW" altLang="en-US" sz="1800" b="1" kern="1200" dirty="0"/>
+        </a:p>
+      </dsp:txBody>
+      <dsp:txXfrm>
+        <a:off x="3944143" y="0"/>
+        <a:ext cx="1876305" cy="1374753"/>
+      </dsp:txXfrm>
+    </dsp:sp>
+    <dsp:sp modelId="{3F15A811-7937-415B-BB30-76EE23A943C4}">
+      <dsp:nvSpPr>
+        <dsp:cNvPr id="0" name=""/>
+        <dsp:cNvSpPr/>
+      </dsp:nvSpPr>
+      <dsp:spPr>
+        <a:xfrm>
+          <a:off x="4710452" y="1546597"/>
+          <a:ext cx="343688" cy="343688"/>
+        </a:xfrm>
+        <a:prstGeom prst="ellipse">
+          <a:avLst/>
+        </a:prstGeom>
+        <a:solidFill>
+          <a:schemeClr val="accent5">
+            <a:hueOff val="3410"/>
+            <a:satOff val="63653"/>
+            <a:lumOff val="22353"/>
+            <a:alphaOff val="0"/>
+          </a:schemeClr>
+        </a:solidFill>
+        <a:ln w="25400" cap="flat" cmpd="sng" algn="ctr">
+          <a:solidFill>
+            <a:schemeClr val="lt1">
+              <a:hueOff val="0"/>
+              <a:satOff val="0"/>
+              <a:lumOff val="0"/>
+              <a:alphaOff val="0"/>
+            </a:schemeClr>
+          </a:solidFill>
+          <a:prstDash val="solid"/>
+        </a:ln>
+        <a:effectLst/>
+      </dsp:spPr>
+      <dsp:style>
+        <a:lnRef idx="2">
+          <a:scrgbClr r="0" g="0" b="0"/>
+        </a:lnRef>
+        <a:fillRef idx="1">
+          <a:scrgbClr r="0" g="0" b="0"/>
+        </a:fillRef>
+        <a:effectRef idx="0">
+          <a:scrgbClr r="0" g="0" b="0"/>
+        </a:effectRef>
+        <a:fontRef idx="minor">
+          <a:schemeClr val="lt1"/>
+        </a:fontRef>
+      </dsp:style>
+    </dsp:sp>
+    <dsp:sp modelId="{A18F8819-E691-41C1-A33D-5C78BC303E25}">
+      <dsp:nvSpPr>
+        <dsp:cNvPr id="0" name=""/>
+        <dsp:cNvSpPr/>
+      </dsp:nvSpPr>
+      <dsp:spPr>
+        <a:xfrm>
+          <a:off x="5914264" y="2062129"/>
+          <a:ext cx="1876305" cy="1374753"/>
+        </a:xfrm>
+        <a:prstGeom prst="rect">
+          <a:avLst/>
+        </a:prstGeom>
+        <a:noFill/>
+        <a:ln>
+          <a:noFill/>
+        </a:ln>
+        <a:effectLst/>
+      </dsp:spPr>
+      <dsp:style>
+        <a:lnRef idx="0">
+          <a:scrgbClr r="0" g="0" b="0"/>
+        </a:lnRef>
+        <a:fillRef idx="0">
+          <a:scrgbClr r="0" g="0" b="0"/>
+        </a:fillRef>
+        <a:effectRef idx="0">
+          <a:scrgbClr r="0" g="0" b="0"/>
+        </a:effectRef>
+        <a:fontRef idx="minor"/>
+      </dsp:style>
+      <dsp:txBody>
+        <a:bodyPr spcFirstLastPara="0" vert="horz" wrap="square" lIns="128016" tIns="128016" rIns="128016" bIns="128016" numCol="1" spcCol="1270" anchor="t" anchorCtr="0">
+          <a:noAutofit/>
+        </a:bodyPr>
+        <a:lstStyle/>
+        <a:p>
+          <a:pPr lvl="0" algn="ctr" defTabSz="800100">
+            <a:lnSpc>
+              <a:spcPct val="90000"/>
+            </a:lnSpc>
+            <a:spcBef>
+              <a:spcPct val="0"/>
+            </a:spcBef>
+            <a:spcAft>
+              <a:spcPct val="35000"/>
+            </a:spcAft>
+          </a:pPr>
+          <a:r>
+            <a:rPr lang="zh-TW" altLang="en-US" sz="1800" b="1" kern="1200" dirty="0" smtClean="0"/>
+            <a:t>將註解加在最尾端</a:t>
+          </a:r>
+          <a:endParaRPr lang="zh-TW" altLang="en-US" sz="1800" b="1" kern="1200" dirty="0"/>
+        </a:p>
+      </dsp:txBody>
+      <dsp:txXfrm>
+        <a:off x="5914264" y="2062129"/>
+        <a:ext cx="1876305" cy="1374753"/>
+      </dsp:txXfrm>
+    </dsp:sp>
+    <dsp:sp modelId="{08CCCDB8-5CDD-4963-AAE9-134B06325BE3}">
+      <dsp:nvSpPr>
+        <dsp:cNvPr id="0" name=""/>
+        <dsp:cNvSpPr/>
+      </dsp:nvSpPr>
+      <dsp:spPr>
+        <a:xfrm>
+          <a:off x="6680573" y="1546597"/>
+          <a:ext cx="343688" cy="343688"/>
+        </a:xfrm>
+        <a:prstGeom prst="ellipse">
+          <a:avLst/>
+        </a:prstGeom>
+        <a:solidFill>
+          <a:schemeClr val="accent5">
+            <a:hueOff val="5115"/>
+            <a:satOff val="95479"/>
+            <a:lumOff val="33529"/>
+            <a:alphaOff val="0"/>
+          </a:schemeClr>
+        </a:solidFill>
+        <a:ln w="25400" cap="flat" cmpd="sng" algn="ctr">
+          <a:solidFill>
+            <a:schemeClr val="lt1">
+              <a:hueOff val="0"/>
+              <a:satOff val="0"/>
+              <a:lumOff val="0"/>
+              <a:alphaOff val="0"/>
+            </a:schemeClr>
+          </a:solidFill>
+          <a:prstDash val="solid"/>
+        </a:ln>
+        <a:effectLst/>
+      </dsp:spPr>
+      <dsp:style>
+        <a:lnRef idx="2">
+          <a:scrgbClr r="0" g="0" b="0"/>
+        </a:lnRef>
+        <a:fillRef idx="1">
+          <a:scrgbClr r="0" g="0" b="0"/>
+        </a:fillRef>
+        <a:effectRef idx="0">
+          <a:scrgbClr r="0" g="0" b="0"/>
+        </a:effectRef>
+        <a:fontRef idx="minor">
+          <a:schemeClr val="lt1"/>
+        </a:fontRef>
+      </dsp:style>
+    </dsp:sp>
+  </dsp:spTree>
+</dsp:drawing>
+</file>
+
+<file path=ppt/diagrams/layout1.xml><?xml version="1.0" encoding="utf-8"?>
+<dgm:layoutDef xmlns:dgm="http://schemas.openxmlformats.org/drawingml/2006/diagram" xmlns:a="http://schemas.openxmlformats.org/drawingml/2006/main" uniqueId="urn:microsoft.com/office/officeart/2005/8/layout/hProcess11">
+  <dgm:title val=""/>
+  <dgm:desc val=""/>
+  <dgm:catLst>
+    <dgm:cat type="process" pri="8000"/>
+    <dgm:cat type="convert" pri="14000"/>
+  </dgm:catLst>
+  <dgm:sampData useDef="1">
+    <dgm:dataModel>
+      <dgm:ptLst/>
+      <dgm:bg/>
+      <dgm:whole/>
+    </dgm:dataModel>
+  </dgm:sampData>
+  <dgm:styleData>
+    <dgm:dataModel>
+      <dgm:ptLst>
+        <dgm:pt modelId="0" type="doc"/>
+        <dgm:pt modelId="1"/>
+        <dgm:pt modelId="2"/>
+      </dgm:ptLst>
+      <dgm:cxnLst>
+        <dgm:cxn modelId="4" srcId="0" destId="1" srcOrd="0" destOrd="0"/>
+        <dgm:cxn modelId="5" srcId="0" destId="2" srcOrd="1" destOrd="0"/>
+      </dgm:cxnLst>
+      <dgm:bg/>
+      <dgm:whole/>
+    </dgm:dataModel>
+  </dgm:styleData>
+  <dgm:clrData>
+    <dgm:dataModel>
+      <dgm:ptLst>
+        <dgm:pt modelId="0" type="doc"/>
+        <dgm:pt modelId="1"/>
+        <dgm:pt modelId="2"/>
+        <dgm:pt modelId="3"/>
+        <dgm:pt modelId="4"/>
+      </dgm:ptLst>
+      <dgm:cxnLst>
+        <dgm:cxn modelId="5" srcId="0" destId="1" srcOrd="0" destOrd="0"/>
+        <dgm:cxn modelId="6" srcId="0" destId="2" srcOrd="1" destOrd="0"/>
+        <dgm:cxn modelId="7" srcId="0" destId="3" srcOrd="2" destOrd="0"/>
+        <dgm:cxn modelId="8" srcId="0" destId="4" srcOrd="3" destOrd="0"/>
+      </dgm:cxnLst>
+      <dgm:bg/>
+      <dgm:whole/>
+    </dgm:dataModel>
+  </dgm:clrData>
+  <dgm:layoutNode name="Name0">
+    <dgm:varLst>
+      <dgm:dir/>
+      <dgm:resizeHandles val="exact"/>
+    </dgm:varLst>
+    <dgm:alg type="composite"/>
+    <dgm:shape xmlns:r="http://schemas.openxmlformats.org/officeDocument/2006/relationships" r:blip="">
+      <dgm:adjLst/>
+    </dgm:shape>
+    <dgm:presOf/>
+    <dgm:choose name="Name1">
+      <dgm:if name="Name2" func="var" arg="dir" op="equ" val="norm">
+        <dgm:constrLst>
+          <dgm:constr type="w" for="ch" forName="arrow" refType="w"/>
+          <dgm:constr type="h" for="ch" forName="arrow" refType="h" fact="0.4"/>
+          <dgm:constr type="ctrY" for="ch" forName="arrow" refType="h" fact="0.5"/>
+          <dgm:constr type="l" for="ch" forName="arrow"/>
+          <dgm:constr type="w" for="ch" forName="points" refType="w" fact="0.9"/>
+          <dgm:constr type="h" for="ch" forName="points" refType="h"/>
+          <dgm:constr type="t" for="ch" forName="points"/>
+          <dgm:constr type="l" for="ch" forName="points"/>
+        </dgm:constrLst>
+      </dgm:if>
+      <dgm:else name="Name3">
+        <dgm:constrLst>
+          <dgm:constr type="w" for="ch" forName="arrow" refType="w"/>
+          <dgm:constr type="h" for="ch" forName="arrow" refType="h" fact="0.4"/>
+          <dgm:constr type="ctrY" for="ch" forName="arrow" refType="h" fact="0.5"/>
+          <dgm:constr type="r" for="ch" forName="arrow" refType="w"/>
+          <dgm:constr type="w" for="ch" forName="points" refType="w" fact="0.9"/>
+          <dgm:constr type="h" for="ch" forName="points" refType="h"/>
+          <dgm:constr type="t" for="ch" forName="points"/>
+          <dgm:constr type="r" for="ch" forName="points" refType="w"/>
+        </dgm:constrLst>
+      </dgm:else>
+    </dgm:choose>
+    <dgm:ruleLst/>
+    <dgm:layoutNode name="arrow" styleLbl="bgShp">
+      <dgm:alg type="sp"/>
+      <dgm:choose name="Name4">
+        <dgm:if name="Name5" func="var" arg="dir" op="equ" val="norm">
+          <dgm:shape xmlns:r="http://schemas.openxmlformats.org/officeDocument/2006/relationships" type="notchedRightArrow" r:blip="">
+            <dgm:adjLst/>
+          </dgm:shape>
+        </dgm:if>
+        <dgm:else name="Name6">
+          <dgm:shape xmlns:r="http://schemas.openxmlformats.org/officeDocument/2006/relationships" rot="180" type="notchedRightArrow" r:blip="">
+            <dgm:adjLst/>
+          </dgm:shape>
+        </dgm:else>
+      </dgm:choose>
+      <dgm:presOf/>
+      <dgm:constrLst/>
+      <dgm:ruleLst/>
+    </dgm:layoutNode>
+    <dgm:layoutNode name="points">
+      <dgm:choose name="Name7">
+        <dgm:if name="Name8" func="var" arg="dir" op="equ" val="norm">
+          <dgm:alg type="lin">
+            <dgm:param type="linDir" val="fromL"/>
+          </dgm:alg>
+        </dgm:if>
+        <dgm:else name="Name9">
+          <dgm:alg type="lin">
+            <dgm:param type="linDir" val="fromR"/>
+          </dgm:alg>
+        </dgm:else>
+      </dgm:choose>
+      <dgm:shape xmlns:r="http://schemas.openxmlformats.org/officeDocument/2006/relationships" r:blip="">
+        <dgm:adjLst/>
+      </dgm:shape>
+      <dgm:presOf/>
+      <dgm:constrLst>
+        <dgm:constr type="w" for="ch" forName="compositeA" refType="w"/>
+        <dgm:constr type="h" for="ch" forName="compositeA" refType="h"/>
+        <dgm:constr type="w" for="ch" forName="compositeB" refType="w" refFor="ch" refForName="compositeA" op="equ"/>
+        <dgm:constr type="h" for="ch" forName="compositeB" refType="h" refFor="ch" refForName="compositeA" op="equ"/>
+        <dgm:constr type="primFontSz" for="des" ptType="node" op="equ" val="65"/>
+        <dgm:constr type="w" for="ch" forName="space" refType="w" refFor="ch" refForName="compositeA" op="equ" fact="0.05"/>
+      </dgm:constrLst>
+      <dgm:ruleLst/>
+      <dgm:forEach name="Name10" axis="ch" ptType="node">
+        <dgm:choose name="Name11">
+          <dgm:if name="Name12" axis="self" ptType="node" func="posOdd" op="equ" val="1">
+            <dgm:layoutNode name="compositeA">
+              <dgm:alg type="composite"/>
+              <dgm:shape xmlns:r="http://schemas.openxmlformats.org/officeDocument/2006/relationships" r:blip="">
+                <dgm:adjLst/>
+              </dgm:shape>
+              <dgm:presOf/>
+              <dgm:constrLst>
+                <dgm:constr type="w" for="ch" forName="textA" refType="w"/>
+                <dgm:constr type="h" for="ch" forName="textA" refType="h" fact="0.4"/>
+                <dgm:constr type="t" for="ch" forName="textA"/>
+                <dgm:constr type="l" for="ch" forName="textA"/>
+                <dgm:constr type="h" for="ch" forName="circleA" refType="h" fact="0.1"/>
+                <dgm:constr type="h" for="ch" forName="circleA" refType="w" op="lte"/>
+                <dgm:constr type="w" for="ch" forName="circleA" refType="h" refFor="ch" refForName="circleA" op="equ"/>
+                <dgm:constr type="ctrY" for="ch" forName="circleA" refType="h" fact="0.5"/>
+                <dgm:constr type="ctrX" for="ch" forName="circleA" refType="w" refFor="ch" refForName="textA" fact="0.5"/>
+                <dgm:constr type="w" for="ch" forName="spaceA" refType="w"/>
+                <dgm:constr type="h" for="ch" forName="spaceA" refType="h" fact="0.4"/>
+                <dgm:constr type="b" for="ch" forName="spaceA" refType="h"/>
+                <dgm:constr type="l" for="ch" forName="spaceA"/>
+              </dgm:constrLst>
+              <dgm:ruleLst/>
+              <dgm:layoutNode name="textA" styleLbl="revTx">
+                <dgm:varLst>
+                  <dgm:bulletEnabled val="1"/>
+                </dgm:varLst>
+                <dgm:alg type="tx">
+                  <dgm:param type="txAnchorVert" val="b"/>
+                  <dgm:param type="txAnchorVertCh" val="b"/>
+                  <dgm:param type="txAnchorHorzCh" val="ctr"/>
+                </dgm:alg>
+                <dgm:shape xmlns:r="http://schemas.openxmlformats.org/officeDocument/2006/relationships" type="rect" r:blip="">
+                  <dgm:adjLst/>
+                </dgm:shape>
+                <dgm:presOf axis="desOrSelf" ptType="node"/>
+                <dgm:constrLst/>
+                <dgm:ruleLst>
+                  <dgm:rule type="primFontSz" val="5" fact="NaN" max="NaN"/>
+                </dgm:ruleLst>
+              </dgm:layoutNode>
+              <dgm:layoutNode name="circleA">
+                <dgm:alg type="sp"/>
+                <dgm:shape xmlns:r="http://schemas.openxmlformats.org/officeDocument/2006/relationships" type="ellipse" r:blip="">
+                  <dgm:adjLst/>
+                </dgm:shape>
+                <dgm:presOf/>
+                <dgm:constrLst/>
+                <dgm:ruleLst/>
+              </dgm:layoutNode>
+              <dgm:layoutNode name="spaceA">
+                <dgm:alg type="sp"/>
+                <dgm:shape xmlns:r="http://schemas.openxmlformats.org/officeDocument/2006/relationships" r:blip="">
+                  <dgm:adjLst/>
+                </dgm:shape>
+                <dgm:presOf/>
+                <dgm:constrLst/>
+                <dgm:ruleLst/>
+              </dgm:layoutNode>
+            </dgm:layoutNode>
+          </dgm:if>
+          <dgm:else name="Name13">
+            <dgm:layoutNode name="compositeB">
+              <dgm:alg type="composite"/>
+              <dgm:shape xmlns:r="http://schemas.openxmlformats.org/officeDocument/2006/relationships" r:blip="">
+                <dgm:adjLst/>
+              </dgm:shape>
+              <dgm:presOf/>
+              <dgm:constrLst>
+                <dgm:constr type="w" for="ch" forName="textB" refType="w"/>
+                <dgm:constr type="h" for="ch" forName="textB" refType="h" fact="0.4"/>
+                <dgm:constr type="b" for="ch" forName="textB" refType="h"/>
+                <dgm:constr type="l" for="ch" forName="textB"/>
+                <dgm:constr type="h" for="ch" forName="circleB" refType="h" fact="0.1"/>
+                <dgm:constr type="w" for="ch" forName="circleB" refType="h" refFor="ch" refForName="circleB" op="equ"/>
+                <dgm:constr type="h" for="ch" forName="circleB" refType="w" op="lte"/>
+                <dgm:constr type="ctrY" for="ch" forName="circleB" refType="h" fact="0.5"/>
+                <dgm:constr type="ctrX" for="ch" forName="circleB" refType="w" refFor="ch" refForName="textB" fact="0.5"/>
+                <dgm:constr type="w" for="ch" forName="spaceB" refType="w"/>
+                <dgm:constr type="h" for="ch" forName="spaceB" refType="h" fact="0.4"/>
+                <dgm:constr type="t" for="ch" forName="spaceB"/>
+                <dgm:constr type="l" for="ch" forName="spaceB"/>
+              </dgm:constrLst>
+              <dgm:ruleLst/>
+              <dgm:layoutNode name="textB" styleLbl="revTx">
+                <dgm:varLst>
+                  <dgm:bulletEnabled val="1"/>
+                </dgm:varLst>
+                <dgm:alg type="tx">
+                  <dgm:param type="txAnchorVert" val="t"/>
+                  <dgm:param type="txAnchorVertCh" val="t"/>
+                  <dgm:param type="txAnchorHorzCh" val="ctr"/>
+                </dgm:alg>
+                <dgm:shape xmlns:r="http://schemas.openxmlformats.org/officeDocument/2006/relationships" type="rect" r:blip="">
+                  <dgm:adjLst/>
+                </dgm:shape>
+                <dgm:presOf axis="desOrSelf" ptType="node"/>
+                <dgm:constrLst/>
+                <dgm:ruleLst>
+                  <dgm:rule type="primFontSz" val="5" fact="NaN" max="NaN"/>
+                </dgm:ruleLst>
+              </dgm:layoutNode>
+              <dgm:layoutNode name="circleB">
+                <dgm:alg type="sp"/>
+                <dgm:shape xmlns:r="http://schemas.openxmlformats.org/officeDocument/2006/relationships" type="ellipse" r:blip="">
+                  <dgm:adjLst/>
+                </dgm:shape>
+                <dgm:presOf/>
+                <dgm:constrLst/>
+                <dgm:ruleLst/>
+              </dgm:layoutNode>
+              <dgm:layoutNode name="spaceB">
+                <dgm:alg type="sp"/>
+                <dgm:shape xmlns:r="http://schemas.openxmlformats.org/officeDocument/2006/relationships" r:blip="">
+                  <dgm:adjLst/>
+                </dgm:shape>
+                <dgm:presOf/>
+                <dgm:constrLst/>
+                <dgm:ruleLst/>
+              </dgm:layoutNode>
+            </dgm:layoutNode>
+          </dgm:else>
+        </dgm:choose>
+        <dgm:forEach name="Name14" axis="followSib" ptType="sibTrans" cnt="1">
+          <dgm:layoutNode name="space">
+            <dgm:alg type="sp"/>
+            <dgm:shape xmlns:r="http://schemas.openxmlformats.org/officeDocument/2006/relationships" r:blip="">
+              <dgm:adjLst/>
+            </dgm:shape>
+            <dgm:presOf/>
+            <dgm:constrLst/>
+            <dgm:ruleLst/>
+          </dgm:layoutNode>
+        </dgm:forEach>
+      </dgm:forEach>
+    </dgm:layoutNode>
+  </dgm:layoutNode>
+</dgm:layoutDef>
+</file>
+
+<file path=ppt/diagrams/quickStyle1.xml><?xml version="1.0" encoding="utf-8"?>
+<dgm:styleDef xmlns:dgm="http://schemas.openxmlformats.org/drawingml/2006/diagram" xmlns:a="http://schemas.openxmlformats.org/drawingml/2006/main" uniqueId="urn:microsoft.com/office/officeart/2005/8/quickstyle/simple1">
+  <dgm:title val=""/>
+  <dgm:desc val=""/>
+  <dgm:catLst>
+    <dgm:cat type="simple" pri="10100"/>
+  </dgm:catLst>
+  <dgm:scene3d>
+    <a:camera prst="orthographicFront"/>
+    <a:lightRig rig="threePt" dir="t"/>
+  </dgm:scene3d>
+  <dgm:styleLbl name="node0">
+    <dgm:scene3d>
+      <a:camera prst="orthographicFront"/>
+      <a:lightRig rig="threePt" dir="t"/>
+    </dgm:scene3d>
+    <dgm:sp3d/>
+    <dgm:txPr/>
+    <dgm:style>
+      <a:lnRef idx="2">
+        <a:scrgbClr r="0" g="0" b="0"/>
+      </a:lnRef>
+      <a:fillRef idx="1">
+        <a:scrgbClr r="0" g="0" b="0"/>
+      </a:fillRef>
+      <a:effectRef idx="0">
+        <a:scrgbClr r="0" g="0" b="0"/>
+      </a:effectRef>
+      <a:fontRef idx="minor">
+        <a:schemeClr val="lt1"/>
+      </a:fontRef>
+    </dgm:style>
+  </dgm:styleLbl>
+  <dgm:styleLbl name="lnNode1">
+    <dgm:scene3d>
+      <a:camera prst="orthographicFront"/>
+      <a:lightRig rig="threePt" dir="t"/>
+    </dgm:scene3d>
+    <dgm:sp3d/>
+    <dgm:txPr/>
+    <dgm:style>
+      <a:lnRef idx="2">
+        <a:scrgbClr r="0" g="0" b="0"/>
+      </a:lnRef>
+      <a:fillRef idx="1">
+        <a:scrgbClr r="0" g="0" b="0"/>
+      </a:fillRef>
+      <a:effectRef idx="0">
+        <a:scrgbClr r="0" g="0" b="0"/>
+      </a:effectRef>
+      <a:fontRef idx="minor">
+        <a:schemeClr val="lt1"/>
+      </a:fontRef>
+    </dgm:style>
+  </dgm:styleLbl>
+  <dgm:styleLbl name="vennNode1">
+    <dgm:scene3d>
+      <a:camera prst="orthographicFront"/>
+      <a:lightRig rig="threePt" dir="t"/>
+    </dgm:scene3d>
+    <dgm:sp3d/>
+    <dgm:txPr/>
+    <dgm:style>
+      <a:lnRef idx="2">
+        <a:scrgbClr r="0" g="0" b="0"/>
+      </a:lnRef>
+      <a:fillRef idx="1">
+        <a:scrgbClr r="0" g="0" b="0"/>
+      </a:fillRef>
+      <a:effectRef idx="0">
+        <a:scrgbClr r="0" g="0" b="0"/>
+      </a:effectRef>
+      <a:fontRef idx="minor">
+        <a:schemeClr val="tx1"/>
+      </a:fontRef>
+    </dgm:style>
+  </dgm:styleLbl>
+  <dgm:styleLbl name="alignNode1">
+    <dgm:scene3d>
+      <a:camera prst="orthographicFront"/>
+      <a:lightRig rig="threePt" dir="t"/>
+    </dgm:scene3d>
+    <dgm:sp3d/>
+    <dgm:txPr/>
+    <dgm:style>
+      <a:lnRef idx="2">
+        <a:scrgbClr r="0" g="0" b="0"/>
+      </a:lnRef>
+      <a:fillRef idx="1">
+        <a:scrgbClr r="0" g="0" b="0"/>
+      </a:fillRef>
+      <a:effectRef idx="0">
+        <a:scrgbClr r="0" g="0" b="0"/>
+      </a:effectRef>
+      <a:fontRef idx="minor">
+        <a:schemeClr val="lt1"/>
+      </a:fontRef>
+    </dgm:style>
+  </dgm:styleLbl>
+  <dgm:styleLbl name="node1">
+    <dgm:scene3d>
+      <a:camera prst="orthographicFront"/>
+      <a:lightRig rig="threePt" dir="t"/>
+    </dgm:scene3d>
+    <dgm:sp3d/>
+    <dgm:txPr/>
+    <dgm:style>
+      <a:lnRef idx="2">
+        <a:scrgbClr r="0" g="0" b="0"/>
+      </a:lnRef>
+      <a:fillRef idx="1">
+        <a:scrgbClr r="0" g="0" b="0"/>
+      </a:fillRef>
+      <a:effectRef idx="0">
+        <a:scrgbClr r="0" g="0" b="0"/>
+      </a:effectRef>
+      <a:fontRef idx="minor">
+        <a:schemeClr val="lt1"/>
+      </a:fontRef>
+    </dgm:style>
+  </dgm:styleLbl>
+  <dgm:styleLbl name="node2">
+    <dgm:scene3d>
+      <a:camera prst="orthographicFront"/>
+      <a:lightRig rig="threePt" dir="t"/>
+    </dgm:scene3d>
+    <dgm:sp3d/>
+    <dgm:txPr/>
+    <dgm:style>
+      <a:lnRef idx="2">
+        <a:scrgbClr r="0" g="0" b="0"/>
+      </a:lnRef>
+      <a:fillRef idx="1">
+        <a:scrgbClr r="0" g="0" b="0"/>
+      </a:fillRef>
+      <a:effectRef idx="0">
+        <a:scrgbClr r="0" g="0" b="0"/>
+      </a:effectRef>
+      <a:fontRef idx="minor">
+        <a:schemeClr val="lt1"/>
+      </a:fontRef>
+    </dgm:style>
+  </dgm:styleLbl>
+  <dgm:styleLbl name="node3">
+    <dgm:scene3d>
+      <a:camera prst="orthographicFront"/>
+      <a:lightRig rig="threePt" dir="t"/>
+    </dgm:scene3d>
+    <dgm:sp3d/>
+    <dgm:txPr/>
+    <dgm:style>
+      <a:lnRef idx="2">
+        <a:scrgbClr r="0" g="0" b="0"/>
+      </a:lnRef>
+      <a:fillRef idx="1">
+        <a:scrgbClr r="0" g="0" b="0"/>
+      </a:fillRef>
+      <a:effectRef idx="0">
+        <a:scrgbClr r="0" g="0" b="0"/>
+      </a:effectRef>
+      <a:fontRef idx="minor">
+        <a:schemeClr val="lt1"/>
+      </a:fontRef>
+    </dgm:style>
+  </dgm:styleLbl>
+  <dgm:styleLbl name="node4">
+    <dgm:scene3d>
+      <a:camera prst="orthographicFront"/>
+      <a:lightRig rig="threePt" dir="t"/>
+    </dgm:scene3d>
+    <dgm:sp3d/>
+    <dgm:txPr/>
+    <dgm:style>
+      <a:lnRef idx="2">
+        <a:scrgbClr r="0" g="0" b="0"/>
+      </a:lnRef>
+      <a:fillRef idx="1">
+        <a:scrgbClr r="0" g="0" b="0"/>
+      </a:fillRef>
+      <a:effectRef idx="0">
+        <a:scrgbClr r="0" g="0" b="0"/>
+      </a:effectRef>
+      <a:fontRef idx="minor">
+        <a:schemeClr val="lt1"/>
+      </a:fontRef>
+    </dgm:style>
+  </dgm:styleLbl>
+  <dgm:styleLbl name="fgImgPlace1">
+    <dgm:scene3d>
+      <a:camera prst="orthographicFront"/>
+      <a:lightRig rig="threePt" dir="t"/>
+    </dgm:scene3d>
+    <dgm:sp3d/>
+    <dgm:txPr/>
+    <dgm:style>
+      <a:lnRef idx="2">
+        <a:scrgbClr r="0" g="0" b="0"/>
+      </a:lnRef>
+      <a:fillRef idx="1">
+        <a:scrgbClr r="0" g="0" b="0"/>
+      </a:fillRef>
+      <a:effectRef idx="0">
+        <a:scrgbClr r="0" g="0" b="0"/>
+      </a:effectRef>
+      <a:fontRef idx="minor"/>
+    </dgm:style>
+  </dgm:styleLbl>
+  <dgm:styleLbl name="alignImgPlace1">
+    <dgm:scene3d>
+      <a:camera prst="orthographicFront"/>
+      <a:lightRig rig="threePt" dir="t"/>
+    </dgm:scene3d>
+    <dgm:sp3d/>
+    <dgm:txPr/>
+    <dgm:style>
+      <a:lnRef idx="2">
+        <a:scrgbClr r="0" g="0" b="0"/>
+      </a:lnRef>
+      <a:fillRef idx="1">
+        <a:scrgbClr r="0" g="0" b="0"/>
+      </a:fillRef>
+      <a:effectRef idx="0">
+        <a:scrgbClr r="0" g="0" b="0"/>
+      </a:effectRef>
+      <a:fontRef idx="minor"/>
+    </dgm:style>
+  </dgm:styleLbl>
+  <dgm:styleLbl name="bgImgPlace1">
+    <dgm:scene3d>
+      <a:camera prst="orthographicFront"/>
+      <a:lightRig rig="threePt" dir="t"/>
+    </dgm:scene3d>
+    <dgm:sp3d/>
+    <dgm:txPr/>
+    <dgm:style>
+      <a:lnRef idx="2">
+        <a:scrgbClr r="0" g="0" b="0"/>
+      </a:lnRef>
+      <a:fillRef idx="1">
+        <a:scrgbClr r="0" g="0" b="0"/>
+      </a:fillRef>
+      <a:effectRef idx="0">
+        <a:scrgbClr r="0" g="0" b="0"/>
+      </a:effectRef>
+      <a:fontRef idx="minor"/>
+    </dgm:style>
+  </dgm:styleLbl>
+  <dgm:styleLbl name="sibTrans2D1">
+    <dgm:scene3d>
+      <a:camera prst="orthographicFront"/>
+      <a:lightRig rig="threePt" dir="t"/>
+    </dgm:scene3d>
+    <dgm:sp3d/>
+    <dgm:txPr/>
+    <dgm:style>
+      <a:lnRef idx="0">
+        <a:scrgbClr r="0" g="0" b="0"/>
+      </a:lnRef>
+      <a:fillRef idx="1">
+        <a:scrgbClr r="0" g="0" b="0"/>
+      </a:fillRef>
+      <a:effectRef idx="0">
+        <a:scrgbClr r="0" g="0" b="0"/>
+      </a:effectRef>
+      <a:fontRef idx="minor">
+        <a:schemeClr val="lt1"/>
+      </a:fontRef>
+    </dgm:style>
+  </dgm:styleLbl>
+  <dgm:styleLbl name="fgSibTrans2D1">
+    <dgm:scene3d>
+      <a:camera prst="orthographicFront"/>
+      <a:lightRig rig="threePt" dir="t"/>
+    </dgm:scene3d>
+    <dgm:sp3d/>
+    <dgm:txPr/>
+    <dgm:style>
+      <a:lnRef idx="0">
+        <a:scrgbClr r="0" g="0" b="0"/>
+      </a:lnRef>
+      <a:fillRef idx="1">
+        <a:scrgbClr r="0" g="0" b="0"/>
+      </a:fillRef>
+      <a:effectRef idx="0">
+        <a:scrgbClr r="0" g="0" b="0"/>
+      </a:effectRef>
+      <a:fontRef idx="minor">
+        <a:schemeClr val="lt1"/>
+      </a:fontRef>
+    </dgm:style>
+  </dgm:styleLbl>
+  <dgm:styleLbl name="bgSibTrans2D1">
+    <dgm:scene3d>
+      <a:camera prst="orthographicFront"/>
+      <a:lightRig rig="threePt" dir="t"/>
+    </dgm:scene3d>
+    <dgm:sp3d/>
+    <dgm:txPr/>
+    <dgm:style>
+      <a:lnRef idx="0">
+        <a:scrgbClr r="0" g="0" b="0"/>
+      </a:lnRef>
+      <a:fillRef idx="1">
+        <a:scrgbClr r="0" g="0" b="0"/>
+      </a:fillRef>
+      <a:effectRef idx="0">
+        <a:scrgbClr r="0" g="0" b="0"/>
+      </a:effectRef>
+      <a:fontRef idx="minor">
+        <a:schemeClr val="lt1"/>
+      </a:fontRef>
+    </dgm:style>
+  </dgm:styleLbl>
+  <dgm:styleLbl name="sibTrans1D1">
+    <dgm:scene3d>
+      <a:camera prst="orthographicFront"/>
+      <a:lightRig rig="threePt" dir="t"/>
+    </dgm:scene3d>
+    <dgm:sp3d/>
+    <dgm:txPr/>
+    <dgm:style>
+      <a:lnRef idx="1">
+        <a:scrgbClr r="0" g="0" b="0"/>
+      </a:lnRef>
+      <a:fillRef idx="0">
+        <a:scrgbClr r="0" g="0" b="0"/>
+      </a:fillRef>
+      <a:effectRef idx="0">
+        <a:scrgbClr r="0" g="0" b="0"/>
+      </a:effectRef>
+      <a:fontRef idx="minor"/>
+    </dgm:style>
+  </dgm:styleLbl>
+  <dgm:styleLbl name="callout">
+    <dgm:scene3d>
+      <a:camera prst="orthographicFront"/>
+      <a:lightRig rig="threePt" dir="t"/>
+    </dgm:scene3d>
+    <dgm:sp3d/>
+    <dgm:txPr/>
+    <dgm:style>
+      <a:lnRef idx="2">
+        <a:scrgbClr r="0" g="0" b="0"/>
+      </a:lnRef>
+      <a:fillRef idx="1">
+        <a:scrgbClr r="0" g="0" b="0"/>
+      </a:fillRef>
+      <a:effectRef idx="0">
+        <a:scrgbClr r="0" g="0" b="0"/>
+      </a:effectRef>
+      <a:fontRef idx="minor"/>
+    </dgm:style>
+  </dgm:styleLbl>
+  <dgm:styleLbl name="asst0">
+    <dgm:scene3d>
+      <a:camera prst="orthographicFront"/>
+      <a:lightRig rig="threePt" dir="t"/>
+    </dgm:scene3d>
+    <dgm:sp3d/>
+    <dgm:txPr/>
+    <dgm:style>
+      <a:lnRef idx="2">
+        <a:scrgbClr r="0" g="0" b="0"/>
+      </a:lnRef>
+      <a:fillRef idx="1">
+        <a:scrgbClr r="0" g="0" b="0"/>
+      </a:fillRef>
+      <a:effectRef idx="0">
+        <a:scrgbClr r="0" g="0" b="0"/>
+      </a:effectRef>
+      <a:fontRef idx="minor">
+        <a:schemeClr val="lt1"/>
+      </a:fontRef>
+    </dgm:style>
+  </dgm:styleLbl>
+  <dgm:styleLbl name="asst1">
+    <dgm:scene3d>
+      <a:camera prst="orthographicFront"/>
+      <a:lightRig rig="threePt" dir="t"/>
+    </dgm:scene3d>
+    <dgm:sp3d/>
+    <dgm:txPr/>
+    <dgm:style>
+      <a:lnRef idx="2">
+        <a:scrgbClr r="0" g="0" b="0"/>
+      </a:lnRef>
+      <a:fillRef idx="1">
+        <a:scrgbClr r="0" g="0" b="0"/>
+      </a:fillRef>
+      <a:effectRef idx="0">
+        <a:scrgbClr r="0" g="0" b="0"/>
+      </a:effectRef>
+      <a:fontRef idx="minor">
+        <a:schemeClr val="lt1"/>
+      </a:fontRef>
+    </dgm:style>
+  </dgm:styleLbl>
+  <dgm:styleLbl name="asst2">
+    <dgm:scene3d>
+      <a:camera prst="orthographicFront"/>
+      <a:lightRig rig="threePt" dir="t"/>
+    </dgm:scene3d>
+    <dgm:sp3d/>
+    <dgm:txPr/>
+    <dgm:style>
+      <a:lnRef idx="2">
+        <a:scrgbClr r="0" g="0" b="0"/>
+      </a:lnRef>
+      <a:fillRef idx="1">
+        <a:scrgbClr r="0" g="0" b="0"/>
+      </a:fillRef>
+      <a:effectRef idx="0">
+        <a:scrgbClr r="0" g="0" b="0"/>
+      </a:effectRef>
+      <a:fontRef idx="minor">
+        <a:schemeClr val="lt1"/>
+      </a:fontRef>
+    </dgm:style>
+  </dgm:styleLbl>
+  <dgm:styleLbl name="asst3">
+    <dgm:scene3d>
+      <a:camera prst="orthographicFront"/>
+      <a:lightRig rig="threePt" dir="t"/>
+    </dgm:scene3d>
+    <dgm:sp3d/>
+    <dgm:txPr/>
+    <dgm:style>
+      <a:lnRef idx="2">
+        <a:scrgbClr r="0" g="0" b="0"/>
+      </a:lnRef>
+      <a:fillRef idx="1">
+        <a:scrgbClr r="0" g="0" b="0"/>
+      </a:fillRef>
+      <a:effectRef idx="0">
+        <a:scrgbClr r="0" g="0" b="0"/>
+      </a:effectRef>
+      <a:fontRef idx="minor">
+        <a:schemeClr val="lt1"/>
+      </a:fontRef>
+    </dgm:style>
+  </dgm:styleLbl>
+  <dgm:styleLbl name="asst4">
+    <dgm:scene3d>
+      <a:camera prst="orthographicFront"/>
+      <a:lightRig rig="threePt" dir="t"/>
+    </dgm:scene3d>
+    <dgm:sp3d/>
+    <dgm:txPr/>
+    <dgm:style>
+      <a:lnRef idx="2">
+        <a:scrgbClr r="0" g="0" b="0"/>
+      </a:lnRef>
+      <a:fillRef idx="1">
+        <a:scrgbClr r="0" g="0" b="0"/>
+      </a:fillRef>
+      <a:effectRef idx="0">
+        <a:scrgbClr r="0" g="0" b="0"/>
+      </a:effectRef>
+      <a:fontRef idx="minor">
+        <a:schemeClr val="lt1"/>
+      </a:fontRef>
+    </dgm:style>
+  </dgm:styleLbl>
+  <dgm:styleLbl name="parChTrans2D1">
+    <dgm:scene3d>
+      <a:camera prst="orthographicFront"/>
+      <a:lightRig rig="threePt" dir="t"/>
+    </dgm:scene3d>
+    <dgm:sp3d/>
+    <dgm:txPr/>
+    <dgm:style>
+      <a:lnRef idx="2">
+        <a:scrgbClr r="0" g="0" b="0"/>
+      </a:lnRef>
+      <a:fillRef idx="1">
+        <a:scrgbClr r="0" g="0" b="0"/>
+      </a:fillRef>
+      <a:effectRef idx="0">
+        <a:scrgbClr r="0" g="0" b="0"/>
+      </a:effectRef>
+      <a:fontRef idx="minor">
+        <a:schemeClr val="lt1"/>
+      </a:fontRef>
+    </dgm:style>
+  </dgm:styleLbl>
+  <dgm:styleLbl name="parChTrans2D2">
+    <dgm:scene3d>
+      <a:camera prst="orthographicFront"/>
+      <a:lightRig rig="threePt" dir="t"/>
+    </dgm:scene3d>
+    <dgm:sp3d/>
+    <dgm:txPr/>
+    <dgm:style>
+      <a:lnRef idx="2">
+        <a:scrgbClr r="0" g="0" b="0"/>
+      </a:lnRef>
+      <a:fillRef idx="1">
+        <a:scrgbClr r="0" g="0" b="0"/>
+      </a:fillRef>
+      <a:effectRef idx="0">
+        <a:scrgbClr r="0" g="0" b="0"/>
+      </a:effectRef>
+      <a:fontRef idx="minor">
+        <a:schemeClr val="lt1"/>
+      </a:fontRef>
+    </dgm:style>
+  </dgm:styleLbl>
+  <dgm:styleLbl name="parChTrans2D3">
+    <dgm:scene3d>
+      <a:camera prst="orthographicFront"/>
+      <a:lightRig rig="threePt" dir="t"/>
+    </dgm:scene3d>
+    <dgm:sp3d/>
+    <dgm:txPr/>
+    <dgm:style>
+      <a:lnRef idx="2">
+        <a:scrgbClr r="0" g="0" b="0"/>
+      </a:lnRef>
+      <a:fillRef idx="1">
+        <a:scrgbClr r="0" g="0" b="0"/>
+      </a:fillRef>
+      <a:effectRef idx="0">
+        <a:scrgbClr r="0" g="0" b="0"/>
+      </a:effectRef>
+      <a:fontRef idx="minor">
+        <a:schemeClr val="lt1"/>
+      </a:fontRef>
+    </dgm:style>
+  </dgm:styleLbl>
+  <dgm:styleLbl name="parChTrans2D4">
+    <dgm:scene3d>
+      <a:camera prst="orthographicFront"/>
+      <a:lightRig rig="threePt" dir="t"/>
+    </dgm:scene3d>
+    <dgm:sp3d/>
+    <dgm:txPr/>
+    <dgm:style>
+      <a:lnRef idx="2">
+        <a:scrgbClr r="0" g="0" b="0"/>
+      </a:lnRef>
+      <a:fillRef idx="1">
+        <a:scrgbClr r="0" g="0" b="0"/>
+      </a:fillRef>
+      <a:effectRef idx="0">
+        <a:scrgbClr r="0" g="0" b="0"/>
+      </a:effectRef>
+      <a:fontRef idx="minor">
+        <a:schemeClr val="lt1"/>
+      </a:fontRef>
+    </dgm:style>
+  </dgm:styleLbl>
+  <dgm:styleLbl name="parChTrans1D1">
+    <dgm:scene3d>
+      <a:camera prst="orthographicFront"/>
+      <a:lightRig rig="threePt" dir="t"/>
+    </dgm:scene3d>
+    <dgm:sp3d/>
+    <dgm:txPr/>
+    <dgm:style>
+      <a:lnRef idx="2">
+        <a:scrgbClr r="0" g="0" b="0"/>
+      </a:lnRef>
+      <a:fillRef idx="0">
+        <a:scrgbClr r="0" g="0" b="0"/>
+      </a:fillRef>
+      <a:effectRef idx="0">
+        <a:scrgbClr r="0" g="0" b="0"/>
+      </a:effectRef>
+      <a:fontRef idx="minor"/>
+    </dgm:style>
+  </dgm:styleLbl>
+  <dgm:styleLbl name="parChTrans1D2">
+    <dgm:scene3d>
+      <a:camera prst="orthographicFront"/>
+      <a:lightRig rig="threePt" dir="t"/>
+    </dgm:scene3d>
+    <dgm:sp3d/>
+    <dgm:txPr/>
+    <dgm:style>
+      <a:lnRef idx="2">
+        <a:scrgbClr r="0" g="0" b="0"/>
+      </a:lnRef>
+      <a:fillRef idx="0">
+        <a:scrgbClr r="0" g="0" b="0"/>
+      </a:fillRef>
+      <a:effectRef idx="0">
+        <a:scrgbClr r="0" g="0" b="0"/>
+      </a:effectRef>
+      <a:fontRef idx="minor"/>
+    </dgm:style>
+  </dgm:styleLbl>
+  <dgm:styleLbl name="parChTrans1D3">
+    <dgm:scene3d>
+      <a:camera prst="orthographicFront"/>
+      <a:lightRig rig="threePt" dir="t"/>
+    </dgm:scene3d>
+    <dgm:sp3d/>
+    <dgm:txPr/>
+    <dgm:style>
+      <a:lnRef idx="2">
+        <a:scrgbClr r="0" g="0" b="0"/>
+      </a:lnRef>
+      <a:fillRef idx="0">
+        <a:scrgbClr r="0" g="0" b="0"/>
+      </a:fillRef>
+      <a:effectRef idx="0">
+        <a:scrgbClr r="0" g="0" b="0"/>
+      </a:effectRef>
+      <a:fontRef idx="minor"/>
+    </dgm:style>
+  </dgm:styleLbl>
+  <dgm:styleLbl name="parChTrans1D4">
+    <dgm:scene3d>
+      <a:camera prst="orthographicFront"/>
+      <a:lightRig rig="threePt" dir="t"/>
+    </dgm:scene3d>
+    <dgm:sp3d/>
+    <dgm:txPr/>
+    <dgm:style>
+      <a:lnRef idx="2">
+        <a:scrgbClr r="0" g="0" b="0"/>
+      </a:lnRef>
+      <a:fillRef idx="0">
+        <a:scrgbClr r="0" g="0" b="0"/>
+      </a:fillRef>
+      <a:effectRef idx="0">
+        <a:scrgbClr r="0" g="0" b="0"/>
+      </a:effectRef>
+      <a:fontRef idx="minor"/>
+    </dgm:style>
+  </dgm:styleLbl>
+  <dgm:styleLbl name="fgAcc1">
+    <dgm:scene3d>
+      <a:camera prst="orthographicFront"/>
+      <a:lightRig rig="threePt" dir="t"/>
+    </dgm:scene3d>
+    <dgm:sp3d/>
+    <dgm:txPr/>
+    <dgm:style>
+      <a:lnRef idx="2">
+        <a:scrgbClr r="0" g="0" b="0"/>
+      </a:lnRef>
+      <a:fillRef idx="1">
+        <a:scrgbClr r="0" g="0" b="0"/>
+      </a:fillRef>
+      <a:effectRef idx="0">
+        <a:scrgbClr r="0" g="0" b="0"/>
+      </a:effectRef>
+      <a:fontRef idx="minor"/>
+    </dgm:style>
+  </dgm:styleLbl>
+  <dgm:styleLbl name="conFgAcc1">
+    <dgm:scene3d>
+      <a:camera prst="orthographicFront"/>
+      <a:lightRig rig="threePt" dir="t"/>
+    </dgm:scene3d>
+    <dgm:sp3d/>
+    <dgm:txPr/>
+    <dgm:style>
+      <a:lnRef idx="2">
+        <a:scrgbClr r="0" g="0" b="0"/>
+      </a:lnRef>
+      <a:fillRef idx="1">
+        <a:scrgbClr r="0" g="0" b="0"/>
+      </a:fillRef>
+      <a:effectRef idx="0">
+        <a:scrgbClr r="0" g="0" b="0"/>
+      </a:effectRef>
+      <a:fontRef idx="minor"/>
+    </dgm:style>
+  </dgm:styleLbl>
+  <dgm:styleLbl name="alignAcc1">
+    <dgm:scene3d>
+      <a:camera prst="orthographicFront"/>
+      <a:lightRig rig="threePt" dir="t"/>
+    </dgm:scene3d>
+    <dgm:sp3d/>
+    <dgm:txPr/>
+    <dgm:style>
+      <a:lnRef idx="2">
+        <a:scrgbClr r="0" g="0" b="0"/>
+      </a:lnRef>
+      <a:fillRef idx="1">
+        <a:scrgbClr r="0" g="0" b="0"/>
+      </a:fillRef>
+      <a:effectRef idx="0">
+        <a:scrgbClr r="0" g="0" b="0"/>
+      </a:effectRef>
+      <a:fontRef idx="minor"/>
+    </dgm:style>
+  </dgm:styleLbl>
+  <dgm:styleLbl name="trAlignAcc1">
+    <dgm:scene3d>
+      <a:camera prst="orthographicFront"/>
+      <a:lightRig rig="threePt" dir="t"/>
+    </dgm:scene3d>
+    <dgm:sp3d/>
+    <dgm:txPr/>
+    <dgm:style>
+      <a:lnRef idx="1">
+        <a:scrgbClr r="0" g="0" b="0"/>
+      </a:lnRef>
+      <a:fillRef idx="1">
+        <a:scrgbClr r="0" g="0" b="0"/>
+      </a:fillRef>
+      <a:effectRef idx="0">
+        <a:scrgbClr r="0" g="0" b="0"/>
+      </a:effectRef>
+      <a:fontRef idx="minor"/>
+    </dgm:style>
+  </dgm:styleLbl>
+  <dgm:styleLbl name="bgAcc1">
+    <dgm:scene3d>
+      <a:camera prst="orthographicFront"/>
+      <a:lightRig rig="threePt" dir="t"/>
+    </dgm:scene3d>
+    <dgm:sp3d/>
+    <dgm:txPr/>
+    <dgm:style>
+      <a:lnRef idx="2">
+        <a:scrgbClr r="0" g="0" b="0"/>
+      </a:lnRef>
+      <a:fillRef idx="1">
+        <a:scrgbClr r="0" g="0" b="0"/>
+      </a:fillRef>
+      <a:effectRef idx="0">
+        <a:scrgbClr r="0" g="0" b="0"/>
+      </a:effectRef>
+      <a:fontRef idx="minor"/>
+    </dgm:style>
+  </dgm:styleLbl>
+  <dgm:styleLbl name="solidFgAcc1">
+    <dgm:scene3d>
+      <a:camera prst="orthographicFront"/>
+      <a:lightRig rig="threePt" dir="t"/>
+    </dgm:scene3d>
+    <dgm:sp3d/>
+    <dgm:txPr/>
+    <dgm:style>
+      <a:lnRef idx="2">
+        <a:scrgbClr r="0" g="0" b="0"/>
+      </a:lnRef>
+      <a:fillRef idx="1">
+        <a:scrgbClr r="0" g="0" b="0"/>
+      </a:fillRef>
+      <a:effectRef idx="0">
+        <a:scrgbClr r="0" g="0" b="0"/>
+      </a:effectRef>
+      <a:fontRef idx="minor"/>
+    </dgm:style>
+  </dgm:styleLbl>
+  <dgm:styleLbl name="solidAlignAcc1">
+    <dgm:scene3d>
+      <a:camera prst="orthographicFront"/>
+      <a:lightRig rig="threePt" dir="t"/>
+    </dgm:scene3d>
+    <dgm:sp3d/>
+    <dgm:txPr/>
+    <dgm:style>
+      <a:lnRef idx="2">
+        <a:scrgbClr r="0" g="0" b="0"/>
+      </a:lnRef>
+      <a:fillRef idx="1">
+        <a:scrgbClr r="0" g="0" b="0"/>
+      </a:fillRef>
+      <a:effectRef idx="0">
+        <a:scrgbClr r="0" g="0" b="0"/>
+      </a:effectRef>
+      <a:fontRef idx="minor"/>
+    </dgm:style>
+  </dgm:styleLbl>
+  <dgm:styleLbl name="solidBgAcc1">
+    <dgm:scene3d>
+      <a:camera prst="orthographicFront"/>
+      <a:lightRig rig="threePt" dir="t"/>
+    </dgm:scene3d>
+    <dgm:sp3d/>
+    <dgm:txPr/>
+    <dgm:style>
+      <a:lnRef idx="2">
+        <a:scrgbClr r="0" g="0" b="0"/>
+      </a:lnRef>
+      <a:fillRef idx="1">
+        <a:scrgbClr r="0" g="0" b="0"/>
+      </a:fillRef>
+      <a:effectRef idx="0">
+        <a:scrgbClr r="0" g="0" b="0"/>
+      </a:effectRef>
+      <a:fontRef idx="minor"/>
+    </dgm:style>
+  </dgm:styleLbl>
+  <dgm:styleLbl name="fgAccFollowNode1">
+    <dgm:scene3d>
+      <a:camera prst="orthographicFront"/>
+      <a:lightRig rig="threePt" dir="t"/>
+    </dgm:scene3d>
+    <dgm:sp3d/>
+    <dgm:txPr/>
+    <dgm:style>
+      <a:lnRef idx="2">
+        <a:scrgbClr r="0" g="0" b="0"/>
+      </a:lnRef>
+      <a:fillRef idx="1">
+        <a:scrgbClr r="0" g="0" b="0"/>
+      </a:fillRef>
+      <a:effectRef idx="0">
+        <a:scrgbClr r="0" g="0" b="0"/>
+      </a:effectRef>
+      <a:fontRef idx="minor"/>
+    </dgm:style>
+  </dgm:styleLbl>
+  <dgm:styleLbl name="alignAccFollowNode1">
+    <dgm:scene3d>
+      <a:camera prst="orthographicFront"/>
+      <a:lightRig rig="threePt" dir="t"/>
+    </dgm:scene3d>
+    <dgm:sp3d/>
+    <dgm:txPr/>
+    <dgm:style>
+      <a:lnRef idx="2">
+        <a:scrgbClr r="0" g="0" b="0"/>
+      </a:lnRef>
+      <a:fillRef idx="1">
+        <a:scrgbClr r="0" g="0" b="0"/>
+      </a:fillRef>
+      <a:effectRef idx="0">
+        <a:scrgbClr r="0" g="0" b="0"/>
+      </a:effectRef>
+      <a:fontRef idx="minor"/>
+    </dgm:style>
+  </dgm:styleLbl>
+  <dgm:styleLbl name="bgAccFollowNode1">
+    <dgm:scene3d>
+      <a:camera prst="orthographicFront"/>
+      <a:lightRig rig="threePt" dir="t"/>
+    </dgm:scene3d>
+    <dgm:sp3d/>
+    <dgm:txPr/>
+    <dgm:style>
+      <a:lnRef idx="2">
+        <a:scrgbClr r="0" g="0" b="0"/>
+      </a:lnRef>
+      <a:fillRef idx="1">
+        <a:scrgbClr r="0" g="0" b="0"/>
+      </a:fillRef>
+      <a:effectRef idx="0">
+        <a:scrgbClr r="0" g="0" b="0"/>
+      </a:effectRef>
+      <a:fontRef idx="minor"/>
+    </dgm:style>
+  </dgm:styleLbl>
+  <dgm:styleLbl name="fgAcc0">
+    <dgm:scene3d>
+      <a:camera prst="orthographicFront"/>
+      <a:lightRig rig="threePt" dir="t"/>
+    </dgm:scene3d>
+    <dgm:sp3d/>
+    <dgm:txPr/>
+    <dgm:style>
+      <a:lnRef idx="2">
+        <a:scrgbClr r="0" g="0" b="0"/>
+      </a:lnRef>
+      <a:fillRef idx="1">
+        <a:scrgbClr r="0" g="0" b="0"/>
+      </a:fillRef>
+      <a:effectRef idx="0">
+        <a:scrgbClr r="0" g="0" b="0"/>
+      </a:effectRef>
+      <a:fontRef idx="minor"/>
+    </dgm:style>
+  </dgm:styleLbl>
+  <dgm:styleLbl name="fgAcc2">
+    <dgm:scene3d>
+      <a:camera prst="orthographicFront"/>
+      <a:lightRig rig="threePt" dir="t"/>
+    </dgm:scene3d>
+    <dgm:sp3d/>
+    <dgm:txPr/>
+    <dgm:style>
+      <a:lnRef idx="2">
+        <a:scrgbClr r="0" g="0" b="0"/>
+      </a:lnRef>
+      <a:fillRef idx="1">
+        <a:scrgbClr r="0" g="0" b="0"/>
+      </a:fillRef>
+      <a:effectRef idx="0">
+        <a:scrgbClr r="0" g="0" b="0"/>
+      </a:effectRef>
+      <a:fontRef idx="minor"/>
+    </dgm:style>
+  </dgm:styleLbl>
+  <dgm:styleLbl name="fgAcc3">
+    <dgm:scene3d>
+      <a:camera prst="orthographicFront"/>
+      <a:lightRig rig="threePt" dir="t"/>
+    </dgm:scene3d>
+    <dgm:sp3d/>
+    <dgm:txPr/>
+    <dgm:style>
+      <a:lnRef idx="2">
+        <a:scrgbClr r="0" g="0" b="0"/>
+      </a:lnRef>
+      <a:fillRef idx="1">
+        <a:scrgbClr r="0" g="0" b="0"/>
+      </a:fillRef>
+      <a:effectRef idx="0">
+        <a:scrgbClr r="0" g="0" b="0"/>
+      </a:effectRef>
+      <a:fontRef idx="minor"/>
+    </dgm:style>
+  </dgm:styleLbl>
+  <dgm:styleLbl name="fgAcc4">
+    <dgm:scene3d>
+      <a:camera prst="orthographicFront"/>
+      <a:lightRig rig="threePt" dir="t"/>
+    </dgm:scene3d>
+    <dgm:sp3d/>
+    <dgm:txPr/>
+    <dgm:style>
+      <a:lnRef idx="2">
+        <a:scrgbClr r="0" g="0" b="0"/>
+      </a:lnRef>
+      <a:fillRef idx="1">
+        <a:scrgbClr r="0" g="0" b="0"/>
+      </a:fillRef>
+      <a:effectRef idx="0">
+        <a:scrgbClr r="0" g="0" b="0"/>
+      </a:effectRef>
+      <a:fontRef idx="minor"/>
+    </dgm:style>
+  </dgm:styleLbl>
+  <dgm:styleLbl name="bgShp">
+    <dgm:scene3d>
+      <a:camera prst="orthographicFront"/>
+      <a:lightRig rig="threePt" dir="t"/>
+    </dgm:scene3d>
+    <dgm:sp3d/>
+    <dgm:txPr/>
+    <dgm:style>
+      <a:lnRef idx="0">
+        <a:scrgbClr r="0" g="0" b="0"/>
+      </a:lnRef>
+      <a:fillRef idx="1">
+        <a:scrgbClr r="0" g="0" b="0"/>
+      </a:fillRef>
+      <a:effectRef idx="0">
+        <a:scrgbClr r="0" g="0" b="0"/>
+      </a:effectRef>
+      <a:fontRef idx="minor"/>
+    </dgm:style>
+  </dgm:styleLbl>
+  <dgm:styleLbl name="dkBgShp">
+    <dgm:scene3d>
+      <a:camera prst="orthographicFront"/>
+      <a:lightRig rig="threePt" dir="t"/>
+    </dgm:scene3d>
+    <dgm:sp3d/>
+    <dgm:txPr/>
+    <dgm:style>
+      <a:lnRef idx="0">
+        <a:scrgbClr r="0" g="0" b="0"/>
+      </a:lnRef>
+      <a:fillRef idx="1">
+        <a:scrgbClr r="0" g="0" b="0"/>
+      </a:fillRef>
+      <a:effectRef idx="0">
+        <a:scrgbClr r="0" g="0" b="0"/>
+      </a:effectRef>
+      <a:fontRef idx="minor"/>
+    </dgm:style>
+  </dgm:styleLbl>
+  <dgm:styleLbl name="trBgShp">
+    <dgm:scene3d>
+      <a:camera prst="orthographicFront"/>
+      <a:lightRig rig="threePt" dir="t"/>
+    </dgm:scene3d>
+    <dgm:sp3d/>
+    <dgm:txPr/>
+    <dgm:style>
+      <a:lnRef idx="0">
+        <a:scrgbClr r="0" g="0" b="0"/>
+      </a:lnRef>
+      <a:fillRef idx="1">
+        <a:scrgbClr r="0" g="0" b="0"/>
+      </a:fillRef>
+      <a:effectRef idx="0">
+        <a:scrgbClr r="0" g="0" b="0"/>
+      </a:effectRef>
+      <a:fontRef idx="minor"/>
+    </dgm:style>
+  </dgm:styleLbl>
+  <dgm:styleLbl name="fgShp">
+    <dgm:scene3d>
+      <a:camera prst="orthographicFront"/>
+      <a:lightRig rig="threePt" dir="t"/>
+    </dgm:scene3d>
+    <dgm:sp3d/>
+    <dgm:txPr/>
+    <dgm:style>
+      <a:lnRef idx="2">
+        <a:scrgbClr r="0" g="0" b="0"/>
+      </a:lnRef>
+      <a:fillRef idx="1">
+        <a:scrgbClr r="0" g="0" b="0"/>
+      </a:fillRef>
+      <a:effectRef idx="0">
+        <a:scrgbClr r="0" g="0" b="0"/>
+      </a:effectRef>
+      <a:fontRef idx="minor"/>
+    </dgm:style>
+  </dgm:styleLbl>
+  <dgm:styleLbl name="revTx">
+    <dgm:scene3d>
+      <a:camera prst="orthographicFront"/>
+      <a:lightRig rig="threePt" dir="t"/>
+    </dgm:scene3d>
+    <dgm:sp3d/>
+    <dgm:txPr/>
+    <dgm:style>
+      <a:lnRef idx="0">
+        <a:scrgbClr r="0" g="0" b="0"/>
+      </a:lnRef>
+      <a:fillRef idx="0">
+        <a:scrgbClr r="0" g="0" b="0"/>
+      </a:fillRef>
+      <a:effectRef idx="0">
+        <a:scrgbClr r="0" g="0" b="0"/>
+      </a:effectRef>
+      <a:fontRef idx="minor"/>
+    </dgm:style>
+  </dgm:styleLbl>
+</dgm:styleDef>
 </file>
 
 <file path=ppt/notesMasters/notesMaster1.xml><?xml version="1.0" encoding="utf-8"?>
@@ -10126,7 +13075,7 @@
         <p:spPr>
           <a:xfrm>
             <a:off x="4701075" y="2922150"/>
-            <a:ext cx="3860364" cy="1952908"/>
+            <a:ext cx="3860364" cy="1436962"/>
           </a:xfrm>
           <a:prstGeom prst="rect">
             <a:avLst/>
@@ -10257,50 +13206,6 @@
                 <a:ea typeface="微軟正黑體" panose="020B0604030504040204" pitchFamily="34" charset="-120"/>
               </a:rPr>
               <a:t>丁語婕</a:t>
-            </a:r>
-            <a:endParaRPr lang="en-US" altLang="zh-TW" dirty="0">
-              <a:ea typeface="微軟正黑體" panose="020B0604030504040204" pitchFamily="34" charset="-120"/>
-            </a:endParaRPr>
-          </a:p>
-          <a:p>
-            <a:pPr marL="0" lvl="0" indent="0" algn="l" rtl="0">
-              <a:spcBef>
-                <a:spcPts val="0"/>
-              </a:spcBef>
-              <a:spcAft>
-                <a:spcPts val="0"/>
-              </a:spcAft>
-              <a:buNone/>
-            </a:pPr>
-            <a:r>
-              <a:rPr lang="en-US" altLang="zh-TW" dirty="0" err="1">
-                <a:ea typeface="微軟正黑體" panose="020B0604030504040204" pitchFamily="34" charset="-120"/>
-              </a:rPr>
-              <a:t>Github</a:t>
-            </a:r>
-            <a:r>
-              <a:rPr lang="en-US" altLang="zh-TW" dirty="0">
-                <a:ea typeface="微軟正黑體" panose="020B0604030504040204" pitchFamily="34" charset="-120"/>
-              </a:rPr>
-              <a:t> Repo:</a:t>
-            </a:r>
-          </a:p>
-          <a:p>
-            <a:pPr marL="0" lvl="0" indent="0" algn="l" rtl="0">
-              <a:spcBef>
-                <a:spcPts val="0"/>
-              </a:spcBef>
-              <a:spcAft>
-                <a:spcPts val="0"/>
-              </a:spcAft>
-              <a:buNone/>
-            </a:pPr>
-            <a:r>
-              <a:rPr lang="en-US" dirty="0">
-                <a:ea typeface="微軟正黑體" panose="020B0604030504040204" pitchFamily="34" charset="-120"/>
-                <a:hlinkClick r:id="rId3"/>
-              </a:rPr>
-              <a:t>https://github.com/sun-wt/deadline-.git</a:t>
             </a:r>
             <a:endParaRPr dirty="0">
               <a:ea typeface="微軟正黑體" panose="020B0604030504040204" pitchFamily="34" charset="-120"/>
@@ -10576,22 +13481,18 @@
           </a:bodyPr>
           <a:lstStyle/>
           <a:p>
-            <a:pPr marL="0" lvl="0" indent="0">
+            <a:pPr marL="0" indent="0">
               <a:buClr>
                 <a:schemeClr val="dk1"/>
               </a:buClr>
               <a:buSzPts val="1100"/>
             </a:pPr>
             <a:r>
-              <a:rPr lang="en-US" altLang="zh-TW" dirty="0"/>
-              <a:t>PPT</a:t>
-            </a:r>
-            <a:r>
               <a:rPr lang="zh-TW" altLang="en-US" dirty="0">
                 <a:latin typeface="微軟正黑體" panose="020B0604030504040204" pitchFamily="34" charset="-120"/>
                 <a:ea typeface="微軟正黑體" panose="020B0604030504040204" pitchFamily="34" charset="-120"/>
               </a:rPr>
-              <a:t>製作</a:t>
+              <a:t>程式構想</a:t>
             </a:r>
             <a:endParaRPr lang="en-US" altLang="zh-TW" dirty="0">
               <a:latin typeface="微軟正黑體" panose="020B0604030504040204" pitchFamily="34" charset="-120"/>
@@ -11765,6 +14666,515 @@
 </p:sld>
 </file>
 
+<file path=ppt/slides/slide15.xml><?xml version="1.0" encoding="utf-8"?>
+<p:sld xmlns:a="http://schemas.openxmlformats.org/drawingml/2006/main" xmlns:r="http://schemas.openxmlformats.org/officeDocument/2006/relationships" xmlns:p="http://schemas.openxmlformats.org/presentationml/2006/main">
+  <p:cSld>
+    <p:spTree>
+      <p:nvGrpSpPr>
+        <p:cNvPr id="1" name=""/>
+        <p:cNvGrpSpPr/>
+        <p:nvPr/>
+      </p:nvGrpSpPr>
+      <p:grpSpPr>
+        <a:xfrm>
+          <a:off x="0" y="0"/>
+          <a:ext cx="0" cy="0"/>
+          <a:chOff x="0" y="0"/>
+          <a:chExt cx="0" cy="0"/>
+        </a:xfrm>
+      </p:grpSpPr>
+      <p:sp>
+        <p:nvSpPr>
+          <p:cNvPr id="2" name="標題 1">
+            <a:extLst>
+              <a:ext uri="{FF2B5EF4-FFF2-40B4-BE49-F238E27FC236}">
+                <a16:creationId xmlns:a16="http://schemas.microsoft.com/office/drawing/2014/main" id="{E23F5F01-6C5F-4D8A-8D40-3192F3DA8EE3}"/>
+              </a:ext>
+            </a:extLst>
+          </p:cNvPr>
+          <p:cNvSpPr>
+            <a:spLocks noGrp="1"/>
+          </p:cNvSpPr>
+          <p:nvPr>
+            <p:ph type="title"/>
+          </p:nvPr>
+        </p:nvSpPr>
+        <p:spPr>
+          <a:xfrm>
+            <a:off x="685049" y="729003"/>
+            <a:ext cx="6222589" cy="531000"/>
+          </a:xfrm>
+        </p:spPr>
+        <p:txBody>
+          <a:bodyPr/>
+          <a:lstStyle/>
+          <a:p>
+            <a:r>
+              <a:rPr lang="zh-TW" altLang="en-US" dirty="0">
+                <a:latin typeface="微軟正黑體" panose="020B0604030504040204" pitchFamily="34" charset="-120"/>
+                <a:ea typeface="微軟正黑體" panose="020B0604030504040204" pitchFamily="34" charset="-120"/>
+                <a:cs typeface="Nirmala UI Semilight" panose="020B0402040204020203" pitchFamily="34" charset="0"/>
+              </a:rPr>
+              <a:t>成果</a:t>
+            </a:r>
+          </a:p>
+        </p:txBody>
+      </p:sp>
+      <p:pic>
+        <p:nvPicPr>
+          <p:cNvPr id="6" name="圖片 5">
+            <a:extLst>
+              <a:ext uri="{FF2B5EF4-FFF2-40B4-BE49-F238E27FC236}">
+                <a16:creationId xmlns:a16="http://schemas.microsoft.com/office/drawing/2014/main" id="{72325077-CE1B-4C36-A463-3ADFD450E0BF}"/>
+              </a:ext>
+            </a:extLst>
+          </p:cNvPr>
+          <p:cNvPicPr>
+            <a:picLocks noChangeAspect="1"/>
+          </p:cNvPicPr>
+          <p:nvPr/>
+        </p:nvPicPr>
+        <p:blipFill rotWithShape="1">
+          <a:blip r:embed="rId2"/>
+          <a:srcRect l="19329" t="11144" r="20970" b="10846"/>
+          <a:stretch/>
+        </p:blipFill>
+        <p:spPr>
+          <a:xfrm>
+            <a:off x="2026692" y="836369"/>
+            <a:ext cx="5090615" cy="3741601"/>
+          </a:xfrm>
+          <a:prstGeom prst="rect">
+            <a:avLst/>
+          </a:prstGeom>
+        </p:spPr>
+      </p:pic>
+    </p:spTree>
+    <p:extLst>
+      <p:ext uri="{BB962C8B-B14F-4D97-AF65-F5344CB8AC3E}">
+        <p14:creationId xmlns:p14="http://schemas.microsoft.com/office/powerpoint/2010/main" val="3068116512"/>
+      </p:ext>
+    </p:extLst>
+  </p:cSld>
+  <p:clrMapOvr>
+    <a:masterClrMapping/>
+  </p:clrMapOvr>
+</p:sld>
+</file>
+
+<file path=ppt/slides/slide16.xml><?xml version="1.0" encoding="utf-8"?>
+<p:sld xmlns:a="http://schemas.openxmlformats.org/drawingml/2006/main" xmlns:r="http://schemas.openxmlformats.org/officeDocument/2006/relationships" xmlns:p="http://schemas.openxmlformats.org/presentationml/2006/main">
+  <p:cSld>
+    <p:spTree>
+      <p:nvGrpSpPr>
+        <p:cNvPr id="1" name=""/>
+        <p:cNvGrpSpPr/>
+        <p:nvPr/>
+      </p:nvGrpSpPr>
+      <p:grpSpPr>
+        <a:xfrm>
+          <a:off x="0" y="0"/>
+          <a:ext cx="0" cy="0"/>
+          <a:chOff x="0" y="0"/>
+          <a:chExt cx="0" cy="0"/>
+        </a:xfrm>
+      </p:grpSpPr>
+      <p:sp>
+        <p:nvSpPr>
+          <p:cNvPr id="2" name="標題 1">
+            <a:extLst>
+              <a:ext uri="{FF2B5EF4-FFF2-40B4-BE49-F238E27FC236}">
+                <a16:creationId xmlns:a16="http://schemas.microsoft.com/office/drawing/2014/main" id="{E23F5F01-6C5F-4D8A-8D40-3192F3DA8EE3}"/>
+              </a:ext>
+            </a:extLst>
+          </p:cNvPr>
+          <p:cNvSpPr>
+            <a:spLocks noGrp="1"/>
+          </p:cNvSpPr>
+          <p:nvPr>
+            <p:ph type="title"/>
+          </p:nvPr>
+        </p:nvSpPr>
+        <p:spPr>
+          <a:xfrm>
+            <a:off x="685049" y="729003"/>
+            <a:ext cx="6222589" cy="531000"/>
+          </a:xfrm>
+        </p:spPr>
+        <p:txBody>
+          <a:bodyPr/>
+          <a:lstStyle/>
+          <a:p>
+            <a:r>
+              <a:rPr lang="zh-TW" altLang="en-US" dirty="0">
+                <a:latin typeface="微軟正黑體" panose="020B0604030504040204" pitchFamily="34" charset="-120"/>
+                <a:ea typeface="微軟正黑體" panose="020B0604030504040204" pitchFamily="34" charset="-120"/>
+                <a:cs typeface="Nirmala UI Semilight" panose="020B0402040204020203" pitchFamily="34" charset="0"/>
+              </a:rPr>
+              <a:t>成果</a:t>
+            </a:r>
+          </a:p>
+        </p:txBody>
+      </p:sp>
+      <p:pic>
+        <p:nvPicPr>
+          <p:cNvPr id="3" name="圖片 2">
+            <a:extLst>
+              <a:ext uri="{FF2B5EF4-FFF2-40B4-BE49-F238E27FC236}">
+                <a16:creationId xmlns:a16="http://schemas.microsoft.com/office/drawing/2014/main" id="{353270BB-202D-4FCD-BE2B-F75DB01BA6AE}"/>
+              </a:ext>
+            </a:extLst>
+          </p:cNvPr>
+          <p:cNvPicPr>
+            <a:picLocks noChangeAspect="1"/>
+          </p:cNvPicPr>
+          <p:nvPr/>
+        </p:nvPicPr>
+        <p:blipFill rotWithShape="1">
+          <a:blip r:embed="rId2"/>
+          <a:srcRect l="20223" t="30514" r="21419" b="15622"/>
+          <a:stretch/>
+        </p:blipFill>
+        <p:spPr>
+          <a:xfrm>
+            <a:off x="2019870" y="559559"/>
+            <a:ext cx="5336274" cy="2770496"/>
+          </a:xfrm>
+          <a:prstGeom prst="rect">
+            <a:avLst/>
+          </a:prstGeom>
+        </p:spPr>
+      </p:pic>
+      <p:pic>
+        <p:nvPicPr>
+          <p:cNvPr id="4" name="圖片 3">
+            <a:extLst>
+              <a:ext uri="{FF2B5EF4-FFF2-40B4-BE49-F238E27FC236}">
+                <a16:creationId xmlns:a16="http://schemas.microsoft.com/office/drawing/2014/main" id="{C9CFA7A1-7B79-4E85-845C-B702E1FD4189}"/>
+              </a:ext>
+            </a:extLst>
+          </p:cNvPr>
+          <p:cNvPicPr>
+            <a:picLocks noChangeAspect="1"/>
+          </p:cNvPicPr>
+          <p:nvPr/>
+        </p:nvPicPr>
+        <p:blipFill rotWithShape="1">
+          <a:blip r:embed="rId3"/>
+          <a:srcRect l="22388" t="9021" r="22388" b="73732"/>
+          <a:stretch/>
+        </p:blipFill>
+        <p:spPr>
+          <a:xfrm>
+            <a:off x="1937984" y="3337395"/>
+            <a:ext cx="5686135" cy="1027686"/>
+          </a:xfrm>
+          <a:prstGeom prst="rect">
+            <a:avLst/>
+          </a:prstGeom>
+        </p:spPr>
+      </p:pic>
+    </p:spTree>
+    <p:extLst>
+      <p:ext uri="{BB962C8B-B14F-4D97-AF65-F5344CB8AC3E}">
+        <p14:creationId xmlns:p14="http://schemas.microsoft.com/office/powerpoint/2010/main" val="1446174475"/>
+      </p:ext>
+    </p:extLst>
+  </p:cSld>
+  <p:clrMapOvr>
+    <a:masterClrMapping/>
+  </p:clrMapOvr>
+</p:sld>
+</file>
+
+<file path=ppt/slides/slide17.xml><?xml version="1.0" encoding="utf-8"?>
+<p:sld xmlns:a="http://schemas.openxmlformats.org/drawingml/2006/main" xmlns:r="http://schemas.openxmlformats.org/officeDocument/2006/relationships" xmlns:p="http://schemas.openxmlformats.org/presentationml/2006/main">
+  <p:cSld>
+    <p:spTree>
+      <p:nvGrpSpPr>
+        <p:cNvPr id="1" name=""/>
+        <p:cNvGrpSpPr/>
+        <p:nvPr/>
+      </p:nvGrpSpPr>
+      <p:grpSpPr>
+        <a:xfrm>
+          <a:off x="0" y="0"/>
+          <a:ext cx="0" cy="0"/>
+          <a:chOff x="0" y="0"/>
+          <a:chExt cx="0" cy="0"/>
+        </a:xfrm>
+      </p:grpSpPr>
+      <p:sp>
+        <p:nvSpPr>
+          <p:cNvPr id="2" name="標題 1">
+            <a:extLst>
+              <a:ext uri="{FF2B5EF4-FFF2-40B4-BE49-F238E27FC236}">
+                <a16:creationId xmlns:a16="http://schemas.microsoft.com/office/drawing/2014/main" id="{E23F5F01-6C5F-4D8A-8D40-3192F3DA8EE3}"/>
+              </a:ext>
+            </a:extLst>
+          </p:cNvPr>
+          <p:cNvSpPr>
+            <a:spLocks noGrp="1"/>
+          </p:cNvSpPr>
+          <p:nvPr>
+            <p:ph type="title"/>
+          </p:nvPr>
+        </p:nvSpPr>
+        <p:spPr>
+          <a:xfrm>
+            <a:off x="685049" y="729003"/>
+            <a:ext cx="6222589" cy="531000"/>
+          </a:xfrm>
+        </p:spPr>
+        <p:txBody>
+          <a:bodyPr/>
+          <a:lstStyle/>
+          <a:p>
+            <a:r>
+              <a:rPr lang="zh-TW" altLang="en-US" dirty="0">
+                <a:latin typeface="微軟正黑體" panose="020B0604030504040204" pitchFamily="34" charset="-120"/>
+                <a:ea typeface="微軟正黑體" panose="020B0604030504040204" pitchFamily="34" charset="-120"/>
+                <a:cs typeface="Nirmala UI Semilight" panose="020B0402040204020203" pitchFamily="34" charset="0"/>
+              </a:rPr>
+              <a:t>成果</a:t>
+            </a:r>
+          </a:p>
+        </p:txBody>
+      </p:sp>
+      <p:pic>
+        <p:nvPicPr>
+          <p:cNvPr id="5" name="圖片 4">
+            <a:extLst>
+              <a:ext uri="{FF2B5EF4-FFF2-40B4-BE49-F238E27FC236}">
+                <a16:creationId xmlns:a16="http://schemas.microsoft.com/office/drawing/2014/main" id="{5FA4DDA8-2816-4178-8844-C12D4CDD6A7B}"/>
+              </a:ext>
+            </a:extLst>
+          </p:cNvPr>
+          <p:cNvPicPr>
+            <a:picLocks noChangeAspect="1"/>
+          </p:cNvPicPr>
+          <p:nvPr/>
+        </p:nvPicPr>
+        <p:blipFill rotWithShape="1">
+          <a:blip r:embed="rId2"/>
+          <a:srcRect l="25745" t="9287" r="30225" b="24257"/>
+          <a:stretch/>
+        </p:blipFill>
+        <p:spPr>
+          <a:xfrm>
+            <a:off x="1978924" y="729003"/>
+            <a:ext cx="4653888" cy="3951156"/>
+          </a:xfrm>
+          <a:prstGeom prst="rect">
+            <a:avLst/>
+          </a:prstGeom>
+        </p:spPr>
+      </p:pic>
+    </p:spTree>
+    <p:extLst>
+      <p:ext uri="{BB962C8B-B14F-4D97-AF65-F5344CB8AC3E}">
+        <p14:creationId xmlns:p14="http://schemas.microsoft.com/office/powerpoint/2010/main" val="2434310670"/>
+      </p:ext>
+    </p:extLst>
+  </p:cSld>
+  <p:clrMapOvr>
+    <a:masterClrMapping/>
+  </p:clrMapOvr>
+</p:sld>
+</file>
+
+<file path=ppt/slides/slide18.xml><?xml version="1.0" encoding="utf-8"?>
+<p:sld xmlns:a="http://schemas.openxmlformats.org/drawingml/2006/main" xmlns:r="http://schemas.openxmlformats.org/officeDocument/2006/relationships" xmlns:p="http://schemas.openxmlformats.org/presentationml/2006/main">
+  <p:cSld>
+    <p:spTree>
+      <p:nvGrpSpPr>
+        <p:cNvPr id="1" name=""/>
+        <p:cNvGrpSpPr/>
+        <p:nvPr/>
+      </p:nvGrpSpPr>
+      <p:grpSpPr>
+        <a:xfrm>
+          <a:off x="0" y="0"/>
+          <a:ext cx="0" cy="0"/>
+          <a:chOff x="0" y="0"/>
+          <a:chExt cx="0" cy="0"/>
+        </a:xfrm>
+      </p:grpSpPr>
+      <p:sp>
+        <p:nvSpPr>
+          <p:cNvPr id="2" name="標題 1">
+            <a:extLst>
+              <a:ext uri="{FF2B5EF4-FFF2-40B4-BE49-F238E27FC236}">
+                <a16:creationId xmlns:a16="http://schemas.microsoft.com/office/drawing/2014/main" id="{E23F5F01-6C5F-4D8A-8D40-3192F3DA8EE3}"/>
+              </a:ext>
+            </a:extLst>
+          </p:cNvPr>
+          <p:cNvSpPr>
+            <a:spLocks noGrp="1"/>
+          </p:cNvSpPr>
+          <p:nvPr>
+            <p:ph type="title"/>
+          </p:nvPr>
+        </p:nvSpPr>
+        <p:spPr>
+          <a:xfrm>
+            <a:off x="685049" y="729003"/>
+            <a:ext cx="6222589" cy="531000"/>
+          </a:xfrm>
+        </p:spPr>
+        <p:txBody>
+          <a:bodyPr/>
+          <a:lstStyle/>
+          <a:p>
+            <a:r>
+              <a:rPr lang="zh-TW" altLang="en-US" dirty="0">
+                <a:latin typeface="微軟正黑體" panose="020B0604030504040204" pitchFamily="34" charset="-120"/>
+                <a:ea typeface="微軟正黑體" panose="020B0604030504040204" pitchFamily="34" charset="-120"/>
+                <a:cs typeface="Nirmala UI Semilight" panose="020B0402040204020203" pitchFamily="34" charset="0"/>
+              </a:rPr>
+              <a:t>成果</a:t>
+            </a:r>
+          </a:p>
+        </p:txBody>
+      </p:sp>
+      <p:pic>
+        <p:nvPicPr>
+          <p:cNvPr id="3" name="圖片 2">
+            <a:extLst>
+              <a:ext uri="{FF2B5EF4-FFF2-40B4-BE49-F238E27FC236}">
+                <a16:creationId xmlns:a16="http://schemas.microsoft.com/office/drawing/2014/main" id="{1A2820E6-C586-46AB-8283-29DCDAB11BFF}"/>
+              </a:ext>
+            </a:extLst>
+          </p:cNvPr>
+          <p:cNvPicPr>
+            <a:picLocks noChangeAspect="1"/>
+          </p:cNvPicPr>
+          <p:nvPr/>
+        </p:nvPicPr>
+        <p:blipFill rotWithShape="1">
+          <a:blip r:embed="rId2"/>
+          <a:srcRect l="26417" t="14173" r="26792" b="53168"/>
+          <a:stretch/>
+        </p:blipFill>
+        <p:spPr>
+          <a:xfrm>
+            <a:off x="2060813" y="1260003"/>
+            <a:ext cx="5392540" cy="2117187"/>
+          </a:xfrm>
+          <a:prstGeom prst="rect">
+            <a:avLst/>
+          </a:prstGeom>
+        </p:spPr>
+      </p:pic>
+    </p:spTree>
+    <p:extLst>
+      <p:ext uri="{BB962C8B-B14F-4D97-AF65-F5344CB8AC3E}">
+        <p14:creationId xmlns:p14="http://schemas.microsoft.com/office/powerpoint/2010/main" val="3963480561"/>
+      </p:ext>
+    </p:extLst>
+  </p:cSld>
+  <p:clrMapOvr>
+    <a:masterClrMapping/>
+  </p:clrMapOvr>
+</p:sld>
+</file>
+
+<file path=ppt/slides/slide19.xml><?xml version="1.0" encoding="utf-8"?>
+<p:sld xmlns:a="http://schemas.openxmlformats.org/drawingml/2006/main" xmlns:r="http://schemas.openxmlformats.org/officeDocument/2006/relationships" xmlns:p="http://schemas.openxmlformats.org/presentationml/2006/main">
+  <p:cSld>
+    <p:spTree>
+      <p:nvGrpSpPr>
+        <p:cNvPr id="1" name=""/>
+        <p:cNvGrpSpPr/>
+        <p:nvPr/>
+      </p:nvGrpSpPr>
+      <p:grpSpPr>
+        <a:xfrm>
+          <a:off x="0" y="0"/>
+          <a:ext cx="0" cy="0"/>
+          <a:chOff x="0" y="0"/>
+          <a:chExt cx="0" cy="0"/>
+        </a:xfrm>
+      </p:grpSpPr>
+      <p:sp>
+        <p:nvSpPr>
+          <p:cNvPr id="2" name="標題 1">
+            <a:extLst>
+              <a:ext uri="{FF2B5EF4-FFF2-40B4-BE49-F238E27FC236}">
+                <a16:creationId xmlns:a16="http://schemas.microsoft.com/office/drawing/2014/main" id="{E23F5F01-6C5F-4D8A-8D40-3192F3DA8EE3}"/>
+              </a:ext>
+            </a:extLst>
+          </p:cNvPr>
+          <p:cNvSpPr>
+            <a:spLocks noGrp="1"/>
+          </p:cNvSpPr>
+          <p:nvPr>
+            <p:ph type="title"/>
+          </p:nvPr>
+        </p:nvSpPr>
+        <p:spPr>
+          <a:xfrm>
+            <a:off x="685049" y="729003"/>
+            <a:ext cx="6222589" cy="531000"/>
+          </a:xfrm>
+        </p:spPr>
+        <p:txBody>
+          <a:bodyPr/>
+          <a:lstStyle/>
+          <a:p>
+            <a:r>
+              <a:rPr lang="zh-TW" altLang="en-US" dirty="0">
+                <a:latin typeface="微軟正黑體" panose="020B0604030504040204" pitchFamily="34" charset="-120"/>
+                <a:ea typeface="微軟正黑體" panose="020B0604030504040204" pitchFamily="34" charset="-120"/>
+                <a:cs typeface="Nirmala UI Semilight" panose="020B0402040204020203" pitchFamily="34" charset="0"/>
+              </a:rPr>
+              <a:t>成果</a:t>
+            </a:r>
+          </a:p>
+        </p:txBody>
+      </p:sp>
+      <p:pic>
+        <p:nvPicPr>
+          <p:cNvPr id="4" name="圖片 3">
+            <a:extLst>
+              <a:ext uri="{FF2B5EF4-FFF2-40B4-BE49-F238E27FC236}">
+                <a16:creationId xmlns:a16="http://schemas.microsoft.com/office/drawing/2014/main" id="{33F61D3C-B742-4849-A249-F7670D8E8DA1}"/>
+              </a:ext>
+            </a:extLst>
+          </p:cNvPr>
+          <p:cNvPicPr>
+            <a:picLocks noChangeAspect="1"/>
+          </p:cNvPicPr>
+          <p:nvPr/>
+        </p:nvPicPr>
+        <p:blipFill rotWithShape="1">
+          <a:blip r:embed="rId2"/>
+          <a:srcRect l="26642" t="9950" r="27388" b="27297"/>
+          <a:stretch/>
+        </p:blipFill>
+        <p:spPr>
+          <a:xfrm>
+            <a:off x="1970005" y="729003"/>
+            <a:ext cx="5067039" cy="3890764"/>
+          </a:xfrm>
+          <a:prstGeom prst="rect">
+            <a:avLst/>
+          </a:prstGeom>
+        </p:spPr>
+      </p:pic>
+    </p:spTree>
+    <p:extLst>
+      <p:ext uri="{BB962C8B-B14F-4D97-AF65-F5344CB8AC3E}">
+        <p14:creationId xmlns:p14="http://schemas.microsoft.com/office/powerpoint/2010/main" val="3386613967"/>
+      </p:ext>
+    </p:extLst>
+  </p:cSld>
+  <p:clrMapOvr>
+    <a:masterClrMapping/>
+  </p:clrMapOvr>
+</p:sld>
+</file>
+
 <file path=ppt/slides/slide2.xml><?xml version="1.0" encoding="utf-8"?>
 <p:sld xmlns:a="http://schemas.openxmlformats.org/drawingml/2006/main" xmlns:r="http://schemas.openxmlformats.org/officeDocument/2006/relationships" xmlns:p="http://schemas.openxmlformats.org/presentationml/2006/main">
   <p:cSld>
@@ -13770,6 +17180,104 @@
     <p:extLst>
       <p:ext uri="{BB962C8B-B14F-4D97-AF65-F5344CB8AC3E}">
         <p14:creationId xmlns:p14="http://schemas.microsoft.com/office/powerpoint/2010/main" val="1288602391"/>
+      </p:ext>
+    </p:extLst>
+  </p:cSld>
+  <p:clrMapOvr>
+    <a:masterClrMapping/>
+  </p:clrMapOvr>
+</p:sld>
+</file>
+
+<file path=ppt/slides/slide20.xml><?xml version="1.0" encoding="utf-8"?>
+<p:sld xmlns:a="http://schemas.openxmlformats.org/drawingml/2006/main" xmlns:r="http://schemas.openxmlformats.org/officeDocument/2006/relationships" xmlns:p="http://schemas.openxmlformats.org/presentationml/2006/main">
+  <p:cSld>
+    <p:spTree>
+      <p:nvGrpSpPr>
+        <p:cNvPr id="1" name=""/>
+        <p:cNvGrpSpPr/>
+        <p:nvPr/>
+      </p:nvGrpSpPr>
+      <p:grpSpPr>
+        <a:xfrm>
+          <a:off x="0" y="0"/>
+          <a:ext cx="0" cy="0"/>
+          <a:chOff x="0" y="0"/>
+          <a:chExt cx="0" cy="0"/>
+        </a:xfrm>
+      </p:grpSpPr>
+      <p:sp>
+        <p:nvSpPr>
+          <p:cNvPr id="2" name="標題 1"/>
+          <p:cNvSpPr>
+            <a:spLocks noGrp="1"/>
+          </p:cNvSpPr>
+          <p:nvPr>
+            <p:ph type="title"/>
+          </p:nvPr>
+        </p:nvSpPr>
+        <p:spPr/>
+        <p:txBody>
+          <a:bodyPr/>
+          <a:lstStyle/>
+          <a:p>
+            <a:r>
+              <a:rPr lang="zh-TW" altLang="en-US" dirty="0" smtClean="0"/>
+              <a:t>引用連結</a:t>
+            </a:r>
+            <a:endParaRPr lang="zh-TW" altLang="en-US" dirty="0"/>
+          </a:p>
+        </p:txBody>
+      </p:sp>
+      <p:sp>
+        <p:nvSpPr>
+          <p:cNvPr id="3" name="文字版面配置區 2"/>
+          <p:cNvSpPr>
+            <a:spLocks noGrp="1"/>
+          </p:cNvSpPr>
+          <p:nvPr>
+            <p:ph type="body" idx="1"/>
+          </p:nvPr>
+        </p:nvSpPr>
+        <p:spPr>
+          <a:xfrm>
+            <a:off x="685049" y="1675481"/>
+            <a:ext cx="3918481" cy="2163900"/>
+          </a:xfrm>
+        </p:spPr>
+        <p:txBody>
+          <a:bodyPr/>
+          <a:lstStyle/>
+          <a:p>
+            <a:r>
+              <a:rPr lang="en-US" altLang="zh-TW" dirty="0">
+                <a:hlinkClick r:id="rId2"/>
+              </a:rPr>
+              <a:t>https</a:t>
+            </a:r>
+            <a:r>
+              <a:rPr lang="en-US" altLang="zh-TW">
+                <a:hlinkClick r:id="rId2"/>
+              </a:rPr>
+              <a:t>://</a:t>
+            </a:r>
+            <a:r>
+              <a:rPr lang="en-US" altLang="zh-TW" smtClean="0">
+                <a:hlinkClick r:id="rId2"/>
+              </a:rPr>
+              <a:t>reurl.cc/MZdyWW</a:t>
+            </a:r>
+            <a:endParaRPr lang="en-US" altLang="zh-TW" smtClean="0"/>
+          </a:p>
+          <a:p>
+            <a:endParaRPr lang="zh-TW" altLang="en-US" dirty="0"/>
+          </a:p>
+        </p:txBody>
+      </p:sp>
+    </p:spTree>
+    <p:extLst>
+      <p:ext uri="{BB962C8B-B14F-4D97-AF65-F5344CB8AC3E}">
+        <p14:creationId xmlns:p14="http://schemas.microsoft.com/office/powerpoint/2010/main" val="2319021155"/>
       </p:ext>
     </p:extLst>
   </p:cSld>
@@ -17601,15 +21109,39 @@
               <a:buNone/>
             </a:pPr>
             <a:r>
-              <a:rPr lang="en-US" dirty="0"/>
-              <a:t>Word2vec</a:t>
+              <a:rPr lang="zh-TW" altLang="en-US" dirty="0" smtClean="0">
+                <a:latin typeface="微軟正黑體" panose="020B0604030504040204" pitchFamily="34" charset="-120"/>
+                <a:ea typeface="微軟正黑體" panose="020B0604030504040204" pitchFamily="34" charset="-120"/>
+              </a:rPr>
+              <a:t>斷</a:t>
             </a:r>
             <a:r>
               <a:rPr lang="zh-TW" altLang="en-US" dirty="0">
                 <a:latin typeface="微軟正黑體" panose="020B0604030504040204" pitchFamily="34" charset="-120"/>
                 <a:ea typeface="微軟正黑體" panose="020B0604030504040204" pitchFamily="34" charset="-120"/>
               </a:rPr>
-              <a:t>、斷詞工具</a:t>
+              <a:t>詞</a:t>
+            </a:r>
+            <a:r>
+              <a:rPr lang="zh-TW" altLang="en-US" dirty="0" smtClean="0">
+                <a:latin typeface="微軟正黑體" panose="020B0604030504040204" pitchFamily="34" charset="-120"/>
+                <a:ea typeface="微軟正黑體" panose="020B0604030504040204" pitchFamily="34" charset="-120"/>
+              </a:rPr>
+              <a:t>工具 </a:t>
+            </a:r>
+            <a:r>
+              <a:rPr lang="en-US" altLang="zh-TW" dirty="0" err="1" smtClean="0">
+                <a:latin typeface="微軟正黑體" panose="020B0604030504040204" pitchFamily="34" charset="-120"/>
+                <a:ea typeface="微軟正黑體" panose="020B0604030504040204" pitchFamily="34" charset="-120"/>
+              </a:rPr>
+              <a:t>Articut</a:t>
+            </a:r>
+            <a:r>
+              <a:rPr lang="zh-TW" altLang="en-US" smtClean="0">
+                <a:latin typeface="微軟正黑體" panose="020B0604030504040204" pitchFamily="34" charset="-120"/>
+                <a:ea typeface="微軟正黑體" panose="020B0604030504040204" pitchFamily="34" charset="-120"/>
+              </a:rPr>
+              <a:t>斷詞</a:t>
             </a:r>
             <a:endParaRPr dirty="0">
               <a:latin typeface="微軟正黑體" panose="020B0604030504040204" pitchFamily="34" charset="-120"/>
@@ -20269,436 +23801,6 @@
           </a:ln>
         </p:spPr>
       </p:cxnSp>
-      <p:grpSp>
-        <p:nvGrpSpPr>
-          <p:cNvPr id="3814" name="Google Shape;3814;p44"/>
-          <p:cNvGrpSpPr/>
-          <p:nvPr/>
-        </p:nvGrpSpPr>
-        <p:grpSpPr>
-          <a:xfrm>
-            <a:off x="950878" y="1843088"/>
-            <a:ext cx="7236619" cy="1573178"/>
-            <a:chOff x="238125" y="351975"/>
-            <a:chExt cx="7143025" cy="5010575"/>
-          </a:xfrm>
-        </p:grpSpPr>
-        <p:sp>
-          <p:nvSpPr>
-            <p:cNvPr id="3815" name="Google Shape;3815;p44"/>
-            <p:cNvSpPr/>
-            <p:nvPr/>
-          </p:nvSpPr>
-          <p:spPr>
-            <a:xfrm>
-              <a:off x="238125" y="398550"/>
-              <a:ext cx="7143025" cy="4964000"/>
-            </a:xfrm>
-            <a:custGeom>
-              <a:avLst/>
-              <a:gdLst/>
-              <a:ahLst/>
-              <a:cxnLst/>
-              <a:rect l="l" t="t" r="r" b="b"/>
-              <a:pathLst>
-                <a:path w="285721" h="198560" extrusionOk="0">
-                  <a:moveTo>
-                    <a:pt x="4894" y="1"/>
-                  </a:moveTo>
-                  <a:cubicBezTo>
-                    <a:pt x="2320" y="1"/>
-                    <a:pt x="0" y="2065"/>
-                    <a:pt x="0" y="4901"/>
-                  </a:cubicBezTo>
-                  <a:lnTo>
-                    <a:pt x="0" y="193405"/>
-                  </a:lnTo>
-                  <a:cubicBezTo>
-                    <a:pt x="0" y="196239"/>
-                    <a:pt x="2320" y="198560"/>
-                    <a:pt x="4894" y="198560"/>
-                  </a:cubicBezTo>
-                  <a:lnTo>
-                    <a:pt x="281292" y="198560"/>
-                  </a:lnTo>
-                  <a:cubicBezTo>
-                    <a:pt x="283867" y="198560"/>
-                    <a:pt x="285720" y="196239"/>
-                    <a:pt x="285720" y="193405"/>
-                  </a:cubicBezTo>
-                  <a:lnTo>
-                    <a:pt x="285719" y="4901"/>
-                  </a:lnTo>
-                  <a:cubicBezTo>
-                    <a:pt x="285719" y="2065"/>
-                    <a:pt x="283865" y="1"/>
-                    <a:pt x="281292" y="1"/>
-                  </a:cubicBezTo>
-                  <a:close/>
-                </a:path>
-              </a:pathLst>
-            </a:custGeom>
-            <a:solidFill>
-              <a:schemeClr val="accent2"/>
-            </a:solidFill>
-            <a:ln>
-              <a:noFill/>
-            </a:ln>
-          </p:spPr>
-          <p:txBody>
-            <a:bodyPr spcFirstLastPara="1" wrap="square" lIns="91425" tIns="91425" rIns="91425" bIns="91425" anchor="ctr" anchorCtr="0">
-              <a:noAutofit/>
-            </a:bodyPr>
-            <a:lstStyle/>
-            <a:p>
-              <a:pPr marL="0" lvl="0" indent="0" algn="l" rtl="0">
-                <a:spcBef>
-                  <a:spcPts val="0"/>
-                </a:spcBef>
-                <a:spcAft>
-                  <a:spcPts val="0"/>
-                </a:spcAft>
-                <a:buNone/>
-              </a:pPr>
-              <a:endParaRPr/>
-            </a:p>
-          </p:txBody>
-        </p:sp>
-        <p:sp>
-          <p:nvSpPr>
-            <p:cNvPr id="3816" name="Google Shape;3816;p44"/>
-            <p:cNvSpPr/>
-            <p:nvPr/>
-          </p:nvSpPr>
-          <p:spPr>
-            <a:xfrm>
-              <a:off x="238125" y="351975"/>
-              <a:ext cx="7143025" cy="522150"/>
-            </a:xfrm>
-            <a:custGeom>
-              <a:avLst/>
-              <a:gdLst/>
-              <a:ahLst/>
-              <a:cxnLst/>
-              <a:rect l="l" t="t" r="r" b="b"/>
-              <a:pathLst>
-                <a:path w="285721" h="20886" extrusionOk="0">
-                  <a:moveTo>
-                    <a:pt x="4894" y="0"/>
-                  </a:moveTo>
-                  <a:cubicBezTo>
-                    <a:pt x="2320" y="0"/>
-                    <a:pt x="0" y="2064"/>
-                    <a:pt x="0" y="4898"/>
-                  </a:cubicBezTo>
-                  <a:lnTo>
-                    <a:pt x="0" y="20886"/>
-                  </a:lnTo>
-                  <a:lnTo>
-                    <a:pt x="285720" y="20886"/>
-                  </a:lnTo>
-                  <a:lnTo>
-                    <a:pt x="285720" y="4898"/>
-                  </a:lnTo>
-                  <a:cubicBezTo>
-                    <a:pt x="285720" y="2064"/>
-                    <a:pt x="283865" y="0"/>
-                    <a:pt x="281292" y="0"/>
-                  </a:cubicBezTo>
-                  <a:close/>
-                </a:path>
-              </a:pathLst>
-            </a:custGeom>
-            <a:solidFill>
-              <a:schemeClr val="accent2"/>
-            </a:solidFill>
-            <a:ln>
-              <a:noFill/>
-            </a:ln>
-          </p:spPr>
-          <p:txBody>
-            <a:bodyPr spcFirstLastPara="1" wrap="square" lIns="91425" tIns="91425" rIns="91425" bIns="91425" anchor="ctr" anchorCtr="0">
-              <a:noAutofit/>
-            </a:bodyPr>
-            <a:lstStyle/>
-            <a:p>
-              <a:pPr marL="0" lvl="0" indent="0" algn="l" rtl="0">
-                <a:spcBef>
-                  <a:spcPts val="0"/>
-                </a:spcBef>
-                <a:spcAft>
-                  <a:spcPts val="0"/>
-                </a:spcAft>
-                <a:buNone/>
-              </a:pPr>
-              <a:endParaRPr/>
-            </a:p>
-          </p:txBody>
-        </p:sp>
-        <p:sp>
-          <p:nvSpPr>
-            <p:cNvPr id="3817" name="Google Shape;3817;p44"/>
-            <p:cNvSpPr/>
-            <p:nvPr/>
-          </p:nvSpPr>
-          <p:spPr>
-            <a:xfrm>
-              <a:off x="342975" y="461925"/>
-              <a:ext cx="6933250" cy="4784075"/>
-            </a:xfrm>
-            <a:custGeom>
-              <a:avLst/>
-              <a:gdLst/>
-              <a:ahLst/>
-              <a:cxnLst/>
-              <a:rect l="l" t="t" r="r" b="b"/>
-              <a:pathLst>
-                <a:path w="277330" h="191363" extrusionOk="0">
-                  <a:moveTo>
-                    <a:pt x="4751" y="0"/>
-                  </a:moveTo>
-                  <a:cubicBezTo>
-                    <a:pt x="2252" y="0"/>
-                    <a:pt x="1" y="2105"/>
-                    <a:pt x="1" y="4833"/>
-                  </a:cubicBezTo>
-                  <a:lnTo>
-                    <a:pt x="1" y="186284"/>
-                  </a:lnTo>
-                  <a:cubicBezTo>
-                    <a:pt x="1" y="189012"/>
-                    <a:pt x="2252" y="191363"/>
-                    <a:pt x="4751" y="191363"/>
-                  </a:cubicBezTo>
-                  <a:lnTo>
-                    <a:pt x="273033" y="191363"/>
-                  </a:lnTo>
-                  <a:cubicBezTo>
-                    <a:pt x="275530" y="191363"/>
-                    <a:pt x="277330" y="189012"/>
-                    <a:pt x="277330" y="186284"/>
-                  </a:cubicBezTo>
-                  <a:lnTo>
-                    <a:pt x="277330" y="4833"/>
-                  </a:lnTo>
-                  <a:cubicBezTo>
-                    <a:pt x="277330" y="2104"/>
-                    <a:pt x="275530" y="0"/>
-                    <a:pt x="273033" y="0"/>
-                  </a:cubicBezTo>
-                  <a:close/>
-                </a:path>
-              </a:pathLst>
-            </a:custGeom>
-            <a:solidFill>
-              <a:srgbClr val="B6503C"/>
-            </a:solidFill>
-            <a:ln>
-              <a:noFill/>
-            </a:ln>
-          </p:spPr>
-          <p:txBody>
-            <a:bodyPr spcFirstLastPara="1" wrap="square" lIns="91425" tIns="91425" rIns="91425" bIns="91425" anchor="ctr" anchorCtr="0">
-              <a:noAutofit/>
-            </a:bodyPr>
-            <a:lstStyle/>
-            <a:p>
-              <a:pPr marL="0" lvl="0" indent="0" algn="l" rtl="0">
-                <a:spcBef>
-                  <a:spcPts val="0"/>
-                </a:spcBef>
-                <a:spcAft>
-                  <a:spcPts val="0"/>
-                </a:spcAft>
-                <a:buNone/>
-              </a:pPr>
-              <a:endParaRPr/>
-            </a:p>
-          </p:txBody>
-        </p:sp>
-        <p:sp>
-          <p:nvSpPr>
-            <p:cNvPr id="3818" name="Google Shape;3818;p44"/>
-            <p:cNvSpPr/>
-            <p:nvPr/>
-          </p:nvSpPr>
-          <p:spPr>
-            <a:xfrm>
-              <a:off x="327525" y="4547925"/>
-              <a:ext cx="6954250" cy="788275"/>
-            </a:xfrm>
-            <a:custGeom>
-              <a:avLst/>
-              <a:gdLst/>
-              <a:ahLst/>
-              <a:cxnLst/>
-              <a:rect l="l" t="t" r="r" b="b"/>
-              <a:pathLst>
-                <a:path w="278170" h="31531" extrusionOk="0">
-                  <a:moveTo>
-                    <a:pt x="1" y="0"/>
-                  </a:moveTo>
-                  <a:lnTo>
-                    <a:pt x="1" y="31531"/>
-                  </a:lnTo>
-                  <a:lnTo>
-                    <a:pt x="278169" y="31531"/>
-                  </a:lnTo>
-                  <a:lnTo>
-                    <a:pt x="278169" y="0"/>
-                  </a:lnTo>
-                  <a:close/>
-                </a:path>
-              </a:pathLst>
-            </a:custGeom>
-            <a:solidFill>
-              <a:schemeClr val="accent2"/>
-            </a:solidFill>
-            <a:ln>
-              <a:noFill/>
-            </a:ln>
-          </p:spPr>
-          <p:txBody>
-            <a:bodyPr spcFirstLastPara="1" wrap="square" lIns="91425" tIns="91425" rIns="91425" bIns="91425" anchor="ctr" anchorCtr="0">
-              <a:noAutofit/>
-            </a:bodyPr>
-            <a:lstStyle/>
-            <a:p>
-              <a:pPr marL="0" lvl="0" indent="0" algn="l" rtl="0">
-                <a:spcBef>
-                  <a:spcPts val="0"/>
-                </a:spcBef>
-                <a:spcAft>
-                  <a:spcPts val="0"/>
-                </a:spcAft>
-                <a:buNone/>
-              </a:pPr>
-              <a:endParaRPr/>
-            </a:p>
-          </p:txBody>
-        </p:sp>
-        <p:sp>
-          <p:nvSpPr>
-            <p:cNvPr id="3819" name="Google Shape;3819;p44"/>
-            <p:cNvSpPr/>
-            <p:nvPr/>
-          </p:nvSpPr>
-          <p:spPr>
-            <a:xfrm>
-              <a:off x="552775" y="4672675"/>
-              <a:ext cx="6472425" cy="36100"/>
-            </a:xfrm>
-            <a:custGeom>
-              <a:avLst/>
-              <a:gdLst/>
-              <a:ahLst/>
-              <a:cxnLst/>
-              <a:rect l="l" t="t" r="r" b="b"/>
-              <a:pathLst>
-                <a:path w="258897" h="1444" extrusionOk="0">
-                  <a:moveTo>
-                    <a:pt x="0" y="0"/>
-                  </a:moveTo>
-                  <a:lnTo>
-                    <a:pt x="0" y="1443"/>
-                  </a:lnTo>
-                  <a:lnTo>
-                    <a:pt x="258897" y="1443"/>
-                  </a:lnTo>
-                  <a:lnTo>
-                    <a:pt x="258897" y="0"/>
-                  </a:lnTo>
-                  <a:close/>
-                </a:path>
-              </a:pathLst>
-            </a:custGeom>
-            <a:solidFill>
-              <a:schemeClr val="accent1"/>
-            </a:solidFill>
-            <a:ln>
-              <a:noFill/>
-            </a:ln>
-          </p:spPr>
-          <p:txBody>
-            <a:bodyPr spcFirstLastPara="1" wrap="square" lIns="91425" tIns="91425" rIns="91425" bIns="91425" anchor="ctr" anchorCtr="0">
-              <a:noAutofit/>
-            </a:bodyPr>
-            <a:lstStyle/>
-            <a:p>
-              <a:pPr marL="0" lvl="0" indent="0" algn="l" rtl="0">
-                <a:spcBef>
-                  <a:spcPts val="0"/>
-                </a:spcBef>
-                <a:spcAft>
-                  <a:spcPts val="0"/>
-                </a:spcAft>
-                <a:buNone/>
-              </a:pPr>
-              <a:endParaRPr/>
-            </a:p>
-          </p:txBody>
-        </p:sp>
-      </p:grpSp>
-      <p:pic>
-        <p:nvPicPr>
-          <p:cNvPr id="3" name="圖片 2" descr="一張含有 文字 的圖片&#10;&#10;自動產生的描述">
-            <a:extLst>
-              <a:ext uri="{FF2B5EF4-FFF2-40B4-BE49-F238E27FC236}">
-                <a16:creationId xmlns:a16="http://schemas.microsoft.com/office/drawing/2014/main" id="{EBAD6C3F-F13D-400D-936D-FDA85D0497A4}"/>
-              </a:ext>
-            </a:extLst>
-          </p:cNvPr>
-          <p:cNvPicPr>
-            <a:picLocks noChangeAspect="1"/>
-          </p:cNvPicPr>
-          <p:nvPr/>
-        </p:nvPicPr>
-        <p:blipFill>
-          <a:blip r:embed="rId3"/>
-          <a:stretch>
-            <a:fillRect/>
-          </a:stretch>
-        </p:blipFill>
-        <p:spPr>
-          <a:xfrm>
-            <a:off x="1033250" y="1901790"/>
-            <a:ext cx="7045371" cy="1339919"/>
-          </a:xfrm>
-          <a:prstGeom prst="rect">
-            <a:avLst/>
-          </a:prstGeom>
-          <a:solidFill>
-            <a:srgbClr val="FFFFFF">
-              <a:shade val="85000"/>
-            </a:srgbClr>
-          </a:solidFill>
-          <a:ln w="88900" cap="sq">
-            <a:solidFill>
-              <a:srgbClr val="FFFFFF"/>
-            </a:solidFill>
-            <a:miter lim="800000"/>
-          </a:ln>
-          <a:effectLst>
-            <a:outerShdw blurRad="55000" dist="18000" dir="5400000" algn="tl" rotWithShape="0">
-              <a:srgbClr val="000000">
-                <a:alpha val="40000"/>
-              </a:srgbClr>
-            </a:outerShdw>
-          </a:effectLst>
-          <a:scene3d>
-            <a:camera prst="orthographicFront"/>
-            <a:lightRig rig="twoPt" dir="t">
-              <a:rot lat="0" lon="0" rev="7200000"/>
-            </a:lightRig>
-          </a:scene3d>
-          <a:sp3d>
-            <a:bevelT w="25400" h="19050"/>
-            <a:contourClr>
-              <a:srgbClr val="FFFFFF"/>
-            </a:contourClr>
-          </a:sp3d>
-        </p:spPr>
-      </p:pic>
       <p:pic>
         <p:nvPicPr>
           <p:cNvPr id="5" name="圖片 4">
@@ -20714,11 +23816,11 @@
           <p:nvPr/>
         </p:nvPicPr>
         <p:blipFill>
-          <a:blip r:embed="rId4">
+          <a:blip r:embed="rId3">
             <a:extLst>
               <a:ext uri="{BEBA8EAE-BF5A-486C-A8C5-ECC9F3942E4B}">
                 <a14:imgProps xmlns:a14="http://schemas.microsoft.com/office/drawing/2010/main">
-                  <a14:imgLayer r:embed="rId5">
+                  <a14:imgLayer r:embed="rId4">
                     <a14:imgEffect>
                       <a14:artisticCutout/>
                     </a14:imgEffect>
@@ -20741,6 +23843,28 @@
           </a:prstGeom>
         </p:spPr>
       </p:pic>
+      <p:graphicFrame>
+        <p:nvGraphicFramePr>
+          <p:cNvPr id="4" name="資料庫圖表 3"/>
+          <p:cNvGraphicFramePr/>
+          <p:nvPr>
+            <p:extLst>
+              <p:ext uri="{D42A27DB-BD31-4B8C-83A1-F6EECF244321}">
+                <p14:modId xmlns:p14="http://schemas.microsoft.com/office/powerpoint/2010/main" val="2689355822"/>
+              </p:ext>
+            </p:extLst>
+          </p:nvPr>
+        </p:nvGraphicFramePr>
+        <p:xfrm>
+          <a:off x="483476" y="1250730"/>
+          <a:ext cx="8660524" cy="3436883"/>
+        </p:xfrm>
+        <a:graphic>
+          <a:graphicData uri="http://schemas.openxmlformats.org/drawingml/2006/diagram">
+            <dgm:relIds xmlns:dgm="http://schemas.openxmlformats.org/drawingml/2006/diagram" xmlns:r="http://schemas.openxmlformats.org/officeDocument/2006/relationships" r:dm="rId5" r:lo="rId6" r:qs="rId7" r:cs="rId8"/>
+          </a:graphicData>
+        </a:graphic>
+      </p:graphicFrame>
     </p:spTree>
     <p:extLst>
       <p:ext uri="{BB962C8B-B14F-4D97-AF65-F5344CB8AC3E}">
@@ -20814,49 +23938,20 @@
           </p:cNvPicPr>
           <p:nvPr/>
         </p:nvPicPr>
-        <p:blipFill rotWithShape="1">
+        <p:blipFill>
           <a:blip r:embed="rId2"/>
-          <a:srcRect b="39198"/>
-          <a:stretch/>
+          <a:stretch>
+            <a:fillRect/>
+          </a:stretch>
         </p:blipFill>
         <p:spPr>
           <a:xfrm>
-            <a:off x="2676942" y="745166"/>
-            <a:ext cx="5929356" cy="3868636"/>
+            <a:off x="3387561" y="520484"/>
+            <a:ext cx="3823136" cy="4102532"/>
           </a:xfrm>
           <a:prstGeom prst="rect">
             <a:avLst/>
           </a:prstGeom>
-          <a:solidFill>
-            <a:srgbClr val="FFFFFF">
-              <a:shade val="85000"/>
-            </a:srgbClr>
-          </a:solidFill>
-          <a:ln w="88900" cap="sq">
-            <a:solidFill>
-              <a:srgbClr val="FFFFFF"/>
-            </a:solidFill>
-            <a:miter lim="800000"/>
-          </a:ln>
-          <a:effectLst>
-            <a:outerShdw blurRad="55000" dist="18000" dir="5400000" algn="tl" rotWithShape="0">
-              <a:srgbClr val="000000">
-                <a:alpha val="40000"/>
-              </a:srgbClr>
-            </a:outerShdw>
-          </a:effectLst>
-          <a:scene3d>
-            <a:camera prst="orthographicFront"/>
-            <a:lightRig rig="twoPt" dir="t">
-              <a:rot lat="0" lon="0" rev="7200000"/>
-            </a:lightRig>
-          </a:scene3d>
-          <a:sp3d>
-            <a:bevelT w="25400" h="19050"/>
-            <a:contourClr>
-              <a:srgbClr val="FFFFFF"/>
-            </a:contourClr>
-          </a:sp3d>
         </p:spPr>
       </p:pic>
       <p:sp>
